--- a/Reports/UML/diagram.pptx
+++ b/Reports/UML/diagram.pptx
@@ -105,6 +105,11 @@
       </a:defRPr>
     </a:lvl9pPr>
   </p:defaultTextStyle>
+  <p:extLst>
+    <p:ext uri="{EFAFB233-063F-42B5-8137-9DF3F51BA10A}">
+      <p15:sldGuideLst xmlns:p15="http://schemas.microsoft.com/office/powerpoint/2012/main"/>
+    </p:ext>
+  </p:extLst>
 </p:presentation>
 </file>
 
@@ -251,7 +256,7 @@
           <a:p>
             <a:fld id="{37D254DE-7F3D-4BFF-BC2F-8BA99F5ABEC1}" type="datetimeFigureOut">
               <a:rPr lang="en-GB" smtClean="0"/>
-              <a:t>26/04/2016</a:t>
+              <a:t>28/04/2016</a:t>
             </a:fld>
             <a:endParaRPr lang="en-GB"/>
           </a:p>
@@ -421,7 +426,7 @@
           <a:p>
             <a:fld id="{37D254DE-7F3D-4BFF-BC2F-8BA99F5ABEC1}" type="datetimeFigureOut">
               <a:rPr lang="en-GB" smtClean="0"/>
-              <a:t>26/04/2016</a:t>
+              <a:t>28/04/2016</a:t>
             </a:fld>
             <a:endParaRPr lang="en-GB"/>
           </a:p>
@@ -601,7 +606,7 @@
           <a:p>
             <a:fld id="{37D254DE-7F3D-4BFF-BC2F-8BA99F5ABEC1}" type="datetimeFigureOut">
               <a:rPr lang="en-GB" smtClean="0"/>
-              <a:t>26/04/2016</a:t>
+              <a:t>28/04/2016</a:t>
             </a:fld>
             <a:endParaRPr lang="en-GB"/>
           </a:p>
@@ -771,7 +776,7 @@
           <a:p>
             <a:fld id="{37D254DE-7F3D-4BFF-BC2F-8BA99F5ABEC1}" type="datetimeFigureOut">
               <a:rPr lang="en-GB" smtClean="0"/>
-              <a:t>26/04/2016</a:t>
+              <a:t>28/04/2016</a:t>
             </a:fld>
             <a:endParaRPr lang="en-GB"/>
           </a:p>
@@ -1017,7 +1022,7 @@
           <a:p>
             <a:fld id="{37D254DE-7F3D-4BFF-BC2F-8BA99F5ABEC1}" type="datetimeFigureOut">
               <a:rPr lang="en-GB" smtClean="0"/>
-              <a:t>26/04/2016</a:t>
+              <a:t>28/04/2016</a:t>
             </a:fld>
             <a:endParaRPr lang="en-GB"/>
           </a:p>
@@ -1249,7 +1254,7 @@
           <a:p>
             <a:fld id="{37D254DE-7F3D-4BFF-BC2F-8BA99F5ABEC1}" type="datetimeFigureOut">
               <a:rPr lang="en-GB" smtClean="0"/>
-              <a:t>26/04/2016</a:t>
+              <a:t>28/04/2016</a:t>
             </a:fld>
             <a:endParaRPr lang="en-GB"/>
           </a:p>
@@ -1616,7 +1621,7 @@
           <a:p>
             <a:fld id="{37D254DE-7F3D-4BFF-BC2F-8BA99F5ABEC1}" type="datetimeFigureOut">
               <a:rPr lang="en-GB" smtClean="0"/>
-              <a:t>26/04/2016</a:t>
+              <a:t>28/04/2016</a:t>
             </a:fld>
             <a:endParaRPr lang="en-GB"/>
           </a:p>
@@ -1734,7 +1739,7 @@
           <a:p>
             <a:fld id="{37D254DE-7F3D-4BFF-BC2F-8BA99F5ABEC1}" type="datetimeFigureOut">
               <a:rPr lang="en-GB" smtClean="0"/>
-              <a:t>26/04/2016</a:t>
+              <a:t>28/04/2016</a:t>
             </a:fld>
             <a:endParaRPr lang="en-GB"/>
           </a:p>
@@ -1829,7 +1834,7 @@
           <a:p>
             <a:fld id="{37D254DE-7F3D-4BFF-BC2F-8BA99F5ABEC1}" type="datetimeFigureOut">
               <a:rPr lang="en-GB" smtClean="0"/>
-              <a:t>26/04/2016</a:t>
+              <a:t>28/04/2016</a:t>
             </a:fld>
             <a:endParaRPr lang="en-GB"/>
           </a:p>
@@ -2106,7 +2111,7 @@
           <a:p>
             <a:fld id="{37D254DE-7F3D-4BFF-BC2F-8BA99F5ABEC1}" type="datetimeFigureOut">
               <a:rPr lang="en-GB" smtClean="0"/>
-              <a:t>26/04/2016</a:t>
+              <a:t>28/04/2016</a:t>
             </a:fld>
             <a:endParaRPr lang="en-GB"/>
           </a:p>
@@ -2359,7 +2364,7 @@
           <a:p>
             <a:fld id="{37D254DE-7F3D-4BFF-BC2F-8BA99F5ABEC1}" type="datetimeFigureOut">
               <a:rPr lang="en-GB" smtClean="0"/>
-              <a:t>26/04/2016</a:t>
+              <a:t>28/04/2016</a:t>
             </a:fld>
             <a:endParaRPr lang="en-GB"/>
           </a:p>
@@ -2572,7 +2577,7 @@
           <a:p>
             <a:fld id="{37D254DE-7F3D-4BFF-BC2F-8BA99F5ABEC1}" type="datetimeFigureOut">
               <a:rPr lang="en-GB" smtClean="0"/>
-              <a:t>26/04/2016</a:t>
+              <a:t>28/04/2016</a:t>
             </a:fld>
             <a:endParaRPr lang="en-GB"/>
           </a:p>
@@ -3635,6 +3640,74 @@
           </a:p>
         </p:txBody>
       </p:sp>
+      <p:pic>
+        <p:nvPicPr>
+          <p:cNvPr id="2" name="Picture 2" descr="http://codeguida.com/media/post_title/29611.png"/>
+          <p:cNvPicPr>
+            <a:picLocks noChangeAspect="1" noChangeArrowheads="1"/>
+          </p:cNvPicPr>
+          <p:nvPr/>
+        </p:nvPicPr>
+        <p:blipFill>
+          <a:blip r:embed="rId3">
+            <a:extLst>
+              <a:ext uri="{28A0092B-C50C-407E-A947-70E740481C1C}">
+                <a14:useLocalDpi xmlns:a14="http://schemas.microsoft.com/office/drawing/2010/main" val="0"/>
+              </a:ext>
+            </a:extLst>
+          </a:blip>
+          <a:srcRect/>
+          <a:stretch>
+            <a:fillRect/>
+          </a:stretch>
+        </p:blipFill>
+        <p:spPr bwMode="auto">
+          <a:xfrm>
+            <a:off x="3829274" y="1623942"/>
+            <a:ext cx="845336" cy="845336"/>
+          </a:xfrm>
+          <a:prstGeom prst="rect">
+            <a:avLst/>
+          </a:prstGeom>
+          <a:solidFill>
+            <a:schemeClr val="bg1"/>
+          </a:solidFill>
+        </p:spPr>
+      </p:pic>
+      <p:pic>
+        <p:nvPicPr>
+          <p:cNvPr id="23" name="Picture 2" descr="http://codeguida.com/media/post_title/29611.png"/>
+          <p:cNvPicPr>
+            <a:picLocks noChangeAspect="1" noChangeArrowheads="1"/>
+          </p:cNvPicPr>
+          <p:nvPr/>
+        </p:nvPicPr>
+        <p:blipFill>
+          <a:blip r:embed="rId3">
+            <a:extLst>
+              <a:ext uri="{28A0092B-C50C-407E-A947-70E740481C1C}">
+                <a14:useLocalDpi xmlns:a14="http://schemas.microsoft.com/office/drawing/2010/main" val="0"/>
+              </a:ext>
+            </a:extLst>
+          </a:blip>
+          <a:srcRect/>
+          <a:stretch>
+            <a:fillRect/>
+          </a:stretch>
+        </p:blipFill>
+        <p:spPr bwMode="auto">
+          <a:xfrm>
+            <a:off x="3867475" y="3856016"/>
+            <a:ext cx="845336" cy="845336"/>
+          </a:xfrm>
+          <a:prstGeom prst="rect">
+            <a:avLst/>
+          </a:prstGeom>
+          <a:solidFill>
+            <a:schemeClr val="bg1"/>
+          </a:solidFill>
+        </p:spPr>
+      </p:pic>
     </p:spTree>
     <p:extLst>
       <p:ext uri="{BB962C8B-B14F-4D97-AF65-F5344CB8AC3E}">

--- a/Reports/UML/diagram.pptx
+++ b/Reports/UML/diagram.pptx
@@ -7,6 +7,8 @@
   <p:sldIdLst>
     <p:sldId id="256" r:id="rId2"/>
     <p:sldId id="257" r:id="rId3"/>
+    <p:sldId id="259" r:id="rId4"/>
+    <p:sldId id="258" r:id="rId5"/>
   </p:sldIdLst>
   <p:sldSz cx="12192000" cy="6858000"/>
   <p:notesSz cx="6858000" cy="9144000"/>
@@ -256,7 +258,7 @@
           <a:p>
             <a:fld id="{37D254DE-7F3D-4BFF-BC2F-8BA99F5ABEC1}" type="datetimeFigureOut">
               <a:rPr lang="en-GB" smtClean="0"/>
-              <a:t>28/04/2016</a:t>
+              <a:t>01/05/2016</a:t>
             </a:fld>
             <a:endParaRPr lang="en-GB"/>
           </a:p>
@@ -426,7 +428,7 @@
           <a:p>
             <a:fld id="{37D254DE-7F3D-4BFF-BC2F-8BA99F5ABEC1}" type="datetimeFigureOut">
               <a:rPr lang="en-GB" smtClean="0"/>
-              <a:t>28/04/2016</a:t>
+              <a:t>01/05/2016</a:t>
             </a:fld>
             <a:endParaRPr lang="en-GB"/>
           </a:p>
@@ -606,7 +608,7 @@
           <a:p>
             <a:fld id="{37D254DE-7F3D-4BFF-BC2F-8BA99F5ABEC1}" type="datetimeFigureOut">
               <a:rPr lang="en-GB" smtClean="0"/>
-              <a:t>28/04/2016</a:t>
+              <a:t>01/05/2016</a:t>
             </a:fld>
             <a:endParaRPr lang="en-GB"/>
           </a:p>
@@ -776,7 +778,7 @@
           <a:p>
             <a:fld id="{37D254DE-7F3D-4BFF-BC2F-8BA99F5ABEC1}" type="datetimeFigureOut">
               <a:rPr lang="en-GB" smtClean="0"/>
-              <a:t>28/04/2016</a:t>
+              <a:t>01/05/2016</a:t>
             </a:fld>
             <a:endParaRPr lang="en-GB"/>
           </a:p>
@@ -1022,7 +1024,7 @@
           <a:p>
             <a:fld id="{37D254DE-7F3D-4BFF-BC2F-8BA99F5ABEC1}" type="datetimeFigureOut">
               <a:rPr lang="en-GB" smtClean="0"/>
-              <a:t>28/04/2016</a:t>
+              <a:t>01/05/2016</a:t>
             </a:fld>
             <a:endParaRPr lang="en-GB"/>
           </a:p>
@@ -1254,7 +1256,7 @@
           <a:p>
             <a:fld id="{37D254DE-7F3D-4BFF-BC2F-8BA99F5ABEC1}" type="datetimeFigureOut">
               <a:rPr lang="en-GB" smtClean="0"/>
-              <a:t>28/04/2016</a:t>
+              <a:t>01/05/2016</a:t>
             </a:fld>
             <a:endParaRPr lang="en-GB"/>
           </a:p>
@@ -1621,7 +1623,7 @@
           <a:p>
             <a:fld id="{37D254DE-7F3D-4BFF-BC2F-8BA99F5ABEC1}" type="datetimeFigureOut">
               <a:rPr lang="en-GB" smtClean="0"/>
-              <a:t>28/04/2016</a:t>
+              <a:t>01/05/2016</a:t>
             </a:fld>
             <a:endParaRPr lang="en-GB"/>
           </a:p>
@@ -1739,7 +1741,7 @@
           <a:p>
             <a:fld id="{37D254DE-7F3D-4BFF-BC2F-8BA99F5ABEC1}" type="datetimeFigureOut">
               <a:rPr lang="en-GB" smtClean="0"/>
-              <a:t>28/04/2016</a:t>
+              <a:t>01/05/2016</a:t>
             </a:fld>
             <a:endParaRPr lang="en-GB"/>
           </a:p>
@@ -1834,7 +1836,7 @@
           <a:p>
             <a:fld id="{37D254DE-7F3D-4BFF-BC2F-8BA99F5ABEC1}" type="datetimeFigureOut">
               <a:rPr lang="en-GB" smtClean="0"/>
-              <a:t>28/04/2016</a:t>
+              <a:t>01/05/2016</a:t>
             </a:fld>
             <a:endParaRPr lang="en-GB"/>
           </a:p>
@@ -2111,7 +2113,7 @@
           <a:p>
             <a:fld id="{37D254DE-7F3D-4BFF-BC2F-8BA99F5ABEC1}" type="datetimeFigureOut">
               <a:rPr lang="en-GB" smtClean="0"/>
-              <a:t>28/04/2016</a:t>
+              <a:t>01/05/2016</a:t>
             </a:fld>
             <a:endParaRPr lang="en-GB"/>
           </a:p>
@@ -2364,7 +2366,7 @@
           <a:p>
             <a:fld id="{37D254DE-7F3D-4BFF-BC2F-8BA99F5ABEC1}" type="datetimeFigureOut">
               <a:rPr lang="en-GB" smtClean="0"/>
-              <a:t>28/04/2016</a:t>
+              <a:t>01/05/2016</a:t>
             </a:fld>
             <a:endParaRPr lang="en-GB"/>
           </a:p>
@@ -2577,7 +2579,7 @@
           <a:p>
             <a:fld id="{37D254DE-7F3D-4BFF-BC2F-8BA99F5ABEC1}" type="datetimeFigureOut">
               <a:rPr lang="en-GB" smtClean="0"/>
-              <a:t>28/04/2016</a:t>
+              <a:t>01/05/2016</a:t>
             </a:fld>
             <a:endParaRPr lang="en-GB"/>
           </a:p>
@@ -4678,10 +4680,2553 @@
           </a:p>
         </p:txBody>
       </p:sp>
+      <p:cxnSp>
+        <p:nvCxnSpPr>
+          <p:cNvPr id="6" name="Straight Connector 5"/>
+          <p:cNvCxnSpPr>
+            <a:stCxn id="14" idx="3"/>
+            <a:endCxn id="7" idx="1"/>
+          </p:cNvCxnSpPr>
+          <p:nvPr/>
+        </p:nvCxnSpPr>
+        <p:spPr>
+          <a:xfrm>
+            <a:off x="5681661" y="1373981"/>
+            <a:ext cx="428625" cy="0"/>
+          </a:xfrm>
+          <a:prstGeom prst="line">
+            <a:avLst/>
+          </a:prstGeom>
+        </p:spPr>
+        <p:style>
+          <a:lnRef idx="3">
+            <a:schemeClr val="dk1"/>
+          </a:lnRef>
+          <a:fillRef idx="0">
+            <a:schemeClr val="dk1"/>
+          </a:fillRef>
+          <a:effectRef idx="2">
+            <a:schemeClr val="dk1"/>
+          </a:effectRef>
+          <a:fontRef idx="minor">
+            <a:schemeClr val="tx1"/>
+          </a:fontRef>
+        </p:style>
+      </p:cxnSp>
+      <p:cxnSp>
+        <p:nvCxnSpPr>
+          <p:cNvPr id="26" name="Straight Connector 25"/>
+          <p:cNvCxnSpPr/>
+          <p:nvPr/>
+        </p:nvCxnSpPr>
+        <p:spPr>
+          <a:xfrm>
+            <a:off x="5681661" y="5517886"/>
+            <a:ext cx="428625" cy="0"/>
+          </a:xfrm>
+          <a:prstGeom prst="line">
+            <a:avLst/>
+          </a:prstGeom>
+        </p:spPr>
+        <p:style>
+          <a:lnRef idx="3">
+            <a:schemeClr val="dk1"/>
+          </a:lnRef>
+          <a:fillRef idx="0">
+            <a:schemeClr val="dk1"/>
+          </a:fillRef>
+          <a:effectRef idx="2">
+            <a:schemeClr val="dk1"/>
+          </a:effectRef>
+          <a:fontRef idx="minor">
+            <a:schemeClr val="tx1"/>
+          </a:fontRef>
+        </p:style>
+      </p:cxnSp>
     </p:spTree>
     <p:extLst>
       <p:ext uri="{BB962C8B-B14F-4D97-AF65-F5344CB8AC3E}">
         <p14:creationId xmlns:p14="http://schemas.microsoft.com/office/powerpoint/2010/main" val="3847032175"/>
+      </p:ext>
+    </p:extLst>
+  </p:cSld>
+  <p:clrMapOvr>
+    <a:masterClrMapping/>
+  </p:clrMapOvr>
+</p:sld>
+</file>
+
+<file path=ppt/slides/slide3.xml><?xml version="1.0" encoding="utf-8"?>
+<p:sld xmlns:a="http://schemas.openxmlformats.org/drawingml/2006/main" xmlns:r="http://schemas.openxmlformats.org/officeDocument/2006/relationships" xmlns:p="http://schemas.openxmlformats.org/presentationml/2006/main">
+  <p:cSld>
+    <p:spTree>
+      <p:nvGrpSpPr>
+        <p:cNvPr id="1" name=""/>
+        <p:cNvGrpSpPr/>
+        <p:nvPr/>
+      </p:nvGrpSpPr>
+      <p:grpSpPr>
+        <a:xfrm>
+          <a:off x="0" y="0"/>
+          <a:ext cx="0" cy="0"/>
+          <a:chOff x="0" y="0"/>
+          <a:chExt cx="0" cy="0"/>
+        </a:xfrm>
+      </p:grpSpPr>
+      <p:sp>
+        <p:nvSpPr>
+          <p:cNvPr id="2" name="Flowchart: Magnetic Disk 1"/>
+          <p:cNvSpPr/>
+          <p:nvPr/>
+        </p:nvSpPr>
+        <p:spPr>
+          <a:xfrm>
+            <a:off x="6575578" y="519889"/>
+            <a:ext cx="1484649" cy="1553196"/>
+          </a:xfrm>
+          <a:prstGeom prst="flowChartMagneticDisk">
+            <a:avLst/>
+          </a:prstGeom>
+        </p:spPr>
+        <p:style>
+          <a:lnRef idx="2">
+            <a:schemeClr val="accent3">
+              <a:shade val="50000"/>
+            </a:schemeClr>
+          </a:lnRef>
+          <a:fillRef idx="1">
+            <a:schemeClr val="accent3"/>
+          </a:fillRef>
+          <a:effectRef idx="0">
+            <a:schemeClr val="accent3"/>
+          </a:effectRef>
+          <a:fontRef idx="minor">
+            <a:schemeClr val="lt1"/>
+          </a:fontRef>
+        </p:style>
+        <p:txBody>
+          <a:bodyPr rtlCol="0" anchor="ctr"/>
+          <a:lstStyle/>
+          <a:p>
+            <a:pPr algn="ctr"/>
+            <a:r>
+              <a:rPr lang="en-GB" dirty="0"/>
+              <a:t>Sensor Observation</a:t>
+            </a:r>
+          </a:p>
+          <a:p>
+            <a:pPr algn="ctr"/>
+            <a:r>
+              <a:rPr lang="en-GB" dirty="0"/>
+              <a:t>Service</a:t>
+            </a:r>
+          </a:p>
+        </p:txBody>
+      </p:sp>
+      <p:sp>
+        <p:nvSpPr>
+          <p:cNvPr id="3" name="Flowchart: Magnetic Disk 2"/>
+          <p:cNvSpPr/>
+          <p:nvPr/>
+        </p:nvSpPr>
+        <p:spPr>
+          <a:xfrm>
+            <a:off x="8242453" y="91264"/>
+            <a:ext cx="1484649" cy="1553196"/>
+          </a:xfrm>
+          <a:prstGeom prst="flowChartMagneticDisk">
+            <a:avLst/>
+          </a:prstGeom>
+        </p:spPr>
+        <p:style>
+          <a:lnRef idx="2">
+            <a:schemeClr val="accent3">
+              <a:shade val="50000"/>
+            </a:schemeClr>
+          </a:lnRef>
+          <a:fillRef idx="1">
+            <a:schemeClr val="accent3"/>
+          </a:fillRef>
+          <a:effectRef idx="0">
+            <a:schemeClr val="accent3"/>
+          </a:effectRef>
+          <a:fontRef idx="minor">
+            <a:schemeClr val="lt1"/>
+          </a:fontRef>
+        </p:style>
+        <p:txBody>
+          <a:bodyPr rtlCol="0" anchor="ctr"/>
+          <a:lstStyle/>
+          <a:p>
+            <a:pPr algn="ctr"/>
+            <a:r>
+              <a:rPr lang="en-GB" dirty="0"/>
+              <a:t>Sensor Observation</a:t>
+            </a:r>
+          </a:p>
+          <a:p>
+            <a:pPr algn="ctr"/>
+            <a:r>
+              <a:rPr lang="en-GB" dirty="0"/>
+              <a:t>Service</a:t>
+            </a:r>
+          </a:p>
+        </p:txBody>
+      </p:sp>
+      <p:sp>
+        <p:nvSpPr>
+          <p:cNvPr id="4" name="Flowchart: Magnetic Disk 3"/>
+          <p:cNvSpPr/>
+          <p:nvPr/>
+        </p:nvSpPr>
+        <p:spPr>
+          <a:xfrm>
+            <a:off x="7832878" y="1424764"/>
+            <a:ext cx="1484649" cy="1553196"/>
+          </a:xfrm>
+          <a:prstGeom prst="flowChartMagneticDisk">
+            <a:avLst/>
+          </a:prstGeom>
+        </p:spPr>
+        <p:style>
+          <a:lnRef idx="2">
+            <a:schemeClr val="accent3">
+              <a:shade val="50000"/>
+            </a:schemeClr>
+          </a:lnRef>
+          <a:fillRef idx="1">
+            <a:schemeClr val="accent3"/>
+          </a:fillRef>
+          <a:effectRef idx="0">
+            <a:schemeClr val="accent3"/>
+          </a:effectRef>
+          <a:fontRef idx="minor">
+            <a:schemeClr val="lt1"/>
+          </a:fontRef>
+        </p:style>
+        <p:txBody>
+          <a:bodyPr rtlCol="0" anchor="ctr"/>
+          <a:lstStyle/>
+          <a:p>
+            <a:pPr algn="ctr"/>
+            <a:r>
+              <a:rPr lang="en-GB" dirty="0"/>
+              <a:t>Sensor Observation</a:t>
+            </a:r>
+          </a:p>
+          <a:p>
+            <a:pPr algn="ctr"/>
+            <a:r>
+              <a:rPr lang="en-GB" dirty="0"/>
+              <a:t>Service</a:t>
+            </a:r>
+          </a:p>
+        </p:txBody>
+      </p:sp>
+      <p:sp>
+        <p:nvSpPr>
+          <p:cNvPr id="6" name="Rectangle 5"/>
+          <p:cNvSpPr/>
+          <p:nvPr/>
+        </p:nvSpPr>
+        <p:spPr>
+          <a:xfrm>
+            <a:off x="5000998" y="3311451"/>
+            <a:ext cx="1574580" cy="1070748"/>
+          </a:xfrm>
+          <a:prstGeom prst="rect">
+            <a:avLst/>
+          </a:prstGeom>
+        </p:spPr>
+        <p:style>
+          <a:lnRef idx="3">
+            <a:schemeClr val="lt1"/>
+          </a:lnRef>
+          <a:fillRef idx="1">
+            <a:schemeClr val="accent1"/>
+          </a:fillRef>
+          <a:effectRef idx="1">
+            <a:schemeClr val="accent1"/>
+          </a:effectRef>
+          <a:fontRef idx="minor">
+            <a:schemeClr val="lt1"/>
+          </a:fontRef>
+        </p:style>
+        <p:txBody>
+          <a:bodyPr rtlCol="0" anchor="ctr"/>
+          <a:lstStyle/>
+          <a:p>
+            <a:pPr algn="ctr"/>
+            <a:r>
+              <a:rPr lang="en-GB" dirty="0"/>
+              <a:t>Web Processing Service</a:t>
+            </a:r>
+          </a:p>
+        </p:txBody>
+      </p:sp>
+      <p:sp>
+        <p:nvSpPr>
+          <p:cNvPr id="7" name="Right Arrow 6"/>
+          <p:cNvSpPr/>
+          <p:nvPr/>
+        </p:nvSpPr>
+        <p:spPr>
+          <a:xfrm rot="-13200000">
+            <a:off x="6599376" y="2884256"/>
+            <a:ext cx="934608" cy="276994"/>
+          </a:xfrm>
+          <a:prstGeom prst="rightArrow">
+            <a:avLst/>
+          </a:prstGeom>
+        </p:spPr>
+        <p:style>
+          <a:lnRef idx="3">
+            <a:schemeClr val="lt1"/>
+          </a:lnRef>
+          <a:fillRef idx="1">
+            <a:schemeClr val="accent2"/>
+          </a:fillRef>
+          <a:effectRef idx="1">
+            <a:schemeClr val="accent2"/>
+          </a:effectRef>
+          <a:fontRef idx="minor">
+            <a:schemeClr val="lt1"/>
+          </a:fontRef>
+        </p:style>
+        <p:txBody>
+          <a:bodyPr rtlCol="0" anchor="ctr"/>
+          <a:lstStyle/>
+          <a:p>
+            <a:pPr algn="ctr"/>
+            <a:endParaRPr lang="en-GB" dirty="0"/>
+          </a:p>
+        </p:txBody>
+      </p:sp>
+      <p:sp>
+        <p:nvSpPr>
+          <p:cNvPr id="8" name="Right Arrow 7"/>
+          <p:cNvSpPr/>
+          <p:nvPr/>
+        </p:nvSpPr>
+        <p:spPr>
+          <a:xfrm rot="-2400000">
+            <a:off x="6436585" y="2706751"/>
+            <a:ext cx="934608" cy="276994"/>
+          </a:xfrm>
+          <a:prstGeom prst="rightArrow">
+            <a:avLst/>
+          </a:prstGeom>
+        </p:spPr>
+        <p:style>
+          <a:lnRef idx="3">
+            <a:schemeClr val="lt1"/>
+          </a:lnRef>
+          <a:fillRef idx="1">
+            <a:schemeClr val="accent2"/>
+          </a:fillRef>
+          <a:effectRef idx="1">
+            <a:schemeClr val="accent2"/>
+          </a:effectRef>
+          <a:fontRef idx="minor">
+            <a:schemeClr val="lt1"/>
+          </a:fontRef>
+        </p:style>
+        <p:txBody>
+          <a:bodyPr rtlCol="0" anchor="ctr"/>
+          <a:lstStyle/>
+          <a:p>
+            <a:pPr algn="ctr"/>
+            <a:endParaRPr lang="en-GB" dirty="0"/>
+          </a:p>
+        </p:txBody>
+      </p:sp>
+      <p:sp>
+        <p:nvSpPr>
+          <p:cNvPr id="9" name="Right Arrow 8"/>
+          <p:cNvSpPr/>
+          <p:nvPr/>
+        </p:nvSpPr>
+        <p:spPr>
+          <a:xfrm rot="13200000">
+            <a:off x="4189304" y="2745674"/>
+            <a:ext cx="934608" cy="276994"/>
+          </a:xfrm>
+          <a:prstGeom prst="rightArrow">
+            <a:avLst/>
+          </a:prstGeom>
+        </p:spPr>
+        <p:style>
+          <a:lnRef idx="3">
+            <a:schemeClr val="lt1"/>
+          </a:lnRef>
+          <a:fillRef idx="1">
+            <a:schemeClr val="accent2"/>
+          </a:fillRef>
+          <a:effectRef idx="1">
+            <a:schemeClr val="accent2"/>
+          </a:effectRef>
+          <a:fontRef idx="minor">
+            <a:schemeClr val="lt1"/>
+          </a:fontRef>
+        </p:style>
+        <p:txBody>
+          <a:bodyPr rtlCol="0" anchor="ctr"/>
+          <a:lstStyle/>
+          <a:p>
+            <a:pPr algn="ctr"/>
+            <a:endParaRPr lang="en-GB" dirty="0"/>
+          </a:p>
+        </p:txBody>
+      </p:sp>
+      <p:sp>
+        <p:nvSpPr>
+          <p:cNvPr id="10" name="Right Arrow 9"/>
+          <p:cNvSpPr/>
+          <p:nvPr/>
+        </p:nvSpPr>
+        <p:spPr>
+          <a:xfrm rot="2400000">
+            <a:off x="4026389" y="2929051"/>
+            <a:ext cx="934608" cy="276994"/>
+          </a:xfrm>
+          <a:prstGeom prst="rightArrow">
+            <a:avLst/>
+          </a:prstGeom>
+        </p:spPr>
+        <p:style>
+          <a:lnRef idx="3">
+            <a:schemeClr val="lt1"/>
+          </a:lnRef>
+          <a:fillRef idx="1">
+            <a:schemeClr val="accent2"/>
+          </a:fillRef>
+          <a:effectRef idx="1">
+            <a:schemeClr val="accent2"/>
+          </a:effectRef>
+          <a:fontRef idx="minor">
+            <a:schemeClr val="lt1"/>
+          </a:fontRef>
+        </p:style>
+        <p:txBody>
+          <a:bodyPr rtlCol="0" anchor="ctr"/>
+          <a:lstStyle/>
+          <a:p>
+            <a:pPr algn="ctr"/>
+            <a:endParaRPr lang="en-GB" dirty="0"/>
+          </a:p>
+        </p:txBody>
+      </p:sp>
+      <p:sp>
+        <p:nvSpPr>
+          <p:cNvPr id="11" name="Right Arrow 10"/>
+          <p:cNvSpPr/>
+          <p:nvPr/>
+        </p:nvSpPr>
+        <p:spPr>
+          <a:xfrm rot="5400000">
+            <a:off x="5420417" y="4758999"/>
+            <a:ext cx="934608" cy="276994"/>
+          </a:xfrm>
+          <a:prstGeom prst="rightArrow">
+            <a:avLst/>
+          </a:prstGeom>
+        </p:spPr>
+        <p:style>
+          <a:lnRef idx="3">
+            <a:schemeClr val="lt1"/>
+          </a:lnRef>
+          <a:fillRef idx="1">
+            <a:schemeClr val="accent2"/>
+          </a:fillRef>
+          <a:effectRef idx="1">
+            <a:schemeClr val="accent2"/>
+          </a:effectRef>
+          <a:fontRef idx="minor">
+            <a:schemeClr val="lt1"/>
+          </a:fontRef>
+        </p:style>
+        <p:txBody>
+          <a:bodyPr rtlCol="0" anchor="ctr"/>
+          <a:lstStyle/>
+          <a:p>
+            <a:pPr algn="ctr"/>
+            <a:endParaRPr lang="en-GB" dirty="0"/>
+          </a:p>
+        </p:txBody>
+      </p:sp>
+      <p:sp>
+        <p:nvSpPr>
+          <p:cNvPr id="12" name="Right Arrow 11"/>
+          <p:cNvSpPr/>
+          <p:nvPr/>
+        </p:nvSpPr>
+        <p:spPr>
+          <a:xfrm rot="16200000">
+            <a:off x="5143423" y="4760937"/>
+            <a:ext cx="934608" cy="276994"/>
+          </a:xfrm>
+          <a:prstGeom prst="rightArrow">
+            <a:avLst/>
+          </a:prstGeom>
+        </p:spPr>
+        <p:style>
+          <a:lnRef idx="3">
+            <a:schemeClr val="lt1"/>
+          </a:lnRef>
+          <a:fillRef idx="1">
+            <a:schemeClr val="accent2"/>
+          </a:fillRef>
+          <a:effectRef idx="1">
+            <a:schemeClr val="accent2"/>
+          </a:effectRef>
+          <a:fontRef idx="minor">
+            <a:schemeClr val="lt1"/>
+          </a:fontRef>
+        </p:style>
+        <p:txBody>
+          <a:bodyPr rtlCol="0" anchor="ctr"/>
+          <a:lstStyle/>
+          <a:p>
+            <a:pPr algn="ctr"/>
+            <a:endParaRPr lang="en-GB" dirty="0"/>
+          </a:p>
+        </p:txBody>
+      </p:sp>
+      <p:sp>
+        <p:nvSpPr>
+          <p:cNvPr id="28" name="Cloud 27"/>
+          <p:cNvSpPr/>
+          <p:nvPr/>
+        </p:nvSpPr>
+        <p:spPr>
+          <a:xfrm>
+            <a:off x="1965762" y="1277992"/>
+            <a:ext cx="2533650" cy="1437188"/>
+          </a:xfrm>
+          <a:prstGeom prst="cloud">
+            <a:avLst/>
+          </a:prstGeom>
+          <a:solidFill>
+            <a:schemeClr val="bg1"/>
+          </a:solidFill>
+          <a:ln>
+            <a:solidFill>
+              <a:schemeClr val="tx1"/>
+            </a:solidFill>
+          </a:ln>
+        </p:spPr>
+        <p:style>
+          <a:lnRef idx="2">
+            <a:schemeClr val="accent1">
+              <a:shade val="50000"/>
+            </a:schemeClr>
+          </a:lnRef>
+          <a:fillRef idx="1">
+            <a:schemeClr val="accent1"/>
+          </a:fillRef>
+          <a:effectRef idx="0">
+            <a:schemeClr val="accent1"/>
+          </a:effectRef>
+          <a:fontRef idx="minor">
+            <a:schemeClr val="lt1"/>
+          </a:fontRef>
+        </p:style>
+        <p:txBody>
+          <a:bodyPr rtlCol="0" anchor="ctr"/>
+          <a:lstStyle/>
+          <a:p>
+            <a:pPr algn="ctr"/>
+            <a:endParaRPr lang="en-GB"/>
+          </a:p>
+        </p:txBody>
+      </p:sp>
+      <p:sp>
+        <p:nvSpPr>
+          <p:cNvPr id="23" name="TextBox 22"/>
+          <p:cNvSpPr txBox="1"/>
+          <p:nvPr/>
+        </p:nvSpPr>
+        <p:spPr>
+          <a:xfrm>
+            <a:off x="2474927" y="1792586"/>
+            <a:ext cx="1574963" cy="369332"/>
+          </a:xfrm>
+          <a:prstGeom prst="rect">
+            <a:avLst/>
+          </a:prstGeom>
+          <a:noFill/>
+        </p:spPr>
+        <p:txBody>
+          <a:bodyPr wrap="square" rtlCol="0">
+            <a:spAutoFit/>
+          </a:bodyPr>
+          <a:lstStyle/>
+          <a:p>
+            <a:r>
+              <a:rPr lang="en-GB" dirty="0"/>
+              <a:t>Semantic web</a:t>
+            </a:r>
+          </a:p>
+        </p:txBody>
+      </p:sp>
+      <p:sp>
+        <p:nvSpPr>
+          <p:cNvPr id="29" name="TextBox 28"/>
+          <p:cNvSpPr txBox="1"/>
+          <p:nvPr/>
+        </p:nvSpPr>
+        <p:spPr>
+          <a:xfrm>
+            <a:off x="6083018" y="4431262"/>
+            <a:ext cx="1743663" cy="1200329"/>
+          </a:xfrm>
+          <a:prstGeom prst="rect">
+            <a:avLst/>
+          </a:prstGeom>
+          <a:noFill/>
+        </p:spPr>
+        <p:txBody>
+          <a:bodyPr wrap="square" rtlCol="0">
+            <a:spAutoFit/>
+          </a:bodyPr>
+          <a:lstStyle/>
+          <a:p>
+            <a:r>
+              <a:rPr lang="en-GB" dirty="0"/>
+              <a:t>4.</a:t>
+            </a:r>
+            <a:r>
+              <a:rPr lang="en-GB" i="1" dirty="0"/>
+              <a:t> </a:t>
+            </a:r>
+            <a:r>
+              <a:rPr lang="en-GB" dirty="0"/>
+              <a:t>Return integrated and aggregated sensor data</a:t>
+            </a:r>
+          </a:p>
+        </p:txBody>
+      </p:sp>
+      <p:sp>
+        <p:nvSpPr>
+          <p:cNvPr id="30" name="TextBox 29"/>
+          <p:cNvSpPr txBox="1"/>
+          <p:nvPr/>
+        </p:nvSpPr>
+        <p:spPr>
+          <a:xfrm>
+            <a:off x="4231810" y="4403006"/>
+            <a:ext cx="1307537" cy="646331"/>
+          </a:xfrm>
+          <a:prstGeom prst="rect">
+            <a:avLst/>
+          </a:prstGeom>
+          <a:noFill/>
+        </p:spPr>
+        <p:txBody>
+          <a:bodyPr wrap="square" rtlCol="0">
+            <a:spAutoFit/>
+          </a:bodyPr>
+          <a:lstStyle/>
+          <a:p>
+            <a:r>
+              <a:rPr lang="en-GB" dirty="0"/>
+              <a:t>1.</a:t>
+            </a:r>
+            <a:r>
+              <a:rPr lang="en-GB" i="1" dirty="0"/>
+              <a:t> </a:t>
+            </a:r>
+            <a:r>
+              <a:rPr lang="en-GB" dirty="0"/>
+              <a:t>Request sensor data</a:t>
+            </a:r>
+          </a:p>
+        </p:txBody>
+      </p:sp>
+      <p:sp>
+        <p:nvSpPr>
+          <p:cNvPr id="31" name="TextBox 30"/>
+          <p:cNvSpPr txBox="1"/>
+          <p:nvPr/>
+        </p:nvSpPr>
+        <p:spPr>
+          <a:xfrm>
+            <a:off x="2913395" y="2940671"/>
+            <a:ext cx="1503405" cy="646331"/>
+          </a:xfrm>
+          <a:prstGeom prst="rect">
+            <a:avLst/>
+          </a:prstGeom>
+          <a:noFill/>
+        </p:spPr>
+        <p:txBody>
+          <a:bodyPr wrap="square" rtlCol="0">
+            <a:spAutoFit/>
+          </a:bodyPr>
+          <a:lstStyle/>
+          <a:p>
+            <a:r>
+              <a:rPr lang="en-GB" dirty="0"/>
+              <a:t>2.</a:t>
+            </a:r>
+            <a:r>
+              <a:rPr lang="en-GB" i="1" dirty="0"/>
+              <a:t> </a:t>
+            </a:r>
+            <a:r>
+              <a:rPr lang="en-GB" dirty="0"/>
+              <a:t>Find sensor metadata </a:t>
+            </a:r>
+          </a:p>
+        </p:txBody>
+      </p:sp>
+      <p:sp>
+        <p:nvSpPr>
+          <p:cNvPr id="32" name="TextBox 31"/>
+          <p:cNvSpPr txBox="1"/>
+          <p:nvPr/>
+        </p:nvSpPr>
+        <p:spPr>
+          <a:xfrm>
+            <a:off x="7184539" y="2943320"/>
+            <a:ext cx="1750614" cy="646331"/>
+          </a:xfrm>
+          <a:prstGeom prst="rect">
+            <a:avLst/>
+          </a:prstGeom>
+          <a:noFill/>
+        </p:spPr>
+        <p:txBody>
+          <a:bodyPr wrap="square" rtlCol="0">
+            <a:spAutoFit/>
+          </a:bodyPr>
+          <a:lstStyle/>
+          <a:p>
+            <a:r>
+              <a:rPr lang="en-GB" dirty="0"/>
+              <a:t>3.</a:t>
+            </a:r>
+            <a:r>
+              <a:rPr lang="en-GB" i="1" dirty="0"/>
+              <a:t> </a:t>
+            </a:r>
+            <a:r>
+              <a:rPr lang="en-GB" dirty="0"/>
+              <a:t>Retrieve sensor data</a:t>
+            </a:r>
+          </a:p>
+        </p:txBody>
+      </p:sp>
+      <p:pic>
+        <p:nvPicPr>
+          <p:cNvPr id="1026" name="Picture 2" descr="https://cdn0.iconfinder.com/data/icons/future/512/notebook-512.png"/>
+          <p:cNvPicPr>
+            <a:picLocks noChangeAspect="1" noChangeArrowheads="1"/>
+          </p:cNvPicPr>
+          <p:nvPr/>
+        </p:nvPicPr>
+        <p:blipFill>
+          <a:blip r:embed="rId2">
+            <a:extLst>
+              <a:ext uri="{28A0092B-C50C-407E-A947-70E740481C1C}">
+                <a14:useLocalDpi xmlns:a14="http://schemas.microsoft.com/office/drawing/2010/main" val="0"/>
+              </a:ext>
+            </a:extLst>
+          </a:blip>
+          <a:srcRect/>
+          <a:stretch>
+            <a:fillRect/>
+          </a:stretch>
+        </p:blipFill>
+        <p:spPr bwMode="auto">
+          <a:xfrm>
+            <a:off x="5138601" y="5469120"/>
+            <a:ext cx="1173644" cy="1173644"/>
+          </a:xfrm>
+          <a:prstGeom prst="rect">
+            <a:avLst/>
+          </a:prstGeom>
+          <a:noFill/>
+          <a:extLst>
+            <a:ext uri="{909E8E84-426E-40DD-AFC4-6F175D3DCCD1}">
+              <a14:hiddenFill xmlns:a14="http://schemas.microsoft.com/office/drawing/2010/main">
+                <a:solidFill>
+                  <a:srgbClr val="FFFFFF"/>
+                </a:solidFill>
+              </a14:hiddenFill>
+            </a:ext>
+          </a:extLst>
+        </p:spPr>
+      </p:pic>
+      <p:cxnSp>
+        <p:nvCxnSpPr>
+          <p:cNvPr id="37" name="Straight Connector 36"/>
+          <p:cNvCxnSpPr>
+            <a:stCxn id="6" idx="0"/>
+          </p:cNvCxnSpPr>
+          <p:nvPr/>
+        </p:nvCxnSpPr>
+        <p:spPr>
+          <a:xfrm flipV="1">
+            <a:off x="5788288" y="0"/>
+            <a:ext cx="0" cy="3311451"/>
+          </a:xfrm>
+          <a:prstGeom prst="line">
+            <a:avLst/>
+          </a:prstGeom>
+          <a:ln w="9525" cap="flat" cmpd="sng" algn="ctr">
+            <a:solidFill>
+              <a:schemeClr val="dk1"/>
+            </a:solidFill>
+            <a:prstDash val="dash"/>
+            <a:round/>
+            <a:headEnd type="none" w="med" len="med"/>
+            <a:tailEnd type="none" w="med" len="med"/>
+          </a:ln>
+        </p:spPr>
+        <p:style>
+          <a:lnRef idx="0">
+            <a:scrgbClr r="0" g="0" b="0"/>
+          </a:lnRef>
+          <a:fillRef idx="0">
+            <a:scrgbClr r="0" g="0" b="0"/>
+          </a:fillRef>
+          <a:effectRef idx="0">
+            <a:scrgbClr r="0" g="0" b="0"/>
+          </a:effectRef>
+          <a:fontRef idx="minor">
+            <a:schemeClr val="tx1"/>
+          </a:fontRef>
+        </p:style>
+      </p:cxnSp>
+      <p:cxnSp>
+        <p:nvCxnSpPr>
+          <p:cNvPr id="40" name="Straight Connector 39"/>
+          <p:cNvCxnSpPr>
+            <a:stCxn id="6" idx="3"/>
+          </p:cNvCxnSpPr>
+          <p:nvPr/>
+        </p:nvCxnSpPr>
+        <p:spPr>
+          <a:xfrm>
+            <a:off x="6575578" y="3846825"/>
+            <a:ext cx="3739997" cy="0"/>
+          </a:xfrm>
+          <a:prstGeom prst="line">
+            <a:avLst/>
+          </a:prstGeom>
+          <a:ln w="9525" cap="flat" cmpd="sng" algn="ctr">
+            <a:solidFill>
+              <a:schemeClr val="dk1"/>
+            </a:solidFill>
+            <a:prstDash val="dash"/>
+            <a:round/>
+            <a:headEnd type="none" w="med" len="med"/>
+            <a:tailEnd type="none" w="med" len="med"/>
+          </a:ln>
+        </p:spPr>
+        <p:style>
+          <a:lnRef idx="0">
+            <a:scrgbClr r="0" g="0" b="0"/>
+          </a:lnRef>
+          <a:fillRef idx="0">
+            <a:scrgbClr r="0" g="0" b="0"/>
+          </a:fillRef>
+          <a:effectRef idx="0">
+            <a:scrgbClr r="0" g="0" b="0"/>
+          </a:effectRef>
+          <a:fontRef idx="minor">
+            <a:schemeClr val="tx1"/>
+          </a:fontRef>
+        </p:style>
+      </p:cxnSp>
+      <p:cxnSp>
+        <p:nvCxnSpPr>
+          <p:cNvPr id="47" name="Straight Connector 46"/>
+          <p:cNvCxnSpPr/>
+          <p:nvPr/>
+        </p:nvCxnSpPr>
+        <p:spPr>
+          <a:xfrm flipH="1" flipV="1">
+            <a:off x="1261001" y="3846825"/>
+            <a:ext cx="3745935" cy="1"/>
+          </a:xfrm>
+          <a:prstGeom prst="line">
+            <a:avLst/>
+          </a:prstGeom>
+          <a:ln w="9525" cap="flat" cmpd="sng" algn="ctr">
+            <a:solidFill>
+              <a:schemeClr val="dk1"/>
+            </a:solidFill>
+            <a:prstDash val="dash"/>
+            <a:round/>
+            <a:headEnd type="none" w="med" len="med"/>
+            <a:tailEnd type="none" w="med" len="med"/>
+          </a:ln>
+        </p:spPr>
+        <p:style>
+          <a:lnRef idx="0">
+            <a:scrgbClr r="0" g="0" b="0"/>
+          </a:lnRef>
+          <a:fillRef idx="0">
+            <a:scrgbClr r="0" g="0" b="0"/>
+          </a:fillRef>
+          <a:effectRef idx="0">
+            <a:scrgbClr r="0" g="0" b="0"/>
+          </a:effectRef>
+          <a:fontRef idx="minor">
+            <a:schemeClr val="tx1"/>
+          </a:fontRef>
+        </p:style>
+      </p:cxnSp>
+    </p:spTree>
+    <p:extLst>
+      <p:ext uri="{BB962C8B-B14F-4D97-AF65-F5344CB8AC3E}">
+        <p14:creationId xmlns:p14="http://schemas.microsoft.com/office/powerpoint/2010/main" val="2975141735"/>
+      </p:ext>
+    </p:extLst>
+  </p:cSld>
+  <p:clrMapOvr>
+    <a:masterClrMapping/>
+  </p:clrMapOvr>
+</p:sld>
+</file>
+
+<file path=ppt/slides/slide4.xml><?xml version="1.0" encoding="utf-8"?>
+<p:sld xmlns:a="http://schemas.openxmlformats.org/drawingml/2006/main" xmlns:r="http://schemas.openxmlformats.org/officeDocument/2006/relationships" xmlns:p="http://schemas.openxmlformats.org/presentationml/2006/main">
+  <p:cSld>
+    <p:spTree>
+      <p:nvGrpSpPr>
+        <p:cNvPr id="1" name=""/>
+        <p:cNvGrpSpPr/>
+        <p:nvPr/>
+      </p:nvGrpSpPr>
+      <p:grpSpPr>
+        <a:xfrm>
+          <a:off x="0" y="0"/>
+          <a:ext cx="0" cy="0"/>
+          <a:chOff x="0" y="0"/>
+          <a:chExt cx="0" cy="0"/>
+        </a:xfrm>
+      </p:grpSpPr>
+      <p:sp>
+        <p:nvSpPr>
+          <p:cNvPr id="3" name="Parallelogram 2"/>
+          <p:cNvSpPr/>
+          <p:nvPr/>
+        </p:nvSpPr>
+        <p:spPr>
+          <a:xfrm>
+            <a:off x="35103" y="831213"/>
+            <a:ext cx="1915347" cy="1215143"/>
+          </a:xfrm>
+          <a:prstGeom prst="parallelogram">
+            <a:avLst/>
+          </a:prstGeom>
+          <a:solidFill>
+            <a:schemeClr val="bg1"/>
+          </a:solidFill>
+          <a:ln>
+            <a:solidFill>
+              <a:schemeClr val="tx1"/>
+            </a:solidFill>
+          </a:ln>
+        </p:spPr>
+        <p:style>
+          <a:lnRef idx="2">
+            <a:schemeClr val="accent1">
+              <a:shade val="50000"/>
+            </a:schemeClr>
+          </a:lnRef>
+          <a:fillRef idx="1">
+            <a:schemeClr val="accent1"/>
+          </a:fillRef>
+          <a:effectRef idx="0">
+            <a:schemeClr val="accent1"/>
+          </a:effectRef>
+          <a:fontRef idx="minor">
+            <a:schemeClr val="lt1"/>
+          </a:fontRef>
+        </p:style>
+        <p:txBody>
+          <a:bodyPr rtlCol="0" anchor="ctr"/>
+          <a:lstStyle/>
+          <a:p>
+            <a:pPr algn="ctr"/>
+            <a:r>
+              <a:rPr lang="en-GB" sz="1200" dirty="0">
+                <a:ln w="0"/>
+                <a:solidFill>
+                  <a:schemeClr val="tx1"/>
+                </a:solidFill>
+                <a:effectLst>
+                  <a:outerShdw blurRad="38100" dist="19050" dir="2700000" algn="tl" rotWithShape="0">
+                    <a:schemeClr val="dk1">
+                      <a:alpha val="40000"/>
+                    </a:schemeClr>
+                  </a:outerShdw>
+                </a:effectLst>
+              </a:rPr>
+              <a:t>Logical sensor data query</a:t>
+            </a:r>
+          </a:p>
+        </p:txBody>
+      </p:sp>
+      <p:sp>
+        <p:nvSpPr>
+          <p:cNvPr id="4" name="Rectangle 3"/>
+          <p:cNvSpPr/>
+          <p:nvPr/>
+        </p:nvSpPr>
+        <p:spPr>
+          <a:xfrm>
+            <a:off x="3045284" y="763388"/>
+            <a:ext cx="1642613" cy="748298"/>
+          </a:xfrm>
+          <a:prstGeom prst="rect">
+            <a:avLst/>
+          </a:prstGeom>
+          <a:solidFill>
+            <a:schemeClr val="bg1"/>
+          </a:solidFill>
+          <a:ln>
+            <a:solidFill>
+              <a:schemeClr val="tx1"/>
+            </a:solidFill>
+          </a:ln>
+        </p:spPr>
+        <p:style>
+          <a:lnRef idx="2">
+            <a:schemeClr val="accent1">
+              <a:shade val="50000"/>
+            </a:schemeClr>
+          </a:lnRef>
+          <a:fillRef idx="1">
+            <a:schemeClr val="accent1"/>
+          </a:fillRef>
+          <a:effectRef idx="0">
+            <a:schemeClr val="accent1"/>
+          </a:effectRef>
+          <a:fontRef idx="minor">
+            <a:schemeClr val="lt1"/>
+          </a:fontRef>
+        </p:style>
+        <p:txBody>
+          <a:bodyPr rtlCol="0" anchor="ctr"/>
+          <a:lstStyle/>
+          <a:p>
+            <a:pPr algn="ctr"/>
+            <a:r>
+              <a:rPr lang="en-GB" sz="1200" dirty="0">
+                <a:ln w="0"/>
+                <a:solidFill>
+                  <a:schemeClr val="tx1"/>
+                </a:solidFill>
+                <a:effectLst>
+                  <a:outerShdw blurRad="38100" dist="19050" dir="2700000" algn="tl" rotWithShape="0">
+                    <a:schemeClr val="dk1">
+                      <a:alpha val="40000"/>
+                    </a:schemeClr>
+                  </a:outerShdw>
+                </a:effectLst>
+              </a:rPr>
+              <a:t>Find semantic definition FOI  </a:t>
+            </a:r>
+          </a:p>
+        </p:txBody>
+      </p:sp>
+      <p:sp>
+        <p:nvSpPr>
+          <p:cNvPr id="5" name="Rectangle 4"/>
+          <p:cNvSpPr/>
+          <p:nvPr/>
+        </p:nvSpPr>
+        <p:spPr>
+          <a:xfrm>
+            <a:off x="5181125" y="763388"/>
+            <a:ext cx="1726727" cy="748298"/>
+          </a:xfrm>
+          <a:prstGeom prst="rect">
+            <a:avLst/>
+          </a:prstGeom>
+          <a:solidFill>
+            <a:schemeClr val="bg1"/>
+          </a:solidFill>
+          <a:ln>
+            <a:solidFill>
+              <a:schemeClr val="tx1"/>
+            </a:solidFill>
+          </a:ln>
+        </p:spPr>
+        <p:style>
+          <a:lnRef idx="2">
+            <a:schemeClr val="accent1">
+              <a:shade val="50000"/>
+            </a:schemeClr>
+          </a:lnRef>
+          <a:fillRef idx="1">
+            <a:schemeClr val="accent1"/>
+          </a:fillRef>
+          <a:effectRef idx="0">
+            <a:schemeClr val="accent1"/>
+          </a:effectRef>
+          <a:fontRef idx="minor">
+            <a:schemeClr val="lt1"/>
+          </a:fontRef>
+        </p:style>
+        <p:txBody>
+          <a:bodyPr rtlCol="0" anchor="ctr"/>
+          <a:lstStyle/>
+          <a:p>
+            <a:pPr algn="ctr"/>
+            <a:r>
+              <a:rPr lang="en-GB" sz="1200" dirty="0">
+                <a:ln w="0"/>
+                <a:solidFill>
+                  <a:schemeClr val="tx1"/>
+                </a:solidFill>
+                <a:effectLst>
+                  <a:outerShdw blurRad="38100" dist="19050" dir="2700000" algn="tl" rotWithShape="0">
+                    <a:schemeClr val="dk1">
+                      <a:alpha val="40000"/>
+                    </a:schemeClr>
+                  </a:outerShdw>
+                </a:effectLst>
+              </a:rPr>
+              <a:t>Retrieve geometry FOI  </a:t>
+            </a:r>
+          </a:p>
+        </p:txBody>
+      </p:sp>
+      <p:sp>
+        <p:nvSpPr>
+          <p:cNvPr id="8" name="Rectangle 7"/>
+          <p:cNvSpPr/>
+          <p:nvPr/>
+        </p:nvSpPr>
+        <p:spPr>
+          <a:xfrm>
+            <a:off x="3045284" y="1874085"/>
+            <a:ext cx="1642613" cy="690248"/>
+          </a:xfrm>
+          <a:prstGeom prst="rect">
+            <a:avLst/>
+          </a:prstGeom>
+          <a:solidFill>
+            <a:schemeClr val="bg1"/>
+          </a:solidFill>
+          <a:ln>
+            <a:solidFill>
+              <a:schemeClr val="tx1"/>
+            </a:solidFill>
+          </a:ln>
+        </p:spPr>
+        <p:style>
+          <a:lnRef idx="2">
+            <a:schemeClr val="accent1">
+              <a:shade val="50000"/>
+            </a:schemeClr>
+          </a:lnRef>
+          <a:fillRef idx="1">
+            <a:schemeClr val="accent1"/>
+          </a:fillRef>
+          <a:effectRef idx="0">
+            <a:schemeClr val="accent1"/>
+          </a:effectRef>
+          <a:fontRef idx="minor">
+            <a:schemeClr val="lt1"/>
+          </a:fontRef>
+        </p:style>
+        <p:txBody>
+          <a:bodyPr rtlCol="0" anchor="ctr"/>
+          <a:lstStyle/>
+          <a:p>
+            <a:pPr algn="ctr"/>
+            <a:r>
+              <a:rPr lang="en-GB" sz="1200" dirty="0">
+                <a:ln w="0"/>
+                <a:solidFill>
+                  <a:schemeClr val="tx1"/>
+                </a:solidFill>
+                <a:effectLst>
+                  <a:outerShdw blurRad="38100" dist="19050" dir="2700000" algn="tl" rotWithShape="0">
+                    <a:schemeClr val="dk1">
+                      <a:alpha val="40000"/>
+                    </a:schemeClr>
+                  </a:outerShdw>
+                </a:effectLst>
+              </a:rPr>
+              <a:t>Find sensors collections</a:t>
+            </a:r>
+          </a:p>
+        </p:txBody>
+      </p:sp>
+      <p:sp>
+        <p:nvSpPr>
+          <p:cNvPr id="11" name="Rectangle 10"/>
+          <p:cNvSpPr/>
+          <p:nvPr/>
+        </p:nvSpPr>
+        <p:spPr>
+          <a:xfrm>
+            <a:off x="5181125" y="1868529"/>
+            <a:ext cx="1733799" cy="703982"/>
+          </a:xfrm>
+          <a:prstGeom prst="rect">
+            <a:avLst/>
+          </a:prstGeom>
+          <a:solidFill>
+            <a:schemeClr val="bg1"/>
+          </a:solidFill>
+          <a:ln>
+            <a:solidFill>
+              <a:schemeClr val="tx1"/>
+            </a:solidFill>
+          </a:ln>
+        </p:spPr>
+        <p:style>
+          <a:lnRef idx="2">
+            <a:schemeClr val="accent1">
+              <a:shade val="50000"/>
+            </a:schemeClr>
+          </a:lnRef>
+          <a:fillRef idx="1">
+            <a:schemeClr val="accent1"/>
+          </a:fillRef>
+          <a:effectRef idx="0">
+            <a:schemeClr val="accent1"/>
+          </a:effectRef>
+          <a:fontRef idx="minor">
+            <a:schemeClr val="lt1"/>
+          </a:fontRef>
+        </p:style>
+        <p:txBody>
+          <a:bodyPr rtlCol="0" anchor="ctr"/>
+          <a:lstStyle/>
+          <a:p>
+            <a:pPr algn="ctr"/>
+            <a:r>
+              <a:rPr lang="en-GB" sz="1200" dirty="0">
+                <a:ln w="0"/>
+                <a:solidFill>
+                  <a:schemeClr val="tx1"/>
+                </a:solidFill>
+                <a:effectLst>
+                  <a:outerShdw blurRad="38100" dist="19050" dir="2700000" algn="tl" rotWithShape="0">
+                    <a:schemeClr val="dk1">
+                      <a:alpha val="40000"/>
+                    </a:schemeClr>
+                  </a:outerShdw>
+                </a:effectLst>
+              </a:rPr>
+              <a:t>Select collection by observed property</a:t>
+            </a:r>
+          </a:p>
+        </p:txBody>
+      </p:sp>
+      <p:sp>
+        <p:nvSpPr>
+          <p:cNvPr id="14" name="Rectangle 13"/>
+          <p:cNvSpPr/>
+          <p:nvPr/>
+        </p:nvSpPr>
+        <p:spPr>
+          <a:xfrm>
+            <a:off x="7397996" y="1229206"/>
+            <a:ext cx="1444729" cy="975478"/>
+          </a:xfrm>
+          <a:prstGeom prst="rect">
+            <a:avLst/>
+          </a:prstGeom>
+          <a:solidFill>
+            <a:schemeClr val="bg1"/>
+          </a:solidFill>
+          <a:ln>
+            <a:solidFill>
+              <a:schemeClr val="tx1"/>
+            </a:solidFill>
+          </a:ln>
+        </p:spPr>
+        <p:style>
+          <a:lnRef idx="2">
+            <a:schemeClr val="accent1">
+              <a:shade val="50000"/>
+            </a:schemeClr>
+          </a:lnRef>
+          <a:fillRef idx="1">
+            <a:schemeClr val="accent1"/>
+          </a:fillRef>
+          <a:effectRef idx="0">
+            <a:schemeClr val="accent1"/>
+          </a:effectRef>
+          <a:fontRef idx="minor">
+            <a:schemeClr val="lt1"/>
+          </a:fontRef>
+        </p:style>
+        <p:txBody>
+          <a:bodyPr rtlCol="0" anchor="ctr"/>
+          <a:lstStyle/>
+          <a:p>
+            <a:pPr algn="ctr"/>
+            <a:r>
+              <a:rPr lang="en-GB" sz="1200" dirty="0">
+                <a:ln w="0"/>
+                <a:solidFill>
+                  <a:schemeClr val="tx1"/>
+                </a:solidFill>
+                <a:effectLst>
+                  <a:outerShdw blurRad="38100" dist="19050" dir="2700000" algn="tl" rotWithShape="0">
+                    <a:schemeClr val="dk1">
+                      <a:alpha val="40000"/>
+                    </a:schemeClr>
+                  </a:outerShdw>
+                </a:effectLst>
+              </a:rPr>
+              <a:t>Select sensors </a:t>
+            </a:r>
+          </a:p>
+          <a:p>
+            <a:pPr algn="ctr"/>
+            <a:r>
+              <a:rPr lang="en-GB" sz="1200" dirty="0">
+                <a:ln w="0"/>
+                <a:solidFill>
+                  <a:schemeClr val="tx1"/>
+                </a:solidFill>
+                <a:effectLst>
+                  <a:outerShdw blurRad="38100" dist="19050" dir="2700000" algn="tl" rotWithShape="0">
+                    <a:schemeClr val="dk1">
+                      <a:alpha val="40000"/>
+                    </a:schemeClr>
+                  </a:outerShdw>
+                </a:effectLst>
+              </a:rPr>
+              <a:t>by location</a:t>
+            </a:r>
+          </a:p>
+        </p:txBody>
+      </p:sp>
+      <p:sp>
+        <p:nvSpPr>
+          <p:cNvPr id="16" name="Rectangle 15"/>
+          <p:cNvSpPr/>
+          <p:nvPr/>
+        </p:nvSpPr>
+        <p:spPr>
+          <a:xfrm>
+            <a:off x="3045284" y="3370669"/>
+            <a:ext cx="1578792" cy="887834"/>
+          </a:xfrm>
+          <a:prstGeom prst="rect">
+            <a:avLst/>
+          </a:prstGeom>
+          <a:solidFill>
+            <a:schemeClr val="bg1"/>
+          </a:solidFill>
+          <a:ln>
+            <a:solidFill>
+              <a:schemeClr val="tx1"/>
+            </a:solidFill>
+          </a:ln>
+        </p:spPr>
+        <p:style>
+          <a:lnRef idx="2">
+            <a:schemeClr val="accent1">
+              <a:shade val="50000"/>
+            </a:schemeClr>
+          </a:lnRef>
+          <a:fillRef idx="1">
+            <a:schemeClr val="accent1"/>
+          </a:fillRef>
+          <a:effectRef idx="0">
+            <a:schemeClr val="accent1"/>
+          </a:effectRef>
+          <a:fontRef idx="minor">
+            <a:schemeClr val="lt1"/>
+          </a:fontRef>
+        </p:style>
+        <p:txBody>
+          <a:bodyPr rtlCol="0" anchor="ctr"/>
+          <a:lstStyle/>
+          <a:p>
+            <a:pPr algn="ctr"/>
+            <a:r>
+              <a:rPr lang="en-GB" sz="1200" dirty="0">
+                <a:ln w="0"/>
+                <a:solidFill>
+                  <a:schemeClr val="tx1"/>
+                </a:solidFill>
+                <a:effectLst>
+                  <a:outerShdw blurRad="38100" dist="19050" dir="2700000" algn="tl" rotWithShape="0">
+                    <a:schemeClr val="dk1">
+                      <a:alpha val="40000"/>
+                    </a:schemeClr>
+                  </a:outerShdw>
+                </a:effectLst>
+              </a:rPr>
+              <a:t>Create </a:t>
+            </a:r>
+            <a:r>
+              <a:rPr lang="en-GB" sz="1200" dirty="0" err="1">
+                <a:ln w="0"/>
+                <a:solidFill>
+                  <a:schemeClr val="tx1"/>
+                </a:solidFill>
+                <a:effectLst>
+                  <a:outerShdw blurRad="38100" dist="19050" dir="2700000" algn="tl" rotWithShape="0">
+                    <a:schemeClr val="dk1">
+                      <a:alpha val="40000"/>
+                    </a:schemeClr>
+                  </a:outerShdw>
+                </a:effectLst>
+              </a:rPr>
+              <a:t>GetObservation</a:t>
+            </a:r>
+            <a:r>
+              <a:rPr lang="en-GB" sz="1200" dirty="0">
+                <a:ln w="0"/>
+                <a:solidFill>
+                  <a:schemeClr val="tx1"/>
+                </a:solidFill>
+                <a:effectLst>
+                  <a:outerShdw blurRad="38100" dist="19050" dir="2700000" algn="tl" rotWithShape="0">
+                    <a:schemeClr val="dk1">
+                      <a:alpha val="40000"/>
+                    </a:schemeClr>
+                  </a:outerShdw>
+                </a:effectLst>
+              </a:rPr>
+              <a:t> requests</a:t>
+            </a:r>
+          </a:p>
+        </p:txBody>
+      </p:sp>
+      <p:sp>
+        <p:nvSpPr>
+          <p:cNvPr id="17" name="Rectangle 16"/>
+          <p:cNvSpPr/>
+          <p:nvPr/>
+        </p:nvSpPr>
+        <p:spPr>
+          <a:xfrm>
+            <a:off x="2771757" y="653386"/>
+            <a:ext cx="6342847" cy="2226843"/>
+          </a:xfrm>
+          <a:prstGeom prst="rect">
+            <a:avLst/>
+          </a:prstGeom>
+          <a:noFill/>
+          <a:ln>
+            <a:solidFill>
+              <a:schemeClr val="tx1"/>
+            </a:solidFill>
+            <a:prstDash val="dash"/>
+          </a:ln>
+        </p:spPr>
+        <p:style>
+          <a:lnRef idx="2">
+            <a:schemeClr val="accent1">
+              <a:shade val="50000"/>
+            </a:schemeClr>
+          </a:lnRef>
+          <a:fillRef idx="1">
+            <a:schemeClr val="accent1"/>
+          </a:fillRef>
+          <a:effectRef idx="0">
+            <a:schemeClr val="accent1"/>
+          </a:effectRef>
+          <a:fontRef idx="minor">
+            <a:schemeClr val="lt1"/>
+          </a:fontRef>
+        </p:style>
+        <p:txBody>
+          <a:bodyPr rtlCol="0" anchor="ctr"/>
+          <a:lstStyle/>
+          <a:p>
+            <a:pPr algn="ctr"/>
+            <a:endParaRPr lang="en-GB" sz="1200"/>
+          </a:p>
+        </p:txBody>
+      </p:sp>
+      <p:sp>
+        <p:nvSpPr>
+          <p:cNvPr id="18" name="TextBox 17"/>
+          <p:cNvSpPr txBox="1"/>
+          <p:nvPr/>
+        </p:nvSpPr>
+        <p:spPr>
+          <a:xfrm>
+            <a:off x="2754519" y="2617475"/>
+            <a:ext cx="2804370" cy="276999"/>
+          </a:xfrm>
+          <a:prstGeom prst="rect">
+            <a:avLst/>
+          </a:prstGeom>
+          <a:noFill/>
+        </p:spPr>
+        <p:txBody>
+          <a:bodyPr wrap="square" rtlCol="0">
+            <a:spAutoFit/>
+          </a:bodyPr>
+          <a:lstStyle/>
+          <a:p>
+            <a:r>
+              <a:rPr lang="en-GB" sz="1200" i="1" dirty="0"/>
+              <a:t>Phase 1. data discovery</a:t>
+            </a:r>
+          </a:p>
+        </p:txBody>
+      </p:sp>
+      <p:sp>
+        <p:nvSpPr>
+          <p:cNvPr id="23" name="Rectangle 22"/>
+          <p:cNvSpPr/>
+          <p:nvPr/>
+        </p:nvSpPr>
+        <p:spPr>
+          <a:xfrm>
+            <a:off x="2771755" y="3213108"/>
+            <a:ext cx="6342849" cy="1446894"/>
+          </a:xfrm>
+          <a:prstGeom prst="rect">
+            <a:avLst/>
+          </a:prstGeom>
+          <a:noFill/>
+          <a:ln>
+            <a:solidFill>
+              <a:schemeClr val="tx1"/>
+            </a:solidFill>
+            <a:prstDash val="dash"/>
+          </a:ln>
+        </p:spPr>
+        <p:style>
+          <a:lnRef idx="2">
+            <a:schemeClr val="accent1">
+              <a:shade val="50000"/>
+            </a:schemeClr>
+          </a:lnRef>
+          <a:fillRef idx="1">
+            <a:schemeClr val="accent1"/>
+          </a:fillRef>
+          <a:effectRef idx="0">
+            <a:schemeClr val="accent1"/>
+          </a:effectRef>
+          <a:fontRef idx="minor">
+            <a:schemeClr val="lt1"/>
+          </a:fontRef>
+        </p:style>
+        <p:txBody>
+          <a:bodyPr rtlCol="0" anchor="ctr"/>
+          <a:lstStyle/>
+          <a:p>
+            <a:pPr algn="ctr"/>
+            <a:endParaRPr lang="en-GB" sz="1200"/>
+          </a:p>
+        </p:txBody>
+      </p:sp>
+      <p:sp>
+        <p:nvSpPr>
+          <p:cNvPr id="22" name="Right Arrow 21"/>
+          <p:cNvSpPr/>
+          <p:nvPr/>
+        </p:nvSpPr>
+        <p:spPr>
+          <a:xfrm rot="5400000">
+            <a:off x="5588386" y="2810865"/>
+            <a:ext cx="623883" cy="403668"/>
+          </a:xfrm>
+          <a:prstGeom prst="rightArrow">
+            <a:avLst/>
+          </a:prstGeom>
+          <a:solidFill>
+            <a:schemeClr val="bg1"/>
+          </a:solidFill>
+          <a:ln>
+            <a:solidFill>
+              <a:schemeClr val="tx1"/>
+            </a:solidFill>
+          </a:ln>
+        </p:spPr>
+        <p:style>
+          <a:lnRef idx="2">
+            <a:schemeClr val="accent1">
+              <a:shade val="50000"/>
+            </a:schemeClr>
+          </a:lnRef>
+          <a:fillRef idx="1">
+            <a:schemeClr val="accent1"/>
+          </a:fillRef>
+          <a:effectRef idx="0">
+            <a:schemeClr val="accent1"/>
+          </a:effectRef>
+          <a:fontRef idx="minor">
+            <a:schemeClr val="lt1"/>
+          </a:fontRef>
+        </p:style>
+        <p:txBody>
+          <a:bodyPr rtlCol="0" anchor="ctr"/>
+          <a:lstStyle/>
+          <a:p>
+            <a:pPr algn="ctr"/>
+            <a:endParaRPr lang="en-GB" sz="1200"/>
+          </a:p>
+        </p:txBody>
+      </p:sp>
+      <p:sp>
+        <p:nvSpPr>
+          <p:cNvPr id="24" name="Rectangle 23"/>
+          <p:cNvSpPr/>
+          <p:nvPr/>
+        </p:nvSpPr>
+        <p:spPr>
+          <a:xfrm>
+            <a:off x="5181127" y="3370669"/>
+            <a:ext cx="1578792" cy="887834"/>
+          </a:xfrm>
+          <a:prstGeom prst="rect">
+            <a:avLst/>
+          </a:prstGeom>
+          <a:solidFill>
+            <a:schemeClr val="bg1"/>
+          </a:solidFill>
+          <a:ln>
+            <a:solidFill>
+              <a:schemeClr val="tx1"/>
+            </a:solidFill>
+          </a:ln>
+        </p:spPr>
+        <p:style>
+          <a:lnRef idx="2">
+            <a:schemeClr val="accent1">
+              <a:shade val="50000"/>
+            </a:schemeClr>
+          </a:lnRef>
+          <a:fillRef idx="1">
+            <a:schemeClr val="accent1"/>
+          </a:fillRef>
+          <a:effectRef idx="0">
+            <a:schemeClr val="accent1"/>
+          </a:effectRef>
+          <a:fontRef idx="minor">
+            <a:schemeClr val="lt1"/>
+          </a:fontRef>
+        </p:style>
+        <p:txBody>
+          <a:bodyPr rtlCol="0" anchor="ctr"/>
+          <a:lstStyle/>
+          <a:p>
+            <a:pPr algn="ctr"/>
+            <a:r>
+              <a:rPr lang="en-GB" sz="1200" dirty="0">
+                <a:ln w="0"/>
+                <a:solidFill>
+                  <a:schemeClr val="tx1"/>
+                </a:solidFill>
+                <a:effectLst>
+                  <a:outerShdw blurRad="38100" dist="19050" dir="2700000" algn="tl" rotWithShape="0">
+                    <a:schemeClr val="dk1">
+                      <a:alpha val="40000"/>
+                    </a:schemeClr>
+                  </a:outerShdw>
+                </a:effectLst>
+              </a:rPr>
+              <a:t>Send requests</a:t>
+            </a:r>
+          </a:p>
+        </p:txBody>
+      </p:sp>
+      <p:sp>
+        <p:nvSpPr>
+          <p:cNvPr id="26" name="Rectangle 25"/>
+          <p:cNvSpPr/>
+          <p:nvPr/>
+        </p:nvSpPr>
+        <p:spPr>
+          <a:xfrm>
+            <a:off x="7263933" y="3370668"/>
+            <a:ext cx="1578792" cy="887834"/>
+          </a:xfrm>
+          <a:prstGeom prst="rect">
+            <a:avLst/>
+          </a:prstGeom>
+          <a:solidFill>
+            <a:schemeClr val="bg1"/>
+          </a:solidFill>
+          <a:ln>
+            <a:solidFill>
+              <a:schemeClr val="tx1"/>
+            </a:solidFill>
+          </a:ln>
+        </p:spPr>
+        <p:style>
+          <a:lnRef idx="2">
+            <a:schemeClr val="accent1">
+              <a:shade val="50000"/>
+            </a:schemeClr>
+          </a:lnRef>
+          <a:fillRef idx="1">
+            <a:schemeClr val="accent1"/>
+          </a:fillRef>
+          <a:effectRef idx="0">
+            <a:schemeClr val="accent1"/>
+          </a:effectRef>
+          <a:fontRef idx="minor">
+            <a:schemeClr val="lt1"/>
+          </a:fontRef>
+        </p:style>
+        <p:txBody>
+          <a:bodyPr rtlCol="0" anchor="ctr"/>
+          <a:lstStyle/>
+          <a:p>
+            <a:pPr algn="ctr"/>
+            <a:r>
+              <a:rPr lang="en-GB" sz="1200" dirty="0">
+                <a:ln w="0"/>
+                <a:solidFill>
+                  <a:schemeClr val="tx1"/>
+                </a:solidFill>
+                <a:effectLst>
+                  <a:outerShdw blurRad="38100" dist="19050" dir="2700000" algn="tl" rotWithShape="0">
+                    <a:schemeClr val="dk1">
+                      <a:alpha val="40000"/>
+                    </a:schemeClr>
+                  </a:outerShdw>
+                </a:effectLst>
+              </a:rPr>
+              <a:t>Parse response documents</a:t>
+            </a:r>
+          </a:p>
+        </p:txBody>
+      </p:sp>
+      <p:sp>
+        <p:nvSpPr>
+          <p:cNvPr id="28" name="TextBox 27"/>
+          <p:cNvSpPr txBox="1"/>
+          <p:nvPr/>
+        </p:nvSpPr>
+        <p:spPr>
+          <a:xfrm>
+            <a:off x="2754519" y="4364186"/>
+            <a:ext cx="2804370" cy="276999"/>
+          </a:xfrm>
+          <a:prstGeom prst="rect">
+            <a:avLst/>
+          </a:prstGeom>
+          <a:noFill/>
+        </p:spPr>
+        <p:txBody>
+          <a:bodyPr wrap="square" rtlCol="0">
+            <a:spAutoFit/>
+          </a:bodyPr>
+          <a:lstStyle/>
+          <a:p>
+            <a:r>
+              <a:rPr lang="en-GB" sz="1200" i="1" dirty="0"/>
+              <a:t>Phase 2. data retrieval</a:t>
+            </a:r>
+          </a:p>
+        </p:txBody>
+      </p:sp>
+      <p:sp>
+        <p:nvSpPr>
+          <p:cNvPr id="30" name="Rectangle 29"/>
+          <p:cNvSpPr/>
+          <p:nvPr/>
+        </p:nvSpPr>
+        <p:spPr>
+          <a:xfrm>
+            <a:off x="2771756" y="4992881"/>
+            <a:ext cx="6342848" cy="1446894"/>
+          </a:xfrm>
+          <a:prstGeom prst="rect">
+            <a:avLst/>
+          </a:prstGeom>
+          <a:noFill/>
+          <a:ln>
+            <a:solidFill>
+              <a:schemeClr val="tx1"/>
+            </a:solidFill>
+            <a:prstDash val="dash"/>
+          </a:ln>
+        </p:spPr>
+        <p:style>
+          <a:lnRef idx="2">
+            <a:schemeClr val="accent1">
+              <a:shade val="50000"/>
+            </a:schemeClr>
+          </a:lnRef>
+          <a:fillRef idx="1">
+            <a:schemeClr val="accent1"/>
+          </a:fillRef>
+          <a:effectRef idx="0">
+            <a:schemeClr val="accent1"/>
+          </a:effectRef>
+          <a:fontRef idx="minor">
+            <a:schemeClr val="lt1"/>
+          </a:fontRef>
+        </p:style>
+        <p:txBody>
+          <a:bodyPr rtlCol="0" anchor="ctr"/>
+          <a:lstStyle/>
+          <a:p>
+            <a:pPr algn="ctr"/>
+            <a:endParaRPr lang="en-GB" sz="1200"/>
+          </a:p>
+        </p:txBody>
+      </p:sp>
+      <p:sp>
+        <p:nvSpPr>
+          <p:cNvPr id="29" name="Right Arrow 28"/>
+          <p:cNvSpPr/>
+          <p:nvPr/>
+        </p:nvSpPr>
+        <p:spPr>
+          <a:xfrm rot="5400000">
+            <a:off x="5588386" y="4582895"/>
+            <a:ext cx="623883" cy="403668"/>
+          </a:xfrm>
+          <a:prstGeom prst="rightArrow">
+            <a:avLst/>
+          </a:prstGeom>
+          <a:solidFill>
+            <a:schemeClr val="bg1"/>
+          </a:solidFill>
+          <a:ln>
+            <a:solidFill>
+              <a:schemeClr val="tx1"/>
+            </a:solidFill>
+          </a:ln>
+        </p:spPr>
+        <p:style>
+          <a:lnRef idx="2">
+            <a:schemeClr val="accent1">
+              <a:shade val="50000"/>
+            </a:schemeClr>
+          </a:lnRef>
+          <a:fillRef idx="1">
+            <a:schemeClr val="accent1"/>
+          </a:fillRef>
+          <a:effectRef idx="0">
+            <a:schemeClr val="accent1"/>
+          </a:effectRef>
+          <a:fontRef idx="minor">
+            <a:schemeClr val="lt1"/>
+          </a:fontRef>
+        </p:style>
+        <p:txBody>
+          <a:bodyPr rtlCol="0" anchor="ctr"/>
+          <a:lstStyle/>
+          <a:p>
+            <a:pPr algn="ctr"/>
+            <a:endParaRPr lang="en-GB" sz="1200"/>
+          </a:p>
+        </p:txBody>
+      </p:sp>
+      <p:sp>
+        <p:nvSpPr>
+          <p:cNvPr id="31" name="Rectangle 30"/>
+          <p:cNvSpPr/>
+          <p:nvPr/>
+        </p:nvSpPr>
+        <p:spPr>
+          <a:xfrm>
+            <a:off x="3045284" y="5190408"/>
+            <a:ext cx="1578792" cy="887834"/>
+          </a:xfrm>
+          <a:prstGeom prst="rect">
+            <a:avLst/>
+          </a:prstGeom>
+          <a:solidFill>
+            <a:schemeClr val="bg1"/>
+          </a:solidFill>
+          <a:ln>
+            <a:solidFill>
+              <a:schemeClr val="tx1"/>
+            </a:solidFill>
+          </a:ln>
+        </p:spPr>
+        <p:style>
+          <a:lnRef idx="2">
+            <a:schemeClr val="accent1">
+              <a:shade val="50000"/>
+            </a:schemeClr>
+          </a:lnRef>
+          <a:fillRef idx="1">
+            <a:schemeClr val="accent1"/>
+          </a:fillRef>
+          <a:effectRef idx="0">
+            <a:schemeClr val="accent1"/>
+          </a:effectRef>
+          <a:fontRef idx="minor">
+            <a:schemeClr val="lt1"/>
+          </a:fontRef>
+        </p:style>
+        <p:txBody>
+          <a:bodyPr rtlCol="0" anchor="ctr"/>
+          <a:lstStyle/>
+          <a:p>
+            <a:pPr algn="ctr"/>
+            <a:r>
+              <a:rPr lang="en-GB" sz="1200" dirty="0">
+                <a:ln w="0"/>
+                <a:solidFill>
+                  <a:schemeClr val="tx1"/>
+                </a:solidFill>
+                <a:effectLst>
+                  <a:outerShdw blurRad="38100" dist="19050" dir="2700000" algn="tl" rotWithShape="0">
+                    <a:schemeClr val="dk1">
+                      <a:alpha val="40000"/>
+                    </a:schemeClr>
+                  </a:outerShdw>
+                </a:effectLst>
+              </a:rPr>
+              <a:t>Integrate data from different sources</a:t>
+            </a:r>
+          </a:p>
+        </p:txBody>
+      </p:sp>
+      <p:sp>
+        <p:nvSpPr>
+          <p:cNvPr id="32" name="Rectangle 31"/>
+          <p:cNvSpPr/>
+          <p:nvPr/>
+        </p:nvSpPr>
+        <p:spPr>
+          <a:xfrm>
+            <a:off x="5181125" y="5190408"/>
+            <a:ext cx="1578794" cy="887834"/>
+          </a:xfrm>
+          <a:prstGeom prst="rect">
+            <a:avLst/>
+          </a:prstGeom>
+          <a:solidFill>
+            <a:schemeClr val="bg1"/>
+          </a:solidFill>
+          <a:ln>
+            <a:solidFill>
+              <a:schemeClr val="tx1"/>
+            </a:solidFill>
+          </a:ln>
+        </p:spPr>
+        <p:style>
+          <a:lnRef idx="2">
+            <a:schemeClr val="accent1">
+              <a:shade val="50000"/>
+            </a:schemeClr>
+          </a:lnRef>
+          <a:fillRef idx="1">
+            <a:schemeClr val="accent1"/>
+          </a:fillRef>
+          <a:effectRef idx="0">
+            <a:schemeClr val="accent1"/>
+          </a:effectRef>
+          <a:fontRef idx="minor">
+            <a:schemeClr val="lt1"/>
+          </a:fontRef>
+        </p:style>
+        <p:txBody>
+          <a:bodyPr rtlCol="0" anchor="ctr"/>
+          <a:lstStyle/>
+          <a:p>
+            <a:pPr algn="ctr"/>
+            <a:r>
+              <a:rPr lang="en-GB" sz="1200" dirty="0">
+                <a:ln w="0"/>
+                <a:solidFill>
+                  <a:schemeClr val="tx1"/>
+                </a:solidFill>
+                <a:effectLst>
+                  <a:outerShdw blurRad="38100" dist="19050" dir="2700000" algn="tl" rotWithShape="0">
+                    <a:schemeClr val="dk1">
+                      <a:alpha val="40000"/>
+                    </a:schemeClr>
+                  </a:outerShdw>
+                </a:effectLst>
+              </a:rPr>
+              <a:t>Aggregate data</a:t>
+            </a:r>
+          </a:p>
+        </p:txBody>
+      </p:sp>
+      <p:sp>
+        <p:nvSpPr>
+          <p:cNvPr id="33" name="Rectangle 32"/>
+          <p:cNvSpPr/>
+          <p:nvPr/>
+        </p:nvSpPr>
+        <p:spPr>
+          <a:xfrm>
+            <a:off x="7263933" y="5190408"/>
+            <a:ext cx="1578792" cy="887834"/>
+          </a:xfrm>
+          <a:prstGeom prst="rect">
+            <a:avLst/>
+          </a:prstGeom>
+          <a:solidFill>
+            <a:schemeClr val="bg1"/>
+          </a:solidFill>
+          <a:ln>
+            <a:solidFill>
+              <a:schemeClr val="tx1"/>
+            </a:solidFill>
+          </a:ln>
+        </p:spPr>
+        <p:style>
+          <a:lnRef idx="2">
+            <a:schemeClr val="accent1">
+              <a:shade val="50000"/>
+            </a:schemeClr>
+          </a:lnRef>
+          <a:fillRef idx="1">
+            <a:schemeClr val="accent1"/>
+          </a:fillRef>
+          <a:effectRef idx="0">
+            <a:schemeClr val="accent1"/>
+          </a:effectRef>
+          <a:fontRef idx="minor">
+            <a:schemeClr val="lt1"/>
+          </a:fontRef>
+        </p:style>
+        <p:txBody>
+          <a:bodyPr rtlCol="0" anchor="ctr"/>
+          <a:lstStyle/>
+          <a:p>
+            <a:pPr algn="ctr"/>
+            <a:r>
+              <a:rPr lang="en-GB" sz="1200" dirty="0">
+                <a:ln w="0"/>
+                <a:solidFill>
+                  <a:schemeClr val="tx1"/>
+                </a:solidFill>
+                <a:effectLst>
+                  <a:outerShdw blurRad="38100" dist="19050" dir="2700000" algn="tl" rotWithShape="0">
+                    <a:schemeClr val="dk1">
+                      <a:alpha val="40000"/>
+                    </a:schemeClr>
+                  </a:outerShdw>
+                </a:effectLst>
+              </a:rPr>
+              <a:t>Convert to output format</a:t>
+            </a:r>
+          </a:p>
+        </p:txBody>
+      </p:sp>
+      <p:sp>
+        <p:nvSpPr>
+          <p:cNvPr id="35" name="TextBox 34"/>
+          <p:cNvSpPr txBox="1"/>
+          <p:nvPr/>
+        </p:nvSpPr>
+        <p:spPr>
+          <a:xfrm>
+            <a:off x="2771755" y="6157222"/>
+            <a:ext cx="2804370" cy="276999"/>
+          </a:xfrm>
+          <a:prstGeom prst="rect">
+            <a:avLst/>
+          </a:prstGeom>
+          <a:noFill/>
+        </p:spPr>
+        <p:txBody>
+          <a:bodyPr wrap="square" rtlCol="0">
+            <a:spAutoFit/>
+          </a:bodyPr>
+          <a:lstStyle/>
+          <a:p>
+            <a:r>
+              <a:rPr lang="en-GB" sz="1200" i="1" dirty="0"/>
+              <a:t>Phase 3. data processing</a:t>
+            </a:r>
+          </a:p>
+        </p:txBody>
+      </p:sp>
+      <p:cxnSp>
+        <p:nvCxnSpPr>
+          <p:cNvPr id="38" name="Straight Connector 37"/>
+          <p:cNvCxnSpPr>
+            <a:stCxn id="4" idx="3"/>
+            <a:endCxn id="5" idx="1"/>
+          </p:cNvCxnSpPr>
+          <p:nvPr/>
+        </p:nvCxnSpPr>
+        <p:spPr>
+          <a:xfrm>
+            <a:off x="4687897" y="1137537"/>
+            <a:ext cx="493228" cy="0"/>
+          </a:xfrm>
+          <a:prstGeom prst="line">
+            <a:avLst/>
+          </a:prstGeom>
+        </p:spPr>
+        <p:style>
+          <a:lnRef idx="3">
+            <a:schemeClr val="dk1"/>
+          </a:lnRef>
+          <a:fillRef idx="0">
+            <a:schemeClr val="dk1"/>
+          </a:fillRef>
+          <a:effectRef idx="2">
+            <a:schemeClr val="dk1"/>
+          </a:effectRef>
+          <a:fontRef idx="minor">
+            <a:schemeClr val="tx1"/>
+          </a:fontRef>
+        </p:style>
+      </p:cxnSp>
+      <p:cxnSp>
+        <p:nvCxnSpPr>
+          <p:cNvPr id="39" name="Straight Connector 38"/>
+          <p:cNvCxnSpPr>
+            <a:stCxn id="5" idx="3"/>
+            <a:endCxn id="14" idx="1"/>
+          </p:cNvCxnSpPr>
+          <p:nvPr/>
+        </p:nvCxnSpPr>
+        <p:spPr>
+          <a:xfrm>
+            <a:off x="6907852" y="1137537"/>
+            <a:ext cx="490144" cy="579408"/>
+          </a:xfrm>
+          <a:prstGeom prst="line">
+            <a:avLst/>
+          </a:prstGeom>
+        </p:spPr>
+        <p:style>
+          <a:lnRef idx="3">
+            <a:schemeClr val="dk1"/>
+          </a:lnRef>
+          <a:fillRef idx="0">
+            <a:schemeClr val="dk1"/>
+          </a:fillRef>
+          <a:effectRef idx="2">
+            <a:schemeClr val="dk1"/>
+          </a:effectRef>
+          <a:fontRef idx="minor">
+            <a:schemeClr val="tx1"/>
+          </a:fontRef>
+        </p:style>
+      </p:cxnSp>
+      <p:cxnSp>
+        <p:nvCxnSpPr>
+          <p:cNvPr id="44" name="Straight Connector 43"/>
+          <p:cNvCxnSpPr>
+            <a:stCxn id="8" idx="3"/>
+            <a:endCxn id="11" idx="1"/>
+          </p:cNvCxnSpPr>
+          <p:nvPr/>
+        </p:nvCxnSpPr>
+        <p:spPr>
+          <a:xfrm>
+            <a:off x="4687897" y="2219209"/>
+            <a:ext cx="493228" cy="1311"/>
+          </a:xfrm>
+          <a:prstGeom prst="line">
+            <a:avLst/>
+          </a:prstGeom>
+        </p:spPr>
+        <p:style>
+          <a:lnRef idx="3">
+            <a:schemeClr val="dk1"/>
+          </a:lnRef>
+          <a:fillRef idx="0">
+            <a:schemeClr val="dk1"/>
+          </a:fillRef>
+          <a:effectRef idx="2">
+            <a:schemeClr val="dk1"/>
+          </a:effectRef>
+          <a:fontRef idx="minor">
+            <a:schemeClr val="tx1"/>
+          </a:fontRef>
+        </p:style>
+      </p:cxnSp>
+      <p:cxnSp>
+        <p:nvCxnSpPr>
+          <p:cNvPr id="48" name="Straight Connector 47"/>
+          <p:cNvCxnSpPr>
+            <a:stCxn id="11" idx="3"/>
+            <a:endCxn id="14" idx="1"/>
+          </p:cNvCxnSpPr>
+          <p:nvPr/>
+        </p:nvCxnSpPr>
+        <p:spPr>
+          <a:xfrm flipV="1">
+            <a:off x="6914924" y="1716945"/>
+            <a:ext cx="483072" cy="503575"/>
+          </a:xfrm>
+          <a:prstGeom prst="line">
+            <a:avLst/>
+          </a:prstGeom>
+        </p:spPr>
+        <p:style>
+          <a:lnRef idx="3">
+            <a:schemeClr val="dk1"/>
+          </a:lnRef>
+          <a:fillRef idx="0">
+            <a:schemeClr val="dk1"/>
+          </a:fillRef>
+          <a:effectRef idx="2">
+            <a:schemeClr val="dk1"/>
+          </a:effectRef>
+          <a:fontRef idx="minor">
+            <a:schemeClr val="tx1"/>
+          </a:fontRef>
+        </p:style>
+      </p:cxnSp>
+      <p:cxnSp>
+        <p:nvCxnSpPr>
+          <p:cNvPr id="50" name="Straight Connector 49"/>
+          <p:cNvCxnSpPr>
+            <a:stCxn id="16" idx="3"/>
+            <a:endCxn id="24" idx="1"/>
+          </p:cNvCxnSpPr>
+          <p:nvPr/>
+        </p:nvCxnSpPr>
+        <p:spPr>
+          <a:xfrm>
+            <a:off x="4624076" y="3814586"/>
+            <a:ext cx="557051" cy="0"/>
+          </a:xfrm>
+          <a:prstGeom prst="line">
+            <a:avLst/>
+          </a:prstGeom>
+        </p:spPr>
+        <p:style>
+          <a:lnRef idx="3">
+            <a:schemeClr val="dk1"/>
+          </a:lnRef>
+          <a:fillRef idx="0">
+            <a:schemeClr val="dk1"/>
+          </a:fillRef>
+          <a:effectRef idx="2">
+            <a:schemeClr val="dk1"/>
+          </a:effectRef>
+          <a:fontRef idx="minor">
+            <a:schemeClr val="tx1"/>
+          </a:fontRef>
+        </p:style>
+      </p:cxnSp>
+      <p:cxnSp>
+        <p:nvCxnSpPr>
+          <p:cNvPr id="53" name="Straight Connector 52"/>
+          <p:cNvCxnSpPr>
+            <a:stCxn id="24" idx="3"/>
+            <a:endCxn id="26" idx="1"/>
+          </p:cNvCxnSpPr>
+          <p:nvPr/>
+        </p:nvCxnSpPr>
+        <p:spPr>
+          <a:xfrm flipV="1">
+            <a:off x="6759919" y="3814585"/>
+            <a:ext cx="504014" cy="1"/>
+          </a:xfrm>
+          <a:prstGeom prst="line">
+            <a:avLst/>
+          </a:prstGeom>
+        </p:spPr>
+        <p:style>
+          <a:lnRef idx="3">
+            <a:schemeClr val="dk1"/>
+          </a:lnRef>
+          <a:fillRef idx="0">
+            <a:schemeClr val="dk1"/>
+          </a:fillRef>
+          <a:effectRef idx="2">
+            <a:schemeClr val="dk1"/>
+          </a:effectRef>
+          <a:fontRef idx="minor">
+            <a:schemeClr val="tx1"/>
+          </a:fontRef>
+        </p:style>
+      </p:cxnSp>
+      <p:cxnSp>
+        <p:nvCxnSpPr>
+          <p:cNvPr id="56" name="Straight Connector 55"/>
+          <p:cNvCxnSpPr>
+            <a:stCxn id="31" idx="3"/>
+            <a:endCxn id="32" idx="1"/>
+          </p:cNvCxnSpPr>
+          <p:nvPr/>
+        </p:nvCxnSpPr>
+        <p:spPr>
+          <a:xfrm>
+            <a:off x="4624076" y="5634325"/>
+            <a:ext cx="557049" cy="0"/>
+          </a:xfrm>
+          <a:prstGeom prst="line">
+            <a:avLst/>
+          </a:prstGeom>
+        </p:spPr>
+        <p:style>
+          <a:lnRef idx="3">
+            <a:schemeClr val="dk1"/>
+          </a:lnRef>
+          <a:fillRef idx="0">
+            <a:schemeClr val="dk1"/>
+          </a:fillRef>
+          <a:effectRef idx="2">
+            <a:schemeClr val="dk1"/>
+          </a:effectRef>
+          <a:fontRef idx="minor">
+            <a:schemeClr val="tx1"/>
+          </a:fontRef>
+        </p:style>
+      </p:cxnSp>
+      <p:cxnSp>
+        <p:nvCxnSpPr>
+          <p:cNvPr id="59" name="Straight Connector 58"/>
+          <p:cNvCxnSpPr>
+            <a:stCxn id="32" idx="3"/>
+            <a:endCxn id="33" idx="1"/>
+          </p:cNvCxnSpPr>
+          <p:nvPr/>
+        </p:nvCxnSpPr>
+        <p:spPr>
+          <a:xfrm>
+            <a:off x="6759919" y="5634325"/>
+            <a:ext cx="504014" cy="0"/>
+          </a:xfrm>
+          <a:prstGeom prst="line">
+            <a:avLst/>
+          </a:prstGeom>
+        </p:spPr>
+        <p:style>
+          <a:lnRef idx="3">
+            <a:schemeClr val="dk1"/>
+          </a:lnRef>
+          <a:fillRef idx="0">
+            <a:schemeClr val="dk1"/>
+          </a:fillRef>
+          <a:effectRef idx="2">
+            <a:schemeClr val="dk1"/>
+          </a:effectRef>
+          <a:fontRef idx="minor">
+            <a:schemeClr val="tx1"/>
+          </a:fontRef>
+        </p:style>
+      </p:cxnSp>
+      <p:sp>
+        <p:nvSpPr>
+          <p:cNvPr id="6" name="Right Arrow 5"/>
+          <p:cNvSpPr/>
+          <p:nvPr/>
+        </p:nvSpPr>
+        <p:spPr>
+          <a:xfrm>
+            <a:off x="1967688" y="1224471"/>
+            <a:ext cx="742949" cy="428625"/>
+          </a:xfrm>
+          <a:prstGeom prst="rightArrow">
+            <a:avLst/>
+          </a:prstGeom>
+          <a:solidFill>
+            <a:schemeClr val="bg1"/>
+          </a:solidFill>
+          <a:ln>
+            <a:solidFill>
+              <a:schemeClr val="tx1"/>
+            </a:solidFill>
+          </a:ln>
+        </p:spPr>
+        <p:style>
+          <a:lnRef idx="2">
+            <a:schemeClr val="accent1">
+              <a:shade val="50000"/>
+            </a:schemeClr>
+          </a:lnRef>
+          <a:fillRef idx="1">
+            <a:schemeClr val="accent1"/>
+          </a:fillRef>
+          <a:effectRef idx="0">
+            <a:schemeClr val="accent1"/>
+          </a:effectRef>
+          <a:fontRef idx="minor">
+            <a:schemeClr val="lt1"/>
+          </a:fontRef>
+        </p:style>
+        <p:txBody>
+          <a:bodyPr rtlCol="0" anchor="ctr"/>
+          <a:lstStyle/>
+          <a:p>
+            <a:pPr algn="ctr"/>
+            <a:endParaRPr lang="en-GB" sz="1600"/>
+          </a:p>
+        </p:txBody>
+      </p:sp>
+      <p:sp>
+        <p:nvSpPr>
+          <p:cNvPr id="62" name="Right Arrow 61"/>
+          <p:cNvSpPr/>
+          <p:nvPr/>
+        </p:nvSpPr>
+        <p:spPr>
+          <a:xfrm>
+            <a:off x="9258957" y="5420010"/>
+            <a:ext cx="742949" cy="428625"/>
+          </a:xfrm>
+          <a:prstGeom prst="rightArrow">
+            <a:avLst/>
+          </a:prstGeom>
+          <a:solidFill>
+            <a:schemeClr val="bg1"/>
+          </a:solidFill>
+          <a:ln>
+            <a:solidFill>
+              <a:schemeClr val="tx1"/>
+            </a:solidFill>
+          </a:ln>
+        </p:spPr>
+        <p:style>
+          <a:lnRef idx="2">
+            <a:schemeClr val="accent1">
+              <a:shade val="50000"/>
+            </a:schemeClr>
+          </a:lnRef>
+          <a:fillRef idx="1">
+            <a:schemeClr val="accent1"/>
+          </a:fillRef>
+          <a:effectRef idx="0">
+            <a:schemeClr val="accent1"/>
+          </a:effectRef>
+          <a:fontRef idx="minor">
+            <a:schemeClr val="lt1"/>
+          </a:fontRef>
+        </p:style>
+        <p:txBody>
+          <a:bodyPr rtlCol="0" anchor="ctr"/>
+          <a:lstStyle/>
+          <a:p>
+            <a:pPr algn="ctr"/>
+            <a:endParaRPr lang="en-GB" sz="1600"/>
+          </a:p>
+        </p:txBody>
+      </p:sp>
+      <p:sp>
+        <p:nvSpPr>
+          <p:cNvPr id="79" name="TextBox 78"/>
+          <p:cNvSpPr txBox="1"/>
+          <p:nvPr/>
+        </p:nvSpPr>
+        <p:spPr>
+          <a:xfrm>
+            <a:off x="38922" y="167489"/>
+            <a:ext cx="2200275" cy="338554"/>
+          </a:xfrm>
+          <a:prstGeom prst="rect">
+            <a:avLst/>
+          </a:prstGeom>
+          <a:noFill/>
+        </p:spPr>
+        <p:txBody>
+          <a:bodyPr wrap="square" rtlCol="0">
+            <a:spAutoFit/>
+          </a:bodyPr>
+          <a:lstStyle/>
+          <a:p>
+            <a:pPr algn="ctr"/>
+            <a:r>
+              <a:rPr lang="en-GB" sz="1600" dirty="0"/>
+              <a:t>INPUT</a:t>
+            </a:r>
+          </a:p>
+        </p:txBody>
+      </p:sp>
+      <p:sp>
+        <p:nvSpPr>
+          <p:cNvPr id="80" name="TextBox 79"/>
+          <p:cNvSpPr txBox="1"/>
+          <p:nvPr/>
+        </p:nvSpPr>
+        <p:spPr>
+          <a:xfrm>
+            <a:off x="9716978" y="173053"/>
+            <a:ext cx="2200275" cy="338554"/>
+          </a:xfrm>
+          <a:prstGeom prst="rect">
+            <a:avLst/>
+          </a:prstGeom>
+          <a:noFill/>
+        </p:spPr>
+        <p:txBody>
+          <a:bodyPr wrap="square" rtlCol="0">
+            <a:spAutoFit/>
+          </a:bodyPr>
+          <a:lstStyle/>
+          <a:p>
+            <a:pPr algn="ctr"/>
+            <a:r>
+              <a:rPr lang="en-GB" sz="1600" dirty="0"/>
+              <a:t>OUTPUT</a:t>
+            </a:r>
+          </a:p>
+        </p:txBody>
+      </p:sp>
+      <p:sp>
+        <p:nvSpPr>
+          <p:cNvPr id="86" name="Parallelogram 85"/>
+          <p:cNvSpPr/>
+          <p:nvPr/>
+        </p:nvSpPr>
+        <p:spPr>
+          <a:xfrm>
+            <a:off x="10001906" y="5026752"/>
+            <a:ext cx="1915347" cy="1215143"/>
+          </a:xfrm>
+          <a:prstGeom prst="parallelogram">
+            <a:avLst/>
+          </a:prstGeom>
+          <a:solidFill>
+            <a:schemeClr val="bg1"/>
+          </a:solidFill>
+          <a:ln>
+            <a:solidFill>
+              <a:schemeClr val="tx1"/>
+            </a:solidFill>
+          </a:ln>
+        </p:spPr>
+        <p:style>
+          <a:lnRef idx="2">
+            <a:schemeClr val="accent1">
+              <a:shade val="50000"/>
+            </a:schemeClr>
+          </a:lnRef>
+          <a:fillRef idx="1">
+            <a:schemeClr val="accent1"/>
+          </a:fillRef>
+          <a:effectRef idx="0">
+            <a:schemeClr val="accent1"/>
+          </a:effectRef>
+          <a:fontRef idx="minor">
+            <a:schemeClr val="lt1"/>
+          </a:fontRef>
+        </p:style>
+        <p:txBody>
+          <a:bodyPr rtlCol="0" anchor="ctr"/>
+          <a:lstStyle/>
+          <a:p>
+            <a:pPr algn="ctr"/>
+            <a:r>
+              <a:rPr lang="en-GB" sz="1200" dirty="0">
+                <a:ln w="0"/>
+                <a:solidFill>
+                  <a:schemeClr val="tx1"/>
+                </a:solidFill>
+                <a:effectLst>
+                  <a:outerShdw blurRad="38100" dist="19050" dir="2700000" algn="tl" rotWithShape="0">
+                    <a:schemeClr val="dk1">
+                      <a:alpha val="40000"/>
+                    </a:schemeClr>
+                  </a:outerShdw>
+                </a:effectLst>
+              </a:rPr>
+              <a:t>sensor data</a:t>
+            </a:r>
+          </a:p>
+        </p:txBody>
+      </p:sp>
+    </p:spTree>
+    <p:extLst>
+      <p:ext uri="{BB962C8B-B14F-4D97-AF65-F5344CB8AC3E}">
+        <p14:creationId xmlns:p14="http://schemas.microsoft.com/office/powerpoint/2010/main" val="356057071"/>
       </p:ext>
     </p:extLst>
   </p:cSld>

--- a/Reports/UML/diagram.pptx
+++ b/Reports/UML/diagram.pptx
@@ -9,6 +9,7 @@
     <p:sldId id="257" r:id="rId3"/>
     <p:sldId id="259" r:id="rId4"/>
     <p:sldId id="258" r:id="rId5"/>
+    <p:sldId id="260" r:id="rId6"/>
   </p:sldIdLst>
   <p:sldSz cx="12192000" cy="6858000"/>
   <p:notesSz cx="6858000" cy="9144000"/>
@@ -258,7 +259,7 @@
           <a:p>
             <a:fld id="{37D254DE-7F3D-4BFF-BC2F-8BA99F5ABEC1}" type="datetimeFigureOut">
               <a:rPr lang="en-GB" smtClean="0"/>
-              <a:t>01/05/2016</a:t>
+              <a:t>04/05/2016</a:t>
             </a:fld>
             <a:endParaRPr lang="en-GB"/>
           </a:p>
@@ -428,7 +429,7 @@
           <a:p>
             <a:fld id="{37D254DE-7F3D-4BFF-BC2F-8BA99F5ABEC1}" type="datetimeFigureOut">
               <a:rPr lang="en-GB" smtClean="0"/>
-              <a:t>01/05/2016</a:t>
+              <a:t>04/05/2016</a:t>
             </a:fld>
             <a:endParaRPr lang="en-GB"/>
           </a:p>
@@ -608,7 +609,7 @@
           <a:p>
             <a:fld id="{37D254DE-7F3D-4BFF-BC2F-8BA99F5ABEC1}" type="datetimeFigureOut">
               <a:rPr lang="en-GB" smtClean="0"/>
-              <a:t>01/05/2016</a:t>
+              <a:t>04/05/2016</a:t>
             </a:fld>
             <a:endParaRPr lang="en-GB"/>
           </a:p>
@@ -778,7 +779,7 @@
           <a:p>
             <a:fld id="{37D254DE-7F3D-4BFF-BC2F-8BA99F5ABEC1}" type="datetimeFigureOut">
               <a:rPr lang="en-GB" smtClean="0"/>
-              <a:t>01/05/2016</a:t>
+              <a:t>04/05/2016</a:t>
             </a:fld>
             <a:endParaRPr lang="en-GB"/>
           </a:p>
@@ -1024,7 +1025,7 @@
           <a:p>
             <a:fld id="{37D254DE-7F3D-4BFF-BC2F-8BA99F5ABEC1}" type="datetimeFigureOut">
               <a:rPr lang="en-GB" smtClean="0"/>
-              <a:t>01/05/2016</a:t>
+              <a:t>04/05/2016</a:t>
             </a:fld>
             <a:endParaRPr lang="en-GB"/>
           </a:p>
@@ -1256,7 +1257,7 @@
           <a:p>
             <a:fld id="{37D254DE-7F3D-4BFF-BC2F-8BA99F5ABEC1}" type="datetimeFigureOut">
               <a:rPr lang="en-GB" smtClean="0"/>
-              <a:t>01/05/2016</a:t>
+              <a:t>04/05/2016</a:t>
             </a:fld>
             <a:endParaRPr lang="en-GB"/>
           </a:p>
@@ -1623,7 +1624,7 @@
           <a:p>
             <a:fld id="{37D254DE-7F3D-4BFF-BC2F-8BA99F5ABEC1}" type="datetimeFigureOut">
               <a:rPr lang="en-GB" smtClean="0"/>
-              <a:t>01/05/2016</a:t>
+              <a:t>04/05/2016</a:t>
             </a:fld>
             <a:endParaRPr lang="en-GB"/>
           </a:p>
@@ -1741,7 +1742,7 @@
           <a:p>
             <a:fld id="{37D254DE-7F3D-4BFF-BC2F-8BA99F5ABEC1}" type="datetimeFigureOut">
               <a:rPr lang="en-GB" smtClean="0"/>
-              <a:t>01/05/2016</a:t>
+              <a:t>04/05/2016</a:t>
             </a:fld>
             <a:endParaRPr lang="en-GB"/>
           </a:p>
@@ -1836,7 +1837,7 @@
           <a:p>
             <a:fld id="{37D254DE-7F3D-4BFF-BC2F-8BA99F5ABEC1}" type="datetimeFigureOut">
               <a:rPr lang="en-GB" smtClean="0"/>
-              <a:t>01/05/2016</a:t>
+              <a:t>04/05/2016</a:t>
             </a:fld>
             <a:endParaRPr lang="en-GB"/>
           </a:p>
@@ -2113,7 +2114,7 @@
           <a:p>
             <a:fld id="{37D254DE-7F3D-4BFF-BC2F-8BA99F5ABEC1}" type="datetimeFigureOut">
               <a:rPr lang="en-GB" smtClean="0"/>
-              <a:t>01/05/2016</a:t>
+              <a:t>04/05/2016</a:t>
             </a:fld>
             <a:endParaRPr lang="en-GB"/>
           </a:p>
@@ -2366,7 +2367,7 @@
           <a:p>
             <a:fld id="{37D254DE-7F3D-4BFF-BC2F-8BA99F5ABEC1}" type="datetimeFigureOut">
               <a:rPr lang="en-GB" smtClean="0"/>
-              <a:t>01/05/2016</a:t>
+              <a:t>04/05/2016</a:t>
             </a:fld>
             <a:endParaRPr lang="en-GB"/>
           </a:p>
@@ -2579,7 +2580,7 @@
           <a:p>
             <a:fld id="{37D254DE-7F3D-4BFF-BC2F-8BA99F5ABEC1}" type="datetimeFigureOut">
               <a:rPr lang="en-GB" smtClean="0"/>
-              <a:t>01/05/2016</a:t>
+              <a:t>04/05/2016</a:t>
             </a:fld>
             <a:endParaRPr lang="en-GB"/>
           </a:p>
@@ -2984,113 +2985,171 @@
           <a:chExt cx="0" cy="0"/>
         </a:xfrm>
       </p:grpSpPr>
-      <p:sp>
-        <p:nvSpPr>
-          <p:cNvPr id="22" name="TextBox 21"/>
-          <p:cNvSpPr txBox="1"/>
-          <p:nvPr/>
-        </p:nvSpPr>
-        <p:spPr>
-          <a:xfrm>
-            <a:off x="7511174" y="1814148"/>
-            <a:ext cx="1663028" cy="646331"/>
-          </a:xfrm>
-          <a:prstGeom prst="rect">
-            <a:avLst/>
-          </a:prstGeom>
-          <a:solidFill>
-            <a:schemeClr val="bg1"/>
-          </a:solidFill>
-          <a:ln>
+      <p:grpSp>
+        <p:nvGrpSpPr>
+          <p:cNvPr id="3" name="Group 2"/>
+          <p:cNvGrpSpPr/>
+          <p:nvPr/>
+        </p:nvGrpSpPr>
+        <p:grpSpPr>
+          <a:xfrm>
+            <a:off x="7655042" y="1531373"/>
+            <a:ext cx="1663028" cy="2331295"/>
+            <a:chOff x="7511174" y="1802555"/>
+            <a:chExt cx="1663028" cy="2331295"/>
+          </a:xfrm>
+        </p:grpSpPr>
+        <p:sp>
+          <p:nvSpPr>
+            <p:cNvPr id="22" name="TextBox 21"/>
+            <p:cNvSpPr txBox="1"/>
+            <p:nvPr/>
+          </p:nvSpPr>
+          <p:spPr>
+            <a:xfrm>
+              <a:off x="7511174" y="1814148"/>
+              <a:ext cx="1663028" cy="646331"/>
+            </a:xfrm>
+            <a:prstGeom prst="rect">
+              <a:avLst/>
+            </a:prstGeom>
             <a:solidFill>
               <a:schemeClr val="bg1"/>
             </a:solidFill>
-          </a:ln>
-        </p:spPr>
-        <p:style>
-          <a:lnRef idx="2">
-            <a:schemeClr val="dk1"/>
-          </a:lnRef>
-          <a:fillRef idx="1">
-            <a:schemeClr val="lt1"/>
-          </a:fillRef>
-          <a:effectRef idx="0">
-            <a:schemeClr val="dk1"/>
-          </a:effectRef>
-          <a:fontRef idx="minor">
-            <a:schemeClr val="dk1"/>
-          </a:fontRef>
-        </p:style>
-        <p:txBody>
-          <a:bodyPr wrap="square" rtlCol="0">
-            <a:spAutoFit/>
-          </a:bodyPr>
-          <a:lstStyle/>
-          <a:p>
-            <a:pPr algn="ctr"/>
-            <a:r>
-              <a:rPr lang="en-GB" dirty="0"/>
-              <a:t>SPARQL Endpoint</a:t>
-            </a:r>
-          </a:p>
-        </p:txBody>
-      </p:sp>
-      <p:sp>
-        <p:nvSpPr>
-          <p:cNvPr id="25" name="Rectangle 24"/>
+            <a:ln>
+              <a:solidFill>
+                <a:schemeClr val="bg1"/>
+              </a:solidFill>
+            </a:ln>
+          </p:spPr>
+          <p:style>
+            <a:lnRef idx="2">
+              <a:schemeClr val="dk1"/>
+            </a:lnRef>
+            <a:fillRef idx="1">
+              <a:schemeClr val="lt1"/>
+            </a:fillRef>
+            <a:effectRef idx="0">
+              <a:schemeClr val="dk1"/>
+            </a:effectRef>
+            <a:fontRef idx="minor">
+              <a:schemeClr val="dk1"/>
+            </a:fontRef>
+          </p:style>
+          <p:txBody>
+            <a:bodyPr wrap="square" rtlCol="0">
+              <a:spAutoFit/>
+            </a:bodyPr>
+            <a:lstStyle/>
+            <a:p>
+              <a:pPr algn="ctr"/>
+              <a:r>
+                <a:rPr lang="en-GB" dirty="0"/>
+                <a:t>SPARQL Endpoint</a:t>
+              </a:r>
+            </a:p>
+          </p:txBody>
+        </p:sp>
+        <p:sp>
+          <p:nvSpPr>
+            <p:cNvPr id="25" name="Rectangle 24"/>
+            <p:cNvSpPr/>
+            <p:nvPr/>
+          </p:nvSpPr>
+          <p:spPr>
+            <a:xfrm>
+              <a:off x="7580872" y="1802555"/>
+              <a:ext cx="1540076" cy="2331295"/>
+            </a:xfrm>
+            <a:prstGeom prst="rect">
+              <a:avLst/>
+            </a:prstGeom>
+            <a:noFill/>
+            <a:ln>
+              <a:solidFill>
+                <a:schemeClr val="tx1"/>
+              </a:solidFill>
+            </a:ln>
+          </p:spPr>
+          <p:style>
+            <a:lnRef idx="2">
+              <a:schemeClr val="accent1">
+                <a:shade val="50000"/>
+              </a:schemeClr>
+            </a:lnRef>
+            <a:fillRef idx="1">
+              <a:schemeClr val="accent1"/>
+            </a:fillRef>
+            <a:effectRef idx="0">
+              <a:schemeClr val="accent1"/>
+            </a:effectRef>
+            <a:fontRef idx="minor">
+              <a:schemeClr val="lt1"/>
+            </a:fontRef>
+          </p:style>
+          <p:txBody>
+            <a:bodyPr rtlCol="0" anchor="ctr"/>
+            <a:lstStyle/>
+            <a:p>
+              <a:pPr algn="ctr"/>
+              <a:endParaRPr lang="en-GB"/>
+            </a:p>
+          </p:txBody>
+        </p:sp>
+        <p:sp>
+          <p:nvSpPr>
+            <p:cNvPr id="6" name="Flowchart: Magnetic Disk 5"/>
+            <p:cNvSpPr/>
+            <p:nvPr/>
+          </p:nvSpPr>
+          <p:spPr>
+            <a:xfrm>
+              <a:off x="7764399" y="2517868"/>
+              <a:ext cx="1156578" cy="1362514"/>
+            </a:xfrm>
+            <a:prstGeom prst="flowChartMagneticDisk">
+              <a:avLst/>
+            </a:prstGeom>
+          </p:spPr>
+          <p:style>
+            <a:lnRef idx="2">
+              <a:schemeClr val="accent3">
+                <a:shade val="50000"/>
+              </a:schemeClr>
+            </a:lnRef>
+            <a:fillRef idx="1">
+              <a:schemeClr val="accent3"/>
+            </a:fillRef>
+            <a:effectRef idx="0">
+              <a:schemeClr val="accent3"/>
+            </a:effectRef>
+            <a:fontRef idx="minor">
+              <a:schemeClr val="lt1"/>
+            </a:fontRef>
+          </p:style>
+          <p:txBody>
+            <a:bodyPr rtlCol="0" anchor="ctr"/>
+            <a:lstStyle/>
+            <a:p>
+              <a:pPr algn="ctr"/>
+              <a:r>
+                <a:rPr lang="en-GB" dirty="0"/>
+                <a:t>Triple Store</a:t>
+              </a:r>
+            </a:p>
+          </p:txBody>
+        </p:sp>
+      </p:grpSp>
+      <p:sp>
+        <p:nvSpPr>
+          <p:cNvPr id="11" name="Flowchart: Magnetic Disk 10"/>
           <p:cNvSpPr/>
           <p:nvPr/>
         </p:nvSpPr>
         <p:spPr>
           <a:xfrm>
-            <a:off x="7580872" y="1802555"/>
-            <a:ext cx="1540076" cy="2331295"/>
-          </a:xfrm>
-          <a:prstGeom prst="rect">
-            <a:avLst/>
-          </a:prstGeom>
-          <a:noFill/>
-          <a:ln>
-            <a:solidFill>
-              <a:schemeClr val="tx1"/>
-            </a:solidFill>
-          </a:ln>
-        </p:spPr>
-        <p:style>
-          <a:lnRef idx="2">
-            <a:schemeClr val="accent1">
-              <a:shade val="50000"/>
-            </a:schemeClr>
-          </a:lnRef>
-          <a:fillRef idx="1">
-            <a:schemeClr val="accent1"/>
-          </a:fillRef>
-          <a:effectRef idx="0">
-            <a:schemeClr val="accent1"/>
-          </a:effectRef>
-          <a:fontRef idx="minor">
-            <a:schemeClr val="lt1"/>
-          </a:fontRef>
-        </p:style>
-        <p:txBody>
-          <a:bodyPr rtlCol="0" anchor="ctr"/>
-          <a:lstStyle/>
-          <a:p>
-            <a:pPr algn="ctr"/>
-            <a:endParaRPr lang="en-GB"/>
-          </a:p>
-        </p:txBody>
-      </p:sp>
-      <p:sp>
-        <p:nvSpPr>
-          <p:cNvPr id="6" name="Flowchart: Magnetic Disk 5"/>
-          <p:cNvSpPr/>
-          <p:nvPr/>
-        </p:nvSpPr>
-        <p:spPr>
-          <a:xfrm>
-            <a:off x="7764399" y="2517868"/>
-            <a:ext cx="1156578" cy="1362514"/>
+            <a:off x="2139949" y="3582101"/>
+            <a:ext cx="1484649" cy="1553196"/>
           </a:xfrm>
           <a:prstGeom prst="flowChartMagneticDisk">
             <a:avLst/>
@@ -3119,20 +3178,263 @@
             <a:pPr algn="ctr"/>
             <a:r>
               <a:rPr lang="en-GB" dirty="0"/>
-              <a:t>Triple Store</a:t>
-            </a:r>
-          </a:p>
-        </p:txBody>
-      </p:sp>
-      <p:sp>
-        <p:nvSpPr>
-          <p:cNvPr id="11" name="Flowchart: Magnetic Disk 10"/>
+              <a:t>Sensor Observation</a:t>
+            </a:r>
+          </a:p>
+          <a:p>
+            <a:pPr algn="ctr"/>
+            <a:r>
+              <a:rPr lang="en-GB" dirty="0"/>
+              <a:t>Service</a:t>
+            </a:r>
+          </a:p>
+        </p:txBody>
+      </p:sp>
+      <p:sp>
+        <p:nvSpPr>
+          <p:cNvPr id="10" name="Rectangle 9"/>
           <p:cNvSpPr/>
           <p:nvPr/>
         </p:nvSpPr>
         <p:spPr>
           <a:xfrm>
-            <a:off x="2139949" y="3582101"/>
+            <a:off x="4859058" y="2663751"/>
+            <a:ext cx="1574580" cy="1070748"/>
+          </a:xfrm>
+          <a:prstGeom prst="rect">
+            <a:avLst/>
+          </a:prstGeom>
+        </p:spPr>
+        <p:style>
+          <a:lnRef idx="3">
+            <a:schemeClr val="lt1"/>
+          </a:lnRef>
+          <a:fillRef idx="1">
+            <a:schemeClr val="accent1"/>
+          </a:fillRef>
+          <a:effectRef idx="1">
+            <a:schemeClr val="accent1"/>
+          </a:effectRef>
+          <a:fontRef idx="minor">
+            <a:schemeClr val="lt1"/>
+          </a:fontRef>
+        </p:style>
+        <p:txBody>
+          <a:bodyPr rtlCol="0" anchor="ctr"/>
+          <a:lstStyle/>
+          <a:p>
+            <a:pPr algn="ctr"/>
+            <a:r>
+              <a:rPr lang="en-GB" dirty="0"/>
+              <a:t>Web Processing Service</a:t>
+            </a:r>
+          </a:p>
+        </p:txBody>
+      </p:sp>
+      <p:sp>
+        <p:nvSpPr>
+          <p:cNvPr id="12" name="Rectangle 11"/>
+          <p:cNvSpPr/>
+          <p:nvPr/>
+        </p:nvSpPr>
+        <p:spPr>
+          <a:xfrm>
+            <a:off x="1595536" y="979714"/>
+            <a:ext cx="2663544" cy="4590662"/>
+          </a:xfrm>
+          <a:prstGeom prst="rect">
+            <a:avLst/>
+          </a:prstGeom>
+          <a:noFill/>
+          <a:ln>
+            <a:solidFill>
+              <a:schemeClr val="tx1"/>
+            </a:solidFill>
+            <a:prstDash val="sysDot"/>
+          </a:ln>
+        </p:spPr>
+        <p:style>
+          <a:lnRef idx="0">
+            <a:scrgbClr r="0" g="0" b="0"/>
+          </a:lnRef>
+          <a:fillRef idx="0">
+            <a:scrgbClr r="0" g="0" b="0"/>
+          </a:fillRef>
+          <a:effectRef idx="0">
+            <a:scrgbClr r="0" g="0" b="0"/>
+          </a:effectRef>
+          <a:fontRef idx="minor">
+            <a:schemeClr val="dk1"/>
+          </a:fontRef>
+        </p:style>
+        <p:txBody>
+          <a:bodyPr rtlCol="0" anchor="ctr"/>
+          <a:lstStyle/>
+          <a:p>
+            <a:pPr algn="ctr"/>
+            <a:endParaRPr lang="en-GB"/>
+          </a:p>
+        </p:txBody>
+      </p:sp>
+      <p:sp>
+        <p:nvSpPr>
+          <p:cNvPr id="16" name="Rectangle 15"/>
+          <p:cNvSpPr/>
+          <p:nvPr/>
+        </p:nvSpPr>
+        <p:spPr>
+          <a:xfrm>
+            <a:off x="4259080" y="979714"/>
+            <a:ext cx="2795984" cy="4590662"/>
+          </a:xfrm>
+          <a:prstGeom prst="rect">
+            <a:avLst/>
+          </a:prstGeom>
+          <a:noFill/>
+          <a:ln>
+            <a:solidFill>
+              <a:schemeClr val="tx1"/>
+            </a:solidFill>
+            <a:prstDash val="sysDot"/>
+          </a:ln>
+        </p:spPr>
+        <p:style>
+          <a:lnRef idx="0">
+            <a:scrgbClr r="0" g="0" b="0"/>
+          </a:lnRef>
+          <a:fillRef idx="0">
+            <a:scrgbClr r="0" g="0" b="0"/>
+          </a:fillRef>
+          <a:effectRef idx="0">
+            <a:scrgbClr r="0" g="0" b="0"/>
+          </a:effectRef>
+          <a:fontRef idx="minor">
+            <a:schemeClr val="dk1"/>
+          </a:fontRef>
+        </p:style>
+        <p:txBody>
+          <a:bodyPr rtlCol="0" anchor="ctr"/>
+          <a:lstStyle/>
+          <a:p>
+            <a:pPr algn="ctr"/>
+            <a:endParaRPr lang="en-GB"/>
+          </a:p>
+        </p:txBody>
+      </p:sp>
+      <p:sp>
+        <p:nvSpPr>
+          <p:cNvPr id="7" name="Right Arrow 6"/>
+          <p:cNvSpPr/>
+          <p:nvPr/>
+        </p:nvSpPr>
+        <p:spPr>
+          <a:xfrm rot="20382627">
+            <a:off x="3760244" y="3477134"/>
+            <a:ext cx="934608" cy="276994"/>
+          </a:xfrm>
+          <a:prstGeom prst="rightArrow">
+            <a:avLst/>
+          </a:prstGeom>
+        </p:spPr>
+        <p:style>
+          <a:lnRef idx="3">
+            <a:schemeClr val="lt1"/>
+          </a:lnRef>
+          <a:fillRef idx="1">
+            <a:schemeClr val="accent2"/>
+          </a:fillRef>
+          <a:effectRef idx="1">
+            <a:schemeClr val="accent2"/>
+          </a:effectRef>
+          <a:fontRef idx="minor">
+            <a:schemeClr val="lt1"/>
+          </a:fontRef>
+        </p:style>
+        <p:txBody>
+          <a:bodyPr rtlCol="0" anchor="ctr"/>
+          <a:lstStyle/>
+          <a:p>
+            <a:pPr algn="ctr"/>
+            <a:endParaRPr lang="en-GB" dirty="0"/>
+          </a:p>
+        </p:txBody>
+      </p:sp>
+      <p:sp>
+        <p:nvSpPr>
+          <p:cNvPr id="9" name="Right Arrow 8"/>
+          <p:cNvSpPr/>
+          <p:nvPr/>
+        </p:nvSpPr>
+        <p:spPr>
+          <a:xfrm rot="-20400000">
+            <a:off x="3752459" y="2558524"/>
+            <a:ext cx="934608" cy="276994"/>
+          </a:xfrm>
+          <a:prstGeom prst="rightArrow">
+            <a:avLst/>
+          </a:prstGeom>
+        </p:spPr>
+        <p:style>
+          <a:lnRef idx="3">
+            <a:schemeClr val="lt1"/>
+          </a:lnRef>
+          <a:fillRef idx="1">
+            <a:schemeClr val="accent2"/>
+          </a:fillRef>
+          <a:effectRef idx="1">
+            <a:schemeClr val="accent2"/>
+          </a:effectRef>
+          <a:fontRef idx="minor">
+            <a:schemeClr val="lt1"/>
+          </a:fontRef>
+        </p:style>
+        <p:txBody>
+          <a:bodyPr rtlCol="0" anchor="ctr"/>
+          <a:lstStyle/>
+          <a:p>
+            <a:pPr algn="ctr"/>
+            <a:endParaRPr lang="en-GB" dirty="0"/>
+          </a:p>
+        </p:txBody>
+      </p:sp>
+      <p:sp>
+        <p:nvSpPr>
+          <p:cNvPr id="14" name="TextBox 13"/>
+          <p:cNvSpPr txBox="1"/>
+          <p:nvPr/>
+        </p:nvSpPr>
+        <p:spPr>
+          <a:xfrm>
+            <a:off x="1595536" y="1052669"/>
+            <a:ext cx="2313990" cy="369332"/>
+          </a:xfrm>
+          <a:prstGeom prst="rect">
+            <a:avLst/>
+          </a:prstGeom>
+          <a:noFill/>
+        </p:spPr>
+        <p:txBody>
+          <a:bodyPr wrap="square" rtlCol="0">
+            <a:spAutoFit/>
+          </a:bodyPr>
+          <a:lstStyle/>
+          <a:p>
+            <a:r>
+              <a:rPr lang="en-GB" i="1" dirty="0"/>
+              <a:t>Retrieve metadata</a:t>
+            </a:r>
+          </a:p>
+        </p:txBody>
+      </p:sp>
+      <p:sp>
+        <p:nvSpPr>
+          <p:cNvPr id="19" name="Flowchart: Magnetic Disk 18"/>
+          <p:cNvSpPr/>
+          <p:nvPr/>
+        </p:nvSpPr>
+        <p:spPr>
+          <a:xfrm>
+            <a:off x="2155978" y="1672414"/>
             <a:ext cx="1484649" cy="1553196"/>
           </a:xfrm>
           <a:prstGeom prst="flowChartMagneticDisk">
@@ -3176,54 +3478,71 @@
       </p:sp>
       <p:sp>
         <p:nvSpPr>
-          <p:cNvPr id="10" name="Rectangle 9"/>
+          <p:cNvPr id="20" name="TextBox 19"/>
+          <p:cNvSpPr txBox="1"/>
+          <p:nvPr/>
+        </p:nvSpPr>
+        <p:spPr>
+          <a:xfrm>
+            <a:off x="4259080" y="1052669"/>
+            <a:ext cx="2313990" cy="369332"/>
+          </a:xfrm>
+          <a:prstGeom prst="rect">
+            <a:avLst/>
+          </a:prstGeom>
+          <a:noFill/>
+        </p:spPr>
+        <p:txBody>
+          <a:bodyPr wrap="square" rtlCol="0">
+            <a:spAutoFit/>
+          </a:bodyPr>
+          <a:lstStyle/>
+          <a:p>
+            <a:r>
+              <a:rPr lang="en-GB" i="1" dirty="0"/>
+              <a:t>Create linked data</a:t>
+            </a:r>
+          </a:p>
+        </p:txBody>
+      </p:sp>
+      <p:sp>
+        <p:nvSpPr>
+          <p:cNvPr id="21" name="TextBox 20"/>
+          <p:cNvSpPr txBox="1"/>
+          <p:nvPr/>
+        </p:nvSpPr>
+        <p:spPr>
+          <a:xfrm>
+            <a:off x="7099292" y="1052669"/>
+            <a:ext cx="2313990" cy="369332"/>
+          </a:xfrm>
+          <a:prstGeom prst="rect">
+            <a:avLst/>
+          </a:prstGeom>
+          <a:noFill/>
+        </p:spPr>
+        <p:txBody>
+          <a:bodyPr wrap="square" rtlCol="0">
+            <a:spAutoFit/>
+          </a:bodyPr>
+          <a:lstStyle/>
+          <a:p>
+            <a:r>
+              <a:rPr lang="en-GB" i="1" dirty="0"/>
+              <a:t>Publish linked data</a:t>
+            </a:r>
+          </a:p>
+        </p:txBody>
+      </p:sp>
+      <p:sp>
+        <p:nvSpPr>
+          <p:cNvPr id="27" name="Rectangle 26"/>
           <p:cNvSpPr/>
           <p:nvPr/>
         </p:nvSpPr>
         <p:spPr>
           <a:xfrm>
-            <a:off x="4859058" y="2663751"/>
-            <a:ext cx="1574580" cy="1070748"/>
-          </a:xfrm>
-          <a:prstGeom prst="rect">
-            <a:avLst/>
-          </a:prstGeom>
-        </p:spPr>
-        <p:style>
-          <a:lnRef idx="3">
-            <a:schemeClr val="lt1"/>
-          </a:lnRef>
-          <a:fillRef idx="1">
-            <a:schemeClr val="accent1"/>
-          </a:fillRef>
-          <a:effectRef idx="1">
-            <a:schemeClr val="accent1"/>
-          </a:effectRef>
-          <a:fontRef idx="minor">
-            <a:schemeClr val="lt1"/>
-          </a:fontRef>
-        </p:style>
-        <p:txBody>
-          <a:bodyPr rtlCol="0" anchor="ctr"/>
-          <a:lstStyle/>
-          <a:p>
-            <a:pPr algn="ctr"/>
-            <a:r>
-              <a:rPr lang="en-GB" dirty="0"/>
-              <a:t>Web Processing Service</a:t>
-            </a:r>
-          </a:p>
-        </p:txBody>
-      </p:sp>
-      <p:sp>
-        <p:nvSpPr>
-          <p:cNvPr id="12" name="Rectangle 11"/>
-          <p:cNvSpPr/>
-          <p:nvPr/>
-        </p:nvSpPr>
-        <p:spPr>
-          <a:xfrm>
-            <a:off x="1595536" y="979714"/>
+            <a:off x="7063715" y="979714"/>
             <a:ext cx="2663544" cy="4590662"/>
           </a:xfrm>
           <a:prstGeom prst="rect">
@@ -3260,60 +3579,56 @@
           </a:p>
         </p:txBody>
       </p:sp>
-      <p:sp>
-        <p:nvSpPr>
-          <p:cNvPr id="16" name="Rectangle 15"/>
+      <p:pic>
+        <p:nvPicPr>
+          <p:cNvPr id="1026" name="Picture 2" descr="http://www.w3.org/RDF/icons/rdf_w3c_icon.128"/>
+          <p:cNvPicPr>
+            <a:picLocks noChangeAspect="1" noChangeArrowheads="1"/>
+          </p:cNvPicPr>
+          <p:nvPr/>
+        </p:nvPicPr>
+        <p:blipFill>
+          <a:blip r:embed="rId2">
+            <a:extLst>
+              <a:ext uri="{28A0092B-C50C-407E-A947-70E740481C1C}">
+                <a14:useLocalDpi xmlns:a14="http://schemas.microsoft.com/office/drawing/2010/main" val="0"/>
+              </a:ext>
+            </a:extLst>
+          </a:blip>
+          <a:srcRect/>
+          <a:stretch>
+            <a:fillRect/>
+          </a:stretch>
+        </p:blipFill>
+        <p:spPr bwMode="auto">
+          <a:xfrm>
+            <a:off x="6769887" y="2469278"/>
+            <a:ext cx="570353" cy="618688"/>
+          </a:xfrm>
+          <a:prstGeom prst="rect">
+            <a:avLst/>
+          </a:prstGeom>
+          <a:noFill/>
+          <a:extLst>
+            <a:ext uri="{909E8E84-426E-40DD-AFC4-6F175D3DCCD1}">
+              <a14:hiddenFill xmlns:a14="http://schemas.microsoft.com/office/drawing/2010/main">
+                <a:solidFill>
+                  <a:srgbClr val="FFFFFF"/>
+                </a:solidFill>
+              </a14:hiddenFill>
+            </a:ext>
+          </a:extLst>
+        </p:spPr>
+      </p:pic>
+      <p:sp>
+        <p:nvSpPr>
+          <p:cNvPr id="13" name="Right Arrow 12"/>
           <p:cNvSpPr/>
           <p:nvPr/>
         </p:nvSpPr>
         <p:spPr>
           <a:xfrm>
-            <a:off x="4259080" y="979714"/>
-            <a:ext cx="2795984" cy="4590662"/>
-          </a:xfrm>
-          <a:prstGeom prst="rect">
-            <a:avLst/>
-          </a:prstGeom>
-          <a:noFill/>
-          <a:ln>
-            <a:solidFill>
-              <a:schemeClr val="tx1"/>
-            </a:solidFill>
-            <a:prstDash val="sysDot"/>
-          </a:ln>
-        </p:spPr>
-        <p:style>
-          <a:lnRef idx="0">
-            <a:scrgbClr r="0" g="0" b="0"/>
-          </a:lnRef>
-          <a:fillRef idx="0">
-            <a:scrgbClr r="0" g="0" b="0"/>
-          </a:fillRef>
-          <a:effectRef idx="0">
-            <a:scrgbClr r="0" g="0" b="0"/>
-          </a:effectRef>
-          <a:fontRef idx="minor">
-            <a:schemeClr val="dk1"/>
-          </a:fontRef>
-        </p:style>
-        <p:txBody>
-          <a:bodyPr rtlCol="0" anchor="ctr"/>
-          <a:lstStyle/>
-          <a:p>
-            <a:pPr algn="ctr"/>
-            <a:endParaRPr lang="en-GB"/>
-          </a:p>
-        </p:txBody>
-      </p:sp>
-      <p:sp>
-        <p:nvSpPr>
-          <p:cNvPr id="7" name="Right Arrow 6"/>
-          <p:cNvSpPr/>
-          <p:nvPr/>
-        </p:nvSpPr>
-        <p:spPr>
-          <a:xfrm rot="20382627">
-            <a:off x="3760244" y="3477134"/>
+            <a:off x="6631988" y="3060628"/>
             <a:ext cx="934608" cy="276994"/>
           </a:xfrm>
           <a:prstGeom prst="rightArrow">
@@ -3343,16 +3658,84 @@
           </a:p>
         </p:txBody>
       </p:sp>
-      <p:sp>
-        <p:nvSpPr>
-          <p:cNvPr id="9" name="Right Arrow 8"/>
+      <p:pic>
+        <p:nvPicPr>
+          <p:cNvPr id="2" name="Picture 2" descr="http://codeguida.com/media/post_title/29611.png"/>
+          <p:cNvPicPr>
+            <a:picLocks noChangeAspect="1" noChangeArrowheads="1"/>
+          </p:cNvPicPr>
+          <p:nvPr/>
+        </p:nvPicPr>
+        <p:blipFill>
+          <a:blip r:embed="rId3">
+            <a:extLst>
+              <a:ext uri="{28A0092B-C50C-407E-A947-70E740481C1C}">
+                <a14:useLocalDpi xmlns:a14="http://schemas.microsoft.com/office/drawing/2010/main" val="0"/>
+              </a:ext>
+            </a:extLst>
+          </a:blip>
+          <a:srcRect/>
+          <a:stretch>
+            <a:fillRect/>
+          </a:stretch>
+        </p:blipFill>
+        <p:spPr bwMode="auto">
+          <a:xfrm>
+            <a:off x="3829274" y="1623942"/>
+            <a:ext cx="845336" cy="845336"/>
+          </a:xfrm>
+          <a:prstGeom prst="rect">
+            <a:avLst/>
+          </a:prstGeom>
+          <a:solidFill>
+            <a:schemeClr val="bg1"/>
+          </a:solidFill>
+        </p:spPr>
+      </p:pic>
+      <p:pic>
+        <p:nvPicPr>
+          <p:cNvPr id="23" name="Picture 2" descr="http://codeguida.com/media/post_title/29611.png"/>
+          <p:cNvPicPr>
+            <a:picLocks noChangeAspect="1" noChangeArrowheads="1"/>
+          </p:cNvPicPr>
+          <p:nvPr/>
+        </p:nvPicPr>
+        <p:blipFill>
+          <a:blip r:embed="rId3">
+            <a:extLst>
+              <a:ext uri="{28A0092B-C50C-407E-A947-70E740481C1C}">
+                <a14:useLocalDpi xmlns:a14="http://schemas.microsoft.com/office/drawing/2010/main" val="0"/>
+              </a:ext>
+            </a:extLst>
+          </a:blip>
+          <a:srcRect/>
+          <a:stretch>
+            <a:fillRect/>
+          </a:stretch>
+        </p:blipFill>
+        <p:spPr bwMode="auto">
+          <a:xfrm>
+            <a:off x="3867475" y="3856016"/>
+            <a:ext cx="845336" cy="845336"/>
+          </a:xfrm>
+          <a:prstGeom prst="rect">
+            <a:avLst/>
+          </a:prstGeom>
+          <a:solidFill>
+            <a:schemeClr val="bg1"/>
+          </a:solidFill>
+        </p:spPr>
+      </p:pic>
+      <p:sp>
+        <p:nvSpPr>
+          <p:cNvPr id="24" name="Right Arrow 23"/>
           <p:cNvSpPr/>
           <p:nvPr/>
         </p:nvSpPr>
         <p:spPr>
-          <a:xfrm rot="-20400000">
-            <a:off x="3752459" y="2558524"/>
-            <a:ext cx="934608" cy="276994"/>
+          <a:xfrm rot="1445093">
+            <a:off x="6597210" y="3823473"/>
+            <a:ext cx="1134722" cy="276994"/>
           </a:xfrm>
           <a:prstGeom prst="rightArrow">
             <a:avLst/>
@@ -3381,45 +3764,57 @@
           </a:p>
         </p:txBody>
       </p:sp>
-      <p:sp>
-        <p:nvSpPr>
-          <p:cNvPr id="14" name="TextBox 13"/>
-          <p:cNvSpPr txBox="1"/>
-          <p:nvPr/>
-        </p:nvSpPr>
-        <p:spPr>
-          <a:xfrm>
-            <a:off x="1595536" y="1052669"/>
-            <a:ext cx="2313990" cy="369332"/>
+      <p:pic>
+        <p:nvPicPr>
+          <p:cNvPr id="26" name="Picture 2" descr="http://www.w3.org/RDF/icons/rdf_w3c_icon.128"/>
+          <p:cNvPicPr>
+            <a:picLocks noChangeAspect="1" noChangeArrowheads="1"/>
+          </p:cNvPicPr>
+          <p:nvPr/>
+        </p:nvPicPr>
+        <p:blipFill>
+          <a:blip r:embed="rId2">
+            <a:extLst>
+              <a:ext uri="{28A0092B-C50C-407E-A947-70E740481C1C}">
+                <a14:useLocalDpi xmlns:a14="http://schemas.microsoft.com/office/drawing/2010/main" val="0"/>
+              </a:ext>
+            </a:extLst>
+          </a:blip>
+          <a:srcRect/>
+          <a:stretch>
+            <a:fillRect/>
+          </a:stretch>
+        </p:blipFill>
+        <p:spPr bwMode="auto">
+          <a:xfrm>
+            <a:off x="6748986" y="4135243"/>
+            <a:ext cx="570353" cy="618688"/>
           </a:xfrm>
           <a:prstGeom prst="rect">
             <a:avLst/>
           </a:prstGeom>
           <a:noFill/>
-        </p:spPr>
-        <p:txBody>
-          <a:bodyPr wrap="square" rtlCol="0">
-            <a:spAutoFit/>
-          </a:bodyPr>
-          <a:lstStyle/>
-          <a:p>
-            <a:r>
-              <a:rPr lang="en-GB" i="1" dirty="0"/>
-              <a:t>Retrieve metadata</a:t>
-            </a:r>
-          </a:p>
-        </p:txBody>
-      </p:sp>
-      <p:sp>
-        <p:nvSpPr>
-          <p:cNvPr id="19" name="Flowchart: Magnetic Disk 18"/>
+          <a:extLst>
+            <a:ext uri="{909E8E84-426E-40DD-AFC4-6F175D3DCCD1}">
+              <a14:hiddenFill xmlns:a14="http://schemas.microsoft.com/office/drawing/2010/main">
+                <a:solidFill>
+                  <a:srgbClr val="FFFFFF"/>
+                </a:solidFill>
+              </a14:hiddenFill>
+            </a:ext>
+          </a:extLst>
+        </p:spPr>
+      </p:pic>
+      <p:sp>
+        <p:nvSpPr>
+          <p:cNvPr id="29" name="Flowchart: Magnetic Disk 28"/>
           <p:cNvSpPr/>
           <p:nvPr/>
         </p:nvSpPr>
         <p:spPr>
           <a:xfrm>
-            <a:off x="2155978" y="1672414"/>
-            <a:ext cx="1484649" cy="1553196"/>
+            <a:off x="7739058" y="4129042"/>
+            <a:ext cx="1156578" cy="1362514"/>
           </a:xfrm>
           <a:prstGeom prst="flowChartMagneticDisk">
             <a:avLst/>
@@ -3447,269 +3842,13 @@
           <a:p>
             <a:pPr algn="ctr"/>
             <a:r>
-              <a:rPr lang="en-GB" dirty="0"/>
-              <a:t>Sensor Observation</a:t>
-            </a:r>
-          </a:p>
-          <a:p>
-            <a:pPr algn="ctr"/>
-            <a:r>
-              <a:rPr lang="en-GB" dirty="0"/>
-              <a:t>Service</a:t>
-            </a:r>
-          </a:p>
-        </p:txBody>
-      </p:sp>
-      <p:sp>
-        <p:nvSpPr>
-          <p:cNvPr id="20" name="TextBox 19"/>
-          <p:cNvSpPr txBox="1"/>
-          <p:nvPr/>
-        </p:nvSpPr>
-        <p:spPr>
-          <a:xfrm>
-            <a:off x="4259080" y="1052669"/>
-            <a:ext cx="2313990" cy="369332"/>
-          </a:xfrm>
-          <a:prstGeom prst="rect">
-            <a:avLst/>
-          </a:prstGeom>
-          <a:noFill/>
-        </p:spPr>
-        <p:txBody>
-          <a:bodyPr wrap="square" rtlCol="0">
-            <a:spAutoFit/>
-          </a:bodyPr>
-          <a:lstStyle/>
-          <a:p>
-            <a:r>
-              <a:rPr lang="en-GB" i="1" dirty="0"/>
-              <a:t>Create linked data</a:t>
-            </a:r>
-          </a:p>
-        </p:txBody>
-      </p:sp>
-      <p:sp>
-        <p:nvSpPr>
-          <p:cNvPr id="21" name="TextBox 20"/>
-          <p:cNvSpPr txBox="1"/>
-          <p:nvPr/>
-        </p:nvSpPr>
-        <p:spPr>
-          <a:xfrm>
-            <a:off x="7099292" y="1052669"/>
-            <a:ext cx="2313990" cy="369332"/>
-          </a:xfrm>
-          <a:prstGeom prst="rect">
-            <a:avLst/>
-          </a:prstGeom>
-          <a:noFill/>
-        </p:spPr>
-        <p:txBody>
-          <a:bodyPr wrap="square" rtlCol="0">
-            <a:spAutoFit/>
-          </a:bodyPr>
-          <a:lstStyle/>
-          <a:p>
-            <a:r>
-              <a:rPr lang="en-GB" i="1" dirty="0"/>
-              <a:t>Publish linked data</a:t>
-            </a:r>
-          </a:p>
-        </p:txBody>
-      </p:sp>
-      <p:sp>
-        <p:nvSpPr>
-          <p:cNvPr id="27" name="Rectangle 26"/>
-          <p:cNvSpPr/>
-          <p:nvPr/>
-        </p:nvSpPr>
-        <p:spPr>
-          <a:xfrm>
-            <a:off x="7063715" y="979714"/>
-            <a:ext cx="2663544" cy="4590662"/>
-          </a:xfrm>
-          <a:prstGeom prst="rect">
-            <a:avLst/>
-          </a:prstGeom>
-          <a:noFill/>
-          <a:ln>
-            <a:solidFill>
-              <a:schemeClr val="tx1"/>
-            </a:solidFill>
-            <a:prstDash val="sysDot"/>
-          </a:ln>
-        </p:spPr>
-        <p:style>
-          <a:lnRef idx="0">
-            <a:scrgbClr r="0" g="0" b="0"/>
-          </a:lnRef>
-          <a:fillRef idx="0">
-            <a:scrgbClr r="0" g="0" b="0"/>
-          </a:fillRef>
-          <a:effectRef idx="0">
-            <a:scrgbClr r="0" g="0" b="0"/>
-          </a:effectRef>
-          <a:fontRef idx="minor">
-            <a:schemeClr val="dk1"/>
-          </a:fontRef>
-        </p:style>
-        <p:txBody>
-          <a:bodyPr rtlCol="0" anchor="ctr"/>
-          <a:lstStyle/>
-          <a:p>
-            <a:pPr algn="ctr"/>
-            <a:endParaRPr lang="en-GB"/>
-          </a:p>
-        </p:txBody>
-      </p:sp>
-      <p:pic>
-        <p:nvPicPr>
-          <p:cNvPr id="1026" name="Picture 2" descr="http://www.w3.org/RDF/icons/rdf_w3c_icon.128"/>
-          <p:cNvPicPr>
-            <a:picLocks noChangeAspect="1" noChangeArrowheads="1"/>
-          </p:cNvPicPr>
-          <p:nvPr/>
-        </p:nvPicPr>
-        <p:blipFill>
-          <a:blip r:embed="rId2">
-            <a:extLst>
-              <a:ext uri="{28A0092B-C50C-407E-A947-70E740481C1C}">
-                <a14:useLocalDpi xmlns:a14="http://schemas.microsoft.com/office/drawing/2010/main" val="0"/>
-              </a:ext>
-            </a:extLst>
-          </a:blip>
-          <a:srcRect/>
-          <a:stretch>
-            <a:fillRect/>
-          </a:stretch>
-        </p:blipFill>
-        <p:spPr bwMode="auto">
-          <a:xfrm>
-            <a:off x="6769887" y="2469278"/>
-            <a:ext cx="570353" cy="618688"/>
-          </a:xfrm>
-          <a:prstGeom prst="rect">
-            <a:avLst/>
-          </a:prstGeom>
-          <a:noFill/>
-          <a:extLst>
-            <a:ext uri="{909E8E84-426E-40DD-AFC4-6F175D3DCCD1}">
-              <a14:hiddenFill xmlns:a14="http://schemas.microsoft.com/office/drawing/2010/main">
-                <a:solidFill>
-                  <a:srgbClr val="FFFFFF"/>
-                </a:solidFill>
-              </a14:hiddenFill>
-            </a:ext>
-          </a:extLst>
-        </p:spPr>
-      </p:pic>
-      <p:sp>
-        <p:nvSpPr>
-          <p:cNvPr id="13" name="Right Arrow 12"/>
-          <p:cNvSpPr/>
-          <p:nvPr/>
-        </p:nvSpPr>
-        <p:spPr>
-          <a:xfrm>
-            <a:off x="6631988" y="3060628"/>
-            <a:ext cx="934608" cy="276994"/>
-          </a:xfrm>
-          <a:prstGeom prst="rightArrow">
-            <a:avLst/>
-          </a:prstGeom>
-        </p:spPr>
-        <p:style>
-          <a:lnRef idx="3">
-            <a:schemeClr val="lt1"/>
-          </a:lnRef>
-          <a:fillRef idx="1">
-            <a:schemeClr val="accent2"/>
-          </a:fillRef>
-          <a:effectRef idx="1">
-            <a:schemeClr val="accent2"/>
-          </a:effectRef>
-          <a:fontRef idx="minor">
-            <a:schemeClr val="lt1"/>
-          </a:fontRef>
-        </p:style>
-        <p:txBody>
-          <a:bodyPr rtlCol="0" anchor="ctr"/>
-          <a:lstStyle/>
-          <a:p>
-            <a:pPr algn="ctr"/>
+              <a:rPr lang="en-GB" dirty="0" err="1"/>
+              <a:t>DBPedia</a:t>
+            </a:r>
             <a:endParaRPr lang="en-GB" dirty="0"/>
           </a:p>
         </p:txBody>
       </p:sp>
-      <p:pic>
-        <p:nvPicPr>
-          <p:cNvPr id="2" name="Picture 2" descr="http://codeguida.com/media/post_title/29611.png"/>
-          <p:cNvPicPr>
-            <a:picLocks noChangeAspect="1" noChangeArrowheads="1"/>
-          </p:cNvPicPr>
-          <p:nvPr/>
-        </p:nvPicPr>
-        <p:blipFill>
-          <a:blip r:embed="rId3">
-            <a:extLst>
-              <a:ext uri="{28A0092B-C50C-407E-A947-70E740481C1C}">
-                <a14:useLocalDpi xmlns:a14="http://schemas.microsoft.com/office/drawing/2010/main" val="0"/>
-              </a:ext>
-            </a:extLst>
-          </a:blip>
-          <a:srcRect/>
-          <a:stretch>
-            <a:fillRect/>
-          </a:stretch>
-        </p:blipFill>
-        <p:spPr bwMode="auto">
-          <a:xfrm>
-            <a:off x="3829274" y="1623942"/>
-            <a:ext cx="845336" cy="845336"/>
-          </a:xfrm>
-          <a:prstGeom prst="rect">
-            <a:avLst/>
-          </a:prstGeom>
-          <a:solidFill>
-            <a:schemeClr val="bg1"/>
-          </a:solidFill>
-        </p:spPr>
-      </p:pic>
-      <p:pic>
-        <p:nvPicPr>
-          <p:cNvPr id="23" name="Picture 2" descr="http://codeguida.com/media/post_title/29611.png"/>
-          <p:cNvPicPr>
-            <a:picLocks noChangeAspect="1" noChangeArrowheads="1"/>
-          </p:cNvPicPr>
-          <p:nvPr/>
-        </p:nvPicPr>
-        <p:blipFill>
-          <a:blip r:embed="rId3">
-            <a:extLst>
-              <a:ext uri="{28A0092B-C50C-407E-A947-70E740481C1C}">
-                <a14:useLocalDpi xmlns:a14="http://schemas.microsoft.com/office/drawing/2010/main" val="0"/>
-              </a:ext>
-            </a:extLst>
-          </a:blip>
-          <a:srcRect/>
-          <a:stretch>
-            <a:fillRect/>
-          </a:stretch>
-        </p:blipFill>
-        <p:spPr bwMode="auto">
-          <a:xfrm>
-            <a:off x="3867475" y="3856016"/>
-            <a:ext cx="845336" cy="845336"/>
-          </a:xfrm>
-          <a:prstGeom prst="rect">
-            <a:avLst/>
-          </a:prstGeom>
-          <a:solidFill>
-            <a:schemeClr val="bg1"/>
-          </a:solidFill>
-        </p:spPr>
-      </p:pic>
     </p:spTree>
     <p:extLst>
       <p:ext uri="{BB962C8B-B14F-4D97-AF65-F5344CB8AC3E}">
@@ -7227,6 +7366,233 @@
     <p:extLst>
       <p:ext uri="{BB962C8B-B14F-4D97-AF65-F5344CB8AC3E}">
         <p14:creationId xmlns:p14="http://schemas.microsoft.com/office/powerpoint/2010/main" val="356057071"/>
+      </p:ext>
+    </p:extLst>
+  </p:cSld>
+  <p:clrMapOvr>
+    <a:masterClrMapping/>
+  </p:clrMapOvr>
+</p:sld>
+</file>
+
+<file path=ppt/slides/slide5.xml><?xml version="1.0" encoding="utf-8"?>
+<p:sld xmlns:a="http://schemas.openxmlformats.org/drawingml/2006/main" xmlns:r="http://schemas.openxmlformats.org/officeDocument/2006/relationships" xmlns:p="http://schemas.openxmlformats.org/presentationml/2006/main">
+  <p:cSld>
+    <p:spTree>
+      <p:nvGrpSpPr>
+        <p:cNvPr id="1" name=""/>
+        <p:cNvGrpSpPr/>
+        <p:nvPr/>
+      </p:nvGrpSpPr>
+      <p:grpSpPr>
+        <a:xfrm>
+          <a:off x="0" y="0"/>
+          <a:ext cx="0" cy="0"/>
+          <a:chOff x="0" y="0"/>
+          <a:chExt cx="0" cy="0"/>
+        </a:xfrm>
+      </p:grpSpPr>
+      <p:sp>
+        <p:nvSpPr>
+          <p:cNvPr id="2" name="Rectangle 1"/>
+          <p:cNvSpPr/>
+          <p:nvPr/>
+        </p:nvSpPr>
+        <p:spPr>
+          <a:xfrm>
+            <a:off x="1476462" y="2852257"/>
+            <a:ext cx="2869035" cy="1627464"/>
+          </a:xfrm>
+          <a:prstGeom prst="rect">
+            <a:avLst/>
+          </a:prstGeom>
+        </p:spPr>
+        <p:style>
+          <a:lnRef idx="2">
+            <a:schemeClr val="accent1">
+              <a:shade val="50000"/>
+            </a:schemeClr>
+          </a:lnRef>
+          <a:fillRef idx="1">
+            <a:schemeClr val="accent1"/>
+          </a:fillRef>
+          <a:effectRef idx="0">
+            <a:schemeClr val="accent1"/>
+          </a:effectRef>
+          <a:fontRef idx="minor">
+            <a:schemeClr val="lt1"/>
+          </a:fontRef>
+        </p:style>
+        <p:txBody>
+          <a:bodyPr rtlCol="0" anchor="ctr"/>
+          <a:lstStyle/>
+          <a:p>
+            <a:pPr algn="ctr"/>
+            <a:r>
+              <a:rPr lang="en-GB" dirty="0"/>
+              <a:t>Uniform Resource Name</a:t>
+            </a:r>
+          </a:p>
+        </p:txBody>
+      </p:sp>
+      <p:sp>
+        <p:nvSpPr>
+          <p:cNvPr id="3" name="Rectangle 2"/>
+          <p:cNvSpPr/>
+          <p:nvPr/>
+        </p:nvSpPr>
+        <p:spPr>
+          <a:xfrm>
+            <a:off x="5361963" y="2852257"/>
+            <a:ext cx="2869035" cy="1627464"/>
+          </a:xfrm>
+          <a:prstGeom prst="rect">
+            <a:avLst/>
+          </a:prstGeom>
+        </p:spPr>
+        <p:style>
+          <a:lnRef idx="2">
+            <a:schemeClr val="accent1">
+              <a:shade val="50000"/>
+            </a:schemeClr>
+          </a:lnRef>
+          <a:fillRef idx="1">
+            <a:schemeClr val="accent1"/>
+          </a:fillRef>
+          <a:effectRef idx="0">
+            <a:schemeClr val="accent1"/>
+          </a:effectRef>
+          <a:fontRef idx="minor">
+            <a:schemeClr val="lt1"/>
+          </a:fontRef>
+        </p:style>
+        <p:txBody>
+          <a:bodyPr rtlCol="0" anchor="ctr"/>
+          <a:lstStyle/>
+          <a:p>
+            <a:pPr algn="ctr"/>
+            <a:r>
+              <a:rPr lang="en-GB" dirty="0"/>
+              <a:t>Uniform Resource Locator</a:t>
+            </a:r>
+          </a:p>
+        </p:txBody>
+      </p:sp>
+      <p:sp>
+        <p:nvSpPr>
+          <p:cNvPr id="5" name="Rectangle 4"/>
+          <p:cNvSpPr/>
+          <p:nvPr/>
+        </p:nvSpPr>
+        <p:spPr>
+          <a:xfrm>
+            <a:off x="3449273" y="194345"/>
+            <a:ext cx="2869035" cy="1627464"/>
+          </a:xfrm>
+          <a:prstGeom prst="rect">
+            <a:avLst/>
+          </a:prstGeom>
+        </p:spPr>
+        <p:style>
+          <a:lnRef idx="2">
+            <a:schemeClr val="accent1">
+              <a:shade val="50000"/>
+            </a:schemeClr>
+          </a:lnRef>
+          <a:fillRef idx="1">
+            <a:schemeClr val="accent1"/>
+          </a:fillRef>
+          <a:effectRef idx="0">
+            <a:schemeClr val="accent1"/>
+          </a:effectRef>
+          <a:fontRef idx="minor">
+            <a:schemeClr val="lt1"/>
+          </a:fontRef>
+        </p:style>
+        <p:txBody>
+          <a:bodyPr rtlCol="0" anchor="ctr"/>
+          <a:lstStyle/>
+          <a:p>
+            <a:pPr algn="ctr"/>
+            <a:r>
+              <a:rPr lang="en-GB" dirty="0"/>
+              <a:t>Uniform Resource Identifier</a:t>
+            </a:r>
+          </a:p>
+        </p:txBody>
+      </p:sp>
+      <p:cxnSp>
+        <p:nvCxnSpPr>
+          <p:cNvPr id="7" name="Elbow Connector 6"/>
+          <p:cNvCxnSpPr>
+            <a:stCxn id="5" idx="2"/>
+            <a:endCxn id="2" idx="0"/>
+          </p:cNvCxnSpPr>
+          <p:nvPr/>
+        </p:nvCxnSpPr>
+        <p:spPr>
+          <a:xfrm rot="5400000">
+            <a:off x="3382162" y="1350628"/>
+            <a:ext cx="1030448" cy="1972811"/>
+          </a:xfrm>
+          <a:prstGeom prst="bentConnector3">
+            <a:avLst/>
+          </a:prstGeom>
+        </p:spPr>
+        <p:style>
+          <a:lnRef idx="1">
+            <a:schemeClr val="accent1"/>
+          </a:lnRef>
+          <a:fillRef idx="0">
+            <a:schemeClr val="accent1"/>
+          </a:fillRef>
+          <a:effectRef idx="0">
+            <a:schemeClr val="accent1"/>
+          </a:effectRef>
+          <a:fontRef idx="minor">
+            <a:schemeClr val="tx1"/>
+          </a:fontRef>
+        </p:style>
+      </p:cxnSp>
+      <p:cxnSp>
+        <p:nvCxnSpPr>
+          <p:cNvPr id="8" name="Elbow Connector 7"/>
+          <p:cNvCxnSpPr>
+            <a:stCxn id="5" idx="2"/>
+            <a:endCxn id="3" idx="0"/>
+          </p:cNvCxnSpPr>
+          <p:nvPr/>
+        </p:nvCxnSpPr>
+        <p:spPr>
+          <a:xfrm rot="16200000" flipH="1">
+            <a:off x="5324912" y="1380688"/>
+            <a:ext cx="1030448" cy="1912690"/>
+          </a:xfrm>
+          <a:prstGeom prst="bentConnector3">
+            <a:avLst>
+              <a:gd name="adj1" fmla="val 50000"/>
+            </a:avLst>
+          </a:prstGeom>
+        </p:spPr>
+        <p:style>
+          <a:lnRef idx="1">
+            <a:schemeClr val="accent1"/>
+          </a:lnRef>
+          <a:fillRef idx="0">
+            <a:schemeClr val="accent1"/>
+          </a:fillRef>
+          <a:effectRef idx="0">
+            <a:schemeClr val="accent1"/>
+          </a:effectRef>
+          <a:fontRef idx="minor">
+            <a:schemeClr val="tx1"/>
+          </a:fontRef>
+        </p:style>
+      </p:cxnSp>
+    </p:spTree>
+    <p:extLst>
+      <p:ext uri="{BB962C8B-B14F-4D97-AF65-F5344CB8AC3E}">
+        <p14:creationId xmlns:p14="http://schemas.microsoft.com/office/powerpoint/2010/main" val="1847985915"/>
       </p:ext>
     </p:extLst>
   </p:cSld>

--- a/Reports/UML/diagram.pptx
+++ b/Reports/UML/diagram.pptx
@@ -10,6 +10,7 @@
     <p:sldId id="259" r:id="rId4"/>
     <p:sldId id="258" r:id="rId5"/>
     <p:sldId id="260" r:id="rId6"/>
+    <p:sldId id="261" r:id="rId7"/>
   </p:sldIdLst>
   <p:sldSz cx="12192000" cy="6858000"/>
   <p:notesSz cx="6858000" cy="9144000"/>
@@ -259,7 +260,7 @@
           <a:p>
             <a:fld id="{37D254DE-7F3D-4BFF-BC2F-8BA99F5ABEC1}" type="datetimeFigureOut">
               <a:rPr lang="en-GB" smtClean="0"/>
-              <a:t>04/05/2016</a:t>
+              <a:t>07/05/2016</a:t>
             </a:fld>
             <a:endParaRPr lang="en-GB"/>
           </a:p>
@@ -429,7 +430,7 @@
           <a:p>
             <a:fld id="{37D254DE-7F3D-4BFF-BC2F-8BA99F5ABEC1}" type="datetimeFigureOut">
               <a:rPr lang="en-GB" smtClean="0"/>
-              <a:t>04/05/2016</a:t>
+              <a:t>07/05/2016</a:t>
             </a:fld>
             <a:endParaRPr lang="en-GB"/>
           </a:p>
@@ -609,7 +610,7 @@
           <a:p>
             <a:fld id="{37D254DE-7F3D-4BFF-BC2F-8BA99F5ABEC1}" type="datetimeFigureOut">
               <a:rPr lang="en-GB" smtClean="0"/>
-              <a:t>04/05/2016</a:t>
+              <a:t>07/05/2016</a:t>
             </a:fld>
             <a:endParaRPr lang="en-GB"/>
           </a:p>
@@ -779,7 +780,7 @@
           <a:p>
             <a:fld id="{37D254DE-7F3D-4BFF-BC2F-8BA99F5ABEC1}" type="datetimeFigureOut">
               <a:rPr lang="en-GB" smtClean="0"/>
-              <a:t>04/05/2016</a:t>
+              <a:t>07/05/2016</a:t>
             </a:fld>
             <a:endParaRPr lang="en-GB"/>
           </a:p>
@@ -1025,7 +1026,7 @@
           <a:p>
             <a:fld id="{37D254DE-7F3D-4BFF-BC2F-8BA99F5ABEC1}" type="datetimeFigureOut">
               <a:rPr lang="en-GB" smtClean="0"/>
-              <a:t>04/05/2016</a:t>
+              <a:t>07/05/2016</a:t>
             </a:fld>
             <a:endParaRPr lang="en-GB"/>
           </a:p>
@@ -1257,7 +1258,7 @@
           <a:p>
             <a:fld id="{37D254DE-7F3D-4BFF-BC2F-8BA99F5ABEC1}" type="datetimeFigureOut">
               <a:rPr lang="en-GB" smtClean="0"/>
-              <a:t>04/05/2016</a:t>
+              <a:t>07/05/2016</a:t>
             </a:fld>
             <a:endParaRPr lang="en-GB"/>
           </a:p>
@@ -1624,7 +1625,7 @@
           <a:p>
             <a:fld id="{37D254DE-7F3D-4BFF-BC2F-8BA99F5ABEC1}" type="datetimeFigureOut">
               <a:rPr lang="en-GB" smtClean="0"/>
-              <a:t>04/05/2016</a:t>
+              <a:t>07/05/2016</a:t>
             </a:fld>
             <a:endParaRPr lang="en-GB"/>
           </a:p>
@@ -1742,7 +1743,7 @@
           <a:p>
             <a:fld id="{37D254DE-7F3D-4BFF-BC2F-8BA99F5ABEC1}" type="datetimeFigureOut">
               <a:rPr lang="en-GB" smtClean="0"/>
-              <a:t>04/05/2016</a:t>
+              <a:t>07/05/2016</a:t>
             </a:fld>
             <a:endParaRPr lang="en-GB"/>
           </a:p>
@@ -1837,7 +1838,7 @@
           <a:p>
             <a:fld id="{37D254DE-7F3D-4BFF-BC2F-8BA99F5ABEC1}" type="datetimeFigureOut">
               <a:rPr lang="en-GB" smtClean="0"/>
-              <a:t>04/05/2016</a:t>
+              <a:t>07/05/2016</a:t>
             </a:fld>
             <a:endParaRPr lang="en-GB"/>
           </a:p>
@@ -2114,7 +2115,7 @@
           <a:p>
             <a:fld id="{37D254DE-7F3D-4BFF-BC2F-8BA99F5ABEC1}" type="datetimeFigureOut">
               <a:rPr lang="en-GB" smtClean="0"/>
-              <a:t>04/05/2016</a:t>
+              <a:t>07/05/2016</a:t>
             </a:fld>
             <a:endParaRPr lang="en-GB"/>
           </a:p>
@@ -2367,7 +2368,7 @@
           <a:p>
             <a:fld id="{37D254DE-7F3D-4BFF-BC2F-8BA99F5ABEC1}" type="datetimeFigureOut">
               <a:rPr lang="en-GB" smtClean="0"/>
-              <a:t>04/05/2016</a:t>
+              <a:t>07/05/2016</a:t>
             </a:fld>
             <a:endParaRPr lang="en-GB"/>
           </a:p>
@@ -2580,7 +2581,7 @@
           <a:p>
             <a:fld id="{37D254DE-7F3D-4BFF-BC2F-8BA99F5ABEC1}" type="datetimeFigureOut">
               <a:rPr lang="en-GB" smtClean="0"/>
-              <a:t>04/05/2016</a:t>
+              <a:t>07/05/2016</a:t>
             </a:fld>
             <a:endParaRPr lang="en-GB"/>
           </a:p>
@@ -7433,6 +7434,13 @@
               <a:t>Uniform Resource Name</a:t>
             </a:r>
           </a:p>
+          <a:p>
+            <a:pPr algn="ctr"/>
+            <a:r>
+              <a:rPr lang="en-GB" dirty="0"/>
+              <a:t>(URN)</a:t>
+            </a:r>
+          </a:p>
         </p:txBody>
       </p:sp>
       <p:sp>
@@ -7476,6 +7484,13 @@
               <a:t>Uniform Resource Locator</a:t>
             </a:r>
           </a:p>
+          <a:p>
+            <a:pPr algn="ctr"/>
+            <a:r>
+              <a:rPr lang="en-GB" dirty="0"/>
+              <a:t>(URL)</a:t>
+            </a:r>
+          </a:p>
         </p:txBody>
       </p:sp>
       <p:sp>
@@ -7517,6 +7532,13 @@
             <a:r>
               <a:rPr lang="en-GB" dirty="0"/>
               <a:t>Uniform Resource Identifier</a:t>
+            </a:r>
+          </a:p>
+          <a:p>
+            <a:pPr algn="ctr"/>
+            <a:r>
+              <a:rPr lang="en-GB" dirty="0"/>
+              <a:t>(URI)</a:t>
             </a:r>
           </a:p>
         </p:txBody>
@@ -7593,6 +7615,363 @@
     <p:extLst>
       <p:ext uri="{BB962C8B-B14F-4D97-AF65-F5344CB8AC3E}">
         <p14:creationId xmlns:p14="http://schemas.microsoft.com/office/powerpoint/2010/main" val="1847985915"/>
+      </p:ext>
+    </p:extLst>
+  </p:cSld>
+  <p:clrMapOvr>
+    <a:masterClrMapping/>
+  </p:clrMapOvr>
+</p:sld>
+</file>
+
+<file path=ppt/slides/slide6.xml><?xml version="1.0" encoding="utf-8"?>
+<p:sld xmlns:a="http://schemas.openxmlformats.org/drawingml/2006/main" xmlns:r="http://schemas.openxmlformats.org/officeDocument/2006/relationships" xmlns:p="http://schemas.openxmlformats.org/presentationml/2006/main">
+  <p:cSld>
+    <p:spTree>
+      <p:nvGrpSpPr>
+        <p:cNvPr id="1" name=""/>
+        <p:cNvGrpSpPr/>
+        <p:nvPr/>
+      </p:nvGrpSpPr>
+      <p:grpSpPr>
+        <a:xfrm>
+          <a:off x="0" y="0"/>
+          <a:ext cx="0" cy="0"/>
+          <a:chOff x="0" y="0"/>
+          <a:chExt cx="0" cy="0"/>
+        </a:xfrm>
+      </p:grpSpPr>
+      <p:graphicFrame>
+        <p:nvGraphicFramePr>
+          <p:cNvPr id="2" name="Table 1"/>
+          <p:cNvGraphicFramePr>
+            <a:graphicFrameLocks noGrp="1"/>
+          </p:cNvGraphicFramePr>
+          <p:nvPr>
+            <p:extLst>
+              <p:ext uri="{D42A27DB-BD31-4B8C-83A1-F6EECF244321}">
+                <p14:modId xmlns:p14="http://schemas.microsoft.com/office/powerpoint/2010/main" val="3093999542"/>
+              </p:ext>
+            </p:extLst>
+          </p:nvPr>
+        </p:nvGraphicFramePr>
+        <p:xfrm>
+          <a:off x="2032000" y="719666"/>
+          <a:ext cx="6180822" cy="1112520"/>
+        </p:xfrm>
+        <a:graphic>
+          <a:graphicData uri="http://schemas.openxmlformats.org/drawingml/2006/table">
+            <a:tbl>
+              <a:tblPr firstRow="1" bandRow="1">
+                <a:tableStyleId>{F2DE63D5-997A-4646-A377-4702673A728D}</a:tableStyleId>
+              </a:tblPr>
+              <a:tblGrid>
+                <a:gridCol w="937703">
+                  <a:extLst>
+                    <a:ext uri="{9D8B030D-6E8A-4147-A177-3AD203B41FA5}">
+                      <a16:colId xmlns:a16="http://schemas.microsoft.com/office/drawing/2014/main" val="2153935519"/>
+                    </a:ext>
+                  </a:extLst>
+                </a:gridCol>
+                <a:gridCol w="1560352">
+                  <a:extLst>
+                    <a:ext uri="{9D8B030D-6E8A-4147-A177-3AD203B41FA5}">
+                      <a16:colId xmlns:a16="http://schemas.microsoft.com/office/drawing/2014/main" val="2657089711"/>
+                    </a:ext>
+                  </a:extLst>
+                </a:gridCol>
+                <a:gridCol w="3682767">
+                  <a:extLst>
+                    <a:ext uri="{9D8B030D-6E8A-4147-A177-3AD203B41FA5}">
+                      <a16:colId xmlns:a16="http://schemas.microsoft.com/office/drawing/2014/main" val="1957334710"/>
+                    </a:ext>
+                  </a:extLst>
+                </a:gridCol>
+              </a:tblGrid>
+              <a:tr h="370840">
+                <a:tc>
+                  <a:txBody>
+                    <a:bodyPr/>
+                    <a:lstStyle/>
+                    <a:p>
+                      <a:r>
+                        <a:rPr lang="en-GB" dirty="0">
+                          <a:latin typeface="+mj-lt"/>
+                        </a:rPr>
+                        <a:t>Subject</a:t>
+                      </a:r>
+                    </a:p>
+                  </a:txBody>
+                  <a:tcPr/>
+                </a:tc>
+                <a:tc>
+                  <a:txBody>
+                    <a:bodyPr/>
+                    <a:lstStyle/>
+                    <a:p>
+                      <a:r>
+                        <a:rPr lang="en-GB" dirty="0">
+                          <a:latin typeface="+mj-lt"/>
+                        </a:rPr>
+                        <a:t>Predicate</a:t>
+                      </a:r>
+                    </a:p>
+                  </a:txBody>
+                  <a:tcPr/>
+                </a:tc>
+                <a:tc>
+                  <a:txBody>
+                    <a:bodyPr/>
+                    <a:lstStyle/>
+                    <a:p>
+                      <a:r>
+                        <a:rPr lang="en-GB" dirty="0">
+                          <a:latin typeface="+mj-lt"/>
+                        </a:rPr>
+                        <a:t>Object</a:t>
+                      </a:r>
+                    </a:p>
+                  </a:txBody>
+                  <a:tcPr/>
+                </a:tc>
+                <a:extLst>
+                  <a:ext uri="{0D108BD9-81ED-4DB2-BD59-A6C34878D82A}">
+                    <a16:rowId xmlns:a16="http://schemas.microsoft.com/office/drawing/2014/main" val="2353136710"/>
+                  </a:ext>
+                </a:extLst>
+              </a:tr>
+              <a:tr h="370840">
+                <a:tc>
+                  <a:txBody>
+                    <a:bodyPr/>
+                    <a:lstStyle/>
+                    <a:p>
+                      <a:r>
+                        <a:rPr lang="en-GB" dirty="0">
+                          <a:latin typeface="+mj-lt"/>
+                        </a:rPr>
+                        <a:t>Delft</a:t>
+                      </a:r>
+                    </a:p>
+                  </a:txBody>
+                  <a:tcPr/>
+                </a:tc>
+                <a:tc>
+                  <a:txBody>
+                    <a:bodyPr/>
+                    <a:lstStyle/>
+                    <a:p>
+                      <a:r>
+                        <a:rPr lang="en-GB" dirty="0">
+                          <a:latin typeface="+mj-lt"/>
+                        </a:rPr>
+                        <a:t>Is a </a:t>
+                      </a:r>
+                    </a:p>
+                  </a:txBody>
+                  <a:tcPr/>
+                </a:tc>
+                <a:tc>
+                  <a:txBody>
+                    <a:bodyPr/>
+                    <a:lstStyle/>
+                    <a:p>
+                      <a:r>
+                        <a:rPr lang="en-GB" dirty="0">
+                          <a:latin typeface="+mj-lt"/>
+                        </a:rPr>
+                        <a:t>Municipality</a:t>
+                      </a:r>
+                    </a:p>
+                  </a:txBody>
+                  <a:tcPr/>
+                </a:tc>
+                <a:extLst>
+                  <a:ext uri="{0D108BD9-81ED-4DB2-BD59-A6C34878D82A}">
+                    <a16:rowId xmlns:a16="http://schemas.microsoft.com/office/drawing/2014/main" val="3479445715"/>
+                  </a:ext>
+                </a:extLst>
+              </a:tr>
+              <a:tr h="370840">
+                <a:tc>
+                  <a:txBody>
+                    <a:bodyPr/>
+                    <a:lstStyle/>
+                    <a:p>
+                      <a:r>
+                        <a:rPr lang="en-GB" dirty="0">
+                          <a:latin typeface="+mj-lt"/>
+                        </a:rPr>
+                        <a:t>Delft</a:t>
+                      </a:r>
+                    </a:p>
+                  </a:txBody>
+                  <a:tcPr/>
+                </a:tc>
+                <a:tc>
+                  <a:txBody>
+                    <a:bodyPr/>
+                    <a:lstStyle/>
+                    <a:p>
+                      <a:r>
+                        <a:rPr lang="en-GB" dirty="0">
+                          <a:latin typeface="+mj-lt"/>
+                        </a:rPr>
+                        <a:t>Has geometry</a:t>
+                      </a:r>
+                    </a:p>
+                  </a:txBody>
+                  <a:tcPr/>
+                </a:tc>
+                <a:tc>
+                  <a:txBody>
+                    <a:bodyPr/>
+                    <a:lstStyle/>
+                    <a:p>
+                      <a:r>
+                        <a:rPr lang="en-GB" dirty="0">
+                          <a:latin typeface="+mj-lt"/>
+                        </a:rPr>
+                        <a:t>POLYGON((X</a:t>
+                      </a:r>
+                      <a:r>
+                        <a:rPr lang="en-GB" baseline="-25000" dirty="0">
+                          <a:latin typeface="+mj-lt"/>
+                        </a:rPr>
+                        <a:t>1</a:t>
+                      </a:r>
+                      <a:r>
+                        <a:rPr lang="en-GB" baseline="0" dirty="0">
+                          <a:latin typeface="+mj-lt"/>
+                        </a:rPr>
+                        <a:t> Y</a:t>
+                      </a:r>
+                      <a:r>
+                        <a:rPr lang="en-GB" baseline="-25000" dirty="0">
+                          <a:latin typeface="+mj-lt"/>
+                        </a:rPr>
+                        <a:t>1</a:t>
+                      </a:r>
+                      <a:r>
+                        <a:rPr lang="en-GB" baseline="0" dirty="0">
+                          <a:latin typeface="+mj-lt"/>
+                        </a:rPr>
+                        <a:t>, </a:t>
+                      </a:r>
+                      <a:r>
+                        <a:rPr lang="en-GB" dirty="0">
+                          <a:latin typeface="+mj-lt"/>
+                        </a:rPr>
+                        <a:t>X</a:t>
+                      </a:r>
+                      <a:r>
+                        <a:rPr lang="en-GB" baseline="-25000" dirty="0">
+                          <a:latin typeface="+mj-lt"/>
+                        </a:rPr>
+                        <a:t>2</a:t>
+                      </a:r>
+                      <a:r>
+                        <a:rPr lang="en-GB" baseline="0" dirty="0">
+                          <a:latin typeface="+mj-lt"/>
+                        </a:rPr>
+                        <a:t> Y</a:t>
+                      </a:r>
+                      <a:r>
+                        <a:rPr lang="en-GB" baseline="-25000" dirty="0">
+                          <a:latin typeface="+mj-lt"/>
+                        </a:rPr>
+                        <a:t>2</a:t>
+                      </a:r>
+                      <a:r>
+                        <a:rPr lang="en-GB" baseline="0" dirty="0">
+                          <a:latin typeface="+mj-lt"/>
+                        </a:rPr>
+                        <a:t>, … </a:t>
+                      </a:r>
+                      <a:r>
+                        <a:rPr lang="en-GB" dirty="0" err="1">
+                          <a:latin typeface="+mj-lt"/>
+                        </a:rPr>
+                        <a:t>X</a:t>
+                      </a:r>
+                      <a:r>
+                        <a:rPr lang="en-GB" baseline="-25000" dirty="0" err="1">
+                          <a:latin typeface="+mj-lt"/>
+                        </a:rPr>
+                        <a:t>n</a:t>
+                      </a:r>
+                      <a:r>
+                        <a:rPr lang="en-GB" baseline="0" dirty="0">
+                          <a:latin typeface="+mj-lt"/>
+                        </a:rPr>
+                        <a:t> </a:t>
+                      </a:r>
+                      <a:r>
+                        <a:rPr lang="en-GB" baseline="0" dirty="0" err="1">
+                          <a:latin typeface="+mj-lt"/>
+                        </a:rPr>
+                        <a:t>Y</a:t>
+                      </a:r>
+                      <a:r>
+                        <a:rPr lang="en-GB" baseline="-25000" dirty="0" err="1">
+                          <a:latin typeface="+mj-lt"/>
+                        </a:rPr>
+                        <a:t>n</a:t>
+                      </a:r>
+                      <a:r>
+                        <a:rPr lang="en-GB" baseline="0" dirty="0">
+                          <a:latin typeface="+mj-lt"/>
+                        </a:rPr>
+                        <a:t>, </a:t>
+                      </a:r>
+                      <a:r>
+                        <a:rPr lang="en-GB" dirty="0">
+                          <a:latin typeface="+mj-lt"/>
+                        </a:rPr>
+                        <a:t>X</a:t>
+                      </a:r>
+                      <a:r>
+                        <a:rPr lang="en-GB" baseline="-25000" dirty="0">
+                          <a:latin typeface="+mj-lt"/>
+                        </a:rPr>
+                        <a:t>1</a:t>
+                      </a:r>
+                      <a:r>
+                        <a:rPr lang="en-GB" baseline="0" dirty="0">
+                          <a:latin typeface="+mj-lt"/>
+                        </a:rPr>
+                        <a:t> Y</a:t>
+                      </a:r>
+                      <a:r>
+                        <a:rPr lang="en-GB" baseline="-25000" dirty="0">
+                          <a:latin typeface="+mj-lt"/>
+                        </a:rPr>
+                        <a:t>1</a:t>
+                      </a:r>
+                      <a:r>
+                        <a:rPr lang="en-GB" dirty="0">
+                          <a:latin typeface="+mj-lt"/>
+                        </a:rPr>
+                        <a:t>))</a:t>
+                      </a:r>
+                    </a:p>
+                  </a:txBody>
+                  <a:tcPr/>
+                </a:tc>
+                <a:extLst>
+                  <a:ext uri="{0D108BD9-81ED-4DB2-BD59-A6C34878D82A}">
+                    <a16:rowId xmlns:a16="http://schemas.microsoft.com/office/drawing/2014/main" val="2108593395"/>
+                  </a:ext>
+                </a:extLst>
+              </a:tr>
+            </a:tbl>
+          </a:graphicData>
+        </a:graphic>
+      </p:graphicFrame>
+    </p:spTree>
+    <p:extLst>
+      <p:ext uri="{BB962C8B-B14F-4D97-AF65-F5344CB8AC3E}">
+        <p14:creationId xmlns:p14="http://schemas.microsoft.com/office/powerpoint/2010/main" val="1792160687"/>
       </p:ext>
     </p:extLst>
   </p:cSld>

--- a/Reports/UML/diagram.pptx
+++ b/Reports/UML/diagram.pptx
@@ -11,6 +11,7 @@
     <p:sldId id="258" r:id="rId5"/>
     <p:sldId id="260" r:id="rId6"/>
     <p:sldId id="261" r:id="rId7"/>
+    <p:sldId id="262" r:id="rId8"/>
   </p:sldIdLst>
   <p:sldSz cx="12192000" cy="6858000"/>
   <p:notesSz cx="6858000" cy="9144000"/>
@@ -260,7 +261,7 @@
           <a:p>
             <a:fld id="{37D254DE-7F3D-4BFF-BC2F-8BA99F5ABEC1}" type="datetimeFigureOut">
               <a:rPr lang="en-GB" smtClean="0"/>
-              <a:t>07/05/2016</a:t>
+              <a:t>11/05/2016</a:t>
             </a:fld>
             <a:endParaRPr lang="en-GB"/>
           </a:p>
@@ -430,7 +431,7 @@
           <a:p>
             <a:fld id="{37D254DE-7F3D-4BFF-BC2F-8BA99F5ABEC1}" type="datetimeFigureOut">
               <a:rPr lang="en-GB" smtClean="0"/>
-              <a:t>07/05/2016</a:t>
+              <a:t>11/05/2016</a:t>
             </a:fld>
             <a:endParaRPr lang="en-GB"/>
           </a:p>
@@ -610,7 +611,7 @@
           <a:p>
             <a:fld id="{37D254DE-7F3D-4BFF-BC2F-8BA99F5ABEC1}" type="datetimeFigureOut">
               <a:rPr lang="en-GB" smtClean="0"/>
-              <a:t>07/05/2016</a:t>
+              <a:t>11/05/2016</a:t>
             </a:fld>
             <a:endParaRPr lang="en-GB"/>
           </a:p>
@@ -780,7 +781,7 @@
           <a:p>
             <a:fld id="{37D254DE-7F3D-4BFF-BC2F-8BA99F5ABEC1}" type="datetimeFigureOut">
               <a:rPr lang="en-GB" smtClean="0"/>
-              <a:t>07/05/2016</a:t>
+              <a:t>11/05/2016</a:t>
             </a:fld>
             <a:endParaRPr lang="en-GB"/>
           </a:p>
@@ -1026,7 +1027,7 @@
           <a:p>
             <a:fld id="{37D254DE-7F3D-4BFF-BC2F-8BA99F5ABEC1}" type="datetimeFigureOut">
               <a:rPr lang="en-GB" smtClean="0"/>
-              <a:t>07/05/2016</a:t>
+              <a:t>11/05/2016</a:t>
             </a:fld>
             <a:endParaRPr lang="en-GB"/>
           </a:p>
@@ -1258,7 +1259,7 @@
           <a:p>
             <a:fld id="{37D254DE-7F3D-4BFF-BC2F-8BA99F5ABEC1}" type="datetimeFigureOut">
               <a:rPr lang="en-GB" smtClean="0"/>
-              <a:t>07/05/2016</a:t>
+              <a:t>11/05/2016</a:t>
             </a:fld>
             <a:endParaRPr lang="en-GB"/>
           </a:p>
@@ -1625,7 +1626,7 @@
           <a:p>
             <a:fld id="{37D254DE-7F3D-4BFF-BC2F-8BA99F5ABEC1}" type="datetimeFigureOut">
               <a:rPr lang="en-GB" smtClean="0"/>
-              <a:t>07/05/2016</a:t>
+              <a:t>11/05/2016</a:t>
             </a:fld>
             <a:endParaRPr lang="en-GB"/>
           </a:p>
@@ -1743,7 +1744,7 @@
           <a:p>
             <a:fld id="{37D254DE-7F3D-4BFF-BC2F-8BA99F5ABEC1}" type="datetimeFigureOut">
               <a:rPr lang="en-GB" smtClean="0"/>
-              <a:t>07/05/2016</a:t>
+              <a:t>11/05/2016</a:t>
             </a:fld>
             <a:endParaRPr lang="en-GB"/>
           </a:p>
@@ -1838,7 +1839,7 @@
           <a:p>
             <a:fld id="{37D254DE-7F3D-4BFF-BC2F-8BA99F5ABEC1}" type="datetimeFigureOut">
               <a:rPr lang="en-GB" smtClean="0"/>
-              <a:t>07/05/2016</a:t>
+              <a:t>11/05/2016</a:t>
             </a:fld>
             <a:endParaRPr lang="en-GB"/>
           </a:p>
@@ -2115,7 +2116,7 @@
           <a:p>
             <a:fld id="{37D254DE-7F3D-4BFF-BC2F-8BA99F5ABEC1}" type="datetimeFigureOut">
               <a:rPr lang="en-GB" smtClean="0"/>
-              <a:t>07/05/2016</a:t>
+              <a:t>11/05/2016</a:t>
             </a:fld>
             <a:endParaRPr lang="en-GB"/>
           </a:p>
@@ -2368,7 +2369,7 @@
           <a:p>
             <a:fld id="{37D254DE-7F3D-4BFF-BC2F-8BA99F5ABEC1}" type="datetimeFigureOut">
               <a:rPr lang="en-GB" smtClean="0"/>
-              <a:t>07/05/2016</a:t>
+              <a:t>11/05/2016</a:t>
             </a:fld>
             <a:endParaRPr lang="en-GB"/>
           </a:p>
@@ -2581,7 +2582,7 @@
           <a:p>
             <a:fld id="{37D254DE-7F3D-4BFF-BC2F-8BA99F5ABEC1}" type="datetimeFigureOut">
               <a:rPr lang="en-GB" smtClean="0"/>
-              <a:t>07/05/2016</a:t>
+              <a:t>11/05/2016</a:t>
             </a:fld>
             <a:endParaRPr lang="en-GB"/>
           </a:p>
@@ -7981,6 +7982,638 @@
 </p:sld>
 </file>
 
+<file path=ppt/slides/slide7.xml><?xml version="1.0" encoding="utf-8"?>
+<p:sld xmlns:a="http://schemas.openxmlformats.org/drawingml/2006/main" xmlns:r="http://schemas.openxmlformats.org/officeDocument/2006/relationships" xmlns:p="http://schemas.openxmlformats.org/presentationml/2006/main">
+  <p:cSld>
+    <p:spTree>
+      <p:nvGrpSpPr>
+        <p:cNvPr id="1" name=""/>
+        <p:cNvGrpSpPr/>
+        <p:nvPr/>
+      </p:nvGrpSpPr>
+      <p:grpSpPr>
+        <a:xfrm>
+          <a:off x="0" y="0"/>
+          <a:ext cx="0" cy="0"/>
+          <a:chOff x="0" y="0"/>
+          <a:chExt cx="0" cy="0"/>
+        </a:xfrm>
+      </p:grpSpPr>
+      <p:sp>
+        <p:nvSpPr>
+          <p:cNvPr id="2" name="Rectangle 1"/>
+          <p:cNvSpPr/>
+          <p:nvPr/>
+        </p:nvSpPr>
+        <p:spPr>
+          <a:xfrm>
+            <a:off x="2508207" y="726687"/>
+            <a:ext cx="1736521" cy="1090569"/>
+          </a:xfrm>
+          <a:prstGeom prst="rect">
+            <a:avLst/>
+          </a:prstGeom>
+        </p:spPr>
+        <p:style>
+          <a:lnRef idx="2">
+            <a:schemeClr val="accent1">
+              <a:shade val="50000"/>
+            </a:schemeClr>
+          </a:lnRef>
+          <a:fillRef idx="1">
+            <a:schemeClr val="accent1"/>
+          </a:fillRef>
+          <a:effectRef idx="0">
+            <a:schemeClr val="accent1"/>
+          </a:effectRef>
+          <a:fontRef idx="minor">
+            <a:schemeClr val="lt1"/>
+          </a:fontRef>
+        </p:style>
+        <p:txBody>
+          <a:bodyPr rtlCol="0" anchor="ctr"/>
+          <a:lstStyle/>
+          <a:p>
+            <a:pPr algn="ctr"/>
+            <a:r>
+              <a:rPr lang="en-GB" dirty="0"/>
+              <a:t>Catalog Service for the Web</a:t>
+            </a:r>
+          </a:p>
+        </p:txBody>
+      </p:sp>
+      <p:sp>
+        <p:nvSpPr>
+          <p:cNvPr id="3" name="Rectangle 2"/>
+          <p:cNvSpPr/>
+          <p:nvPr/>
+        </p:nvSpPr>
+        <p:spPr>
+          <a:xfrm>
+            <a:off x="5370252" y="726687"/>
+            <a:ext cx="1736521" cy="1090569"/>
+          </a:xfrm>
+          <a:prstGeom prst="rect">
+            <a:avLst/>
+          </a:prstGeom>
+        </p:spPr>
+        <p:style>
+          <a:lnRef idx="2">
+            <a:schemeClr val="accent1">
+              <a:shade val="50000"/>
+            </a:schemeClr>
+          </a:lnRef>
+          <a:fillRef idx="1">
+            <a:schemeClr val="accent1"/>
+          </a:fillRef>
+          <a:effectRef idx="0">
+            <a:schemeClr val="accent1"/>
+          </a:effectRef>
+          <a:fontRef idx="minor">
+            <a:schemeClr val="lt1"/>
+          </a:fontRef>
+        </p:style>
+        <p:txBody>
+          <a:bodyPr rtlCol="0" anchor="ctr"/>
+          <a:lstStyle/>
+          <a:p>
+            <a:pPr algn="ctr"/>
+            <a:r>
+              <a:rPr lang="en-GB" dirty="0"/>
+              <a:t>Semantic Knowledge Base</a:t>
+            </a:r>
+          </a:p>
+        </p:txBody>
+      </p:sp>
+      <p:sp>
+        <p:nvSpPr>
+          <p:cNvPr id="4" name="Flowchart: Magnetic Disk 3"/>
+          <p:cNvSpPr/>
+          <p:nvPr/>
+        </p:nvSpPr>
+        <p:spPr>
+          <a:xfrm>
+            <a:off x="2147681" y="3860851"/>
+            <a:ext cx="1484649" cy="1553196"/>
+          </a:xfrm>
+          <a:prstGeom prst="flowChartMagneticDisk">
+            <a:avLst/>
+          </a:prstGeom>
+        </p:spPr>
+        <p:style>
+          <a:lnRef idx="2">
+            <a:schemeClr val="accent3">
+              <a:shade val="50000"/>
+            </a:schemeClr>
+          </a:lnRef>
+          <a:fillRef idx="1">
+            <a:schemeClr val="accent3"/>
+          </a:fillRef>
+          <a:effectRef idx="0">
+            <a:schemeClr val="accent3"/>
+          </a:effectRef>
+          <a:fontRef idx="minor">
+            <a:schemeClr val="lt1"/>
+          </a:fontRef>
+        </p:style>
+        <p:txBody>
+          <a:bodyPr rtlCol="0" anchor="ctr"/>
+          <a:lstStyle/>
+          <a:p>
+            <a:pPr algn="ctr"/>
+            <a:r>
+              <a:rPr lang="en-GB" dirty="0"/>
+              <a:t>Sensor Observation</a:t>
+            </a:r>
+          </a:p>
+          <a:p>
+            <a:pPr algn="ctr"/>
+            <a:r>
+              <a:rPr lang="en-GB" dirty="0"/>
+              <a:t>Service</a:t>
+            </a:r>
+          </a:p>
+        </p:txBody>
+      </p:sp>
+      <p:sp>
+        <p:nvSpPr>
+          <p:cNvPr id="5" name="Flowchart: Magnetic Disk 4"/>
+          <p:cNvSpPr/>
+          <p:nvPr/>
+        </p:nvSpPr>
+        <p:spPr>
+          <a:xfrm>
+            <a:off x="4065965" y="3802128"/>
+            <a:ext cx="1484649" cy="1553196"/>
+          </a:xfrm>
+          <a:prstGeom prst="flowChartMagneticDisk">
+            <a:avLst/>
+          </a:prstGeom>
+        </p:spPr>
+        <p:style>
+          <a:lnRef idx="2">
+            <a:schemeClr val="accent3">
+              <a:shade val="50000"/>
+            </a:schemeClr>
+          </a:lnRef>
+          <a:fillRef idx="1">
+            <a:schemeClr val="accent3"/>
+          </a:fillRef>
+          <a:effectRef idx="0">
+            <a:schemeClr val="accent3"/>
+          </a:effectRef>
+          <a:fontRef idx="minor">
+            <a:schemeClr val="lt1"/>
+          </a:fontRef>
+        </p:style>
+        <p:txBody>
+          <a:bodyPr rtlCol="0" anchor="ctr"/>
+          <a:lstStyle/>
+          <a:p>
+            <a:pPr algn="ctr"/>
+            <a:r>
+              <a:rPr lang="en-GB" dirty="0"/>
+              <a:t>Sensor Observation Service</a:t>
+            </a:r>
+          </a:p>
+        </p:txBody>
+      </p:sp>
+      <p:sp>
+        <p:nvSpPr>
+          <p:cNvPr id="6" name="Flowchart: Magnetic Disk 5"/>
+          <p:cNvSpPr/>
+          <p:nvPr/>
+        </p:nvSpPr>
+        <p:spPr>
+          <a:xfrm>
+            <a:off x="5984249" y="3802128"/>
+            <a:ext cx="1484649" cy="1553196"/>
+          </a:xfrm>
+          <a:prstGeom prst="flowChartMagneticDisk">
+            <a:avLst/>
+          </a:prstGeom>
+        </p:spPr>
+        <p:style>
+          <a:lnRef idx="2">
+            <a:schemeClr val="accent3">
+              <a:shade val="50000"/>
+            </a:schemeClr>
+          </a:lnRef>
+          <a:fillRef idx="1">
+            <a:schemeClr val="accent3"/>
+          </a:fillRef>
+          <a:effectRef idx="0">
+            <a:schemeClr val="accent3"/>
+          </a:effectRef>
+          <a:fontRef idx="minor">
+            <a:schemeClr val="lt1"/>
+          </a:fontRef>
+        </p:style>
+        <p:txBody>
+          <a:bodyPr rtlCol="0" anchor="ctr"/>
+          <a:lstStyle/>
+          <a:p>
+            <a:pPr algn="ctr"/>
+            <a:r>
+              <a:rPr lang="en-GB" dirty="0"/>
+              <a:t>Sensor Observation</a:t>
+            </a:r>
+          </a:p>
+          <a:p>
+            <a:pPr algn="ctr"/>
+            <a:r>
+              <a:rPr lang="en-GB" dirty="0"/>
+              <a:t>Service</a:t>
+            </a:r>
+          </a:p>
+        </p:txBody>
+      </p:sp>
+      <p:sp>
+        <p:nvSpPr>
+          <p:cNvPr id="7" name="Rectangle 6"/>
+          <p:cNvSpPr/>
+          <p:nvPr/>
+        </p:nvSpPr>
+        <p:spPr>
+          <a:xfrm>
+            <a:off x="4065964" y="5414047"/>
+            <a:ext cx="1484649" cy="442215"/>
+          </a:xfrm>
+          <a:prstGeom prst="rect">
+            <a:avLst/>
+          </a:prstGeom>
+        </p:spPr>
+        <p:style>
+          <a:lnRef idx="2">
+            <a:schemeClr val="accent2">
+              <a:shade val="50000"/>
+            </a:schemeClr>
+          </a:lnRef>
+          <a:fillRef idx="1">
+            <a:schemeClr val="accent2"/>
+          </a:fillRef>
+          <a:effectRef idx="0">
+            <a:schemeClr val="accent2"/>
+          </a:effectRef>
+          <a:fontRef idx="minor">
+            <a:schemeClr val="lt1"/>
+          </a:fontRef>
+        </p:style>
+        <p:txBody>
+          <a:bodyPr rtlCol="0" anchor="ctr"/>
+          <a:lstStyle/>
+          <a:p>
+            <a:pPr algn="ctr"/>
+            <a:r>
+              <a:rPr lang="en-GB" dirty="0" err="1"/>
+              <a:t>Sem</a:t>
+            </a:r>
+            <a:r>
+              <a:rPr lang="en-GB" dirty="0"/>
+              <a:t>-SOS</a:t>
+            </a:r>
+          </a:p>
+        </p:txBody>
+      </p:sp>
+      <p:sp>
+        <p:nvSpPr>
+          <p:cNvPr id="10" name="Rectangle 9"/>
+          <p:cNvSpPr/>
+          <p:nvPr/>
+        </p:nvSpPr>
+        <p:spPr>
+          <a:xfrm>
+            <a:off x="5984249" y="2910959"/>
+            <a:ext cx="1484648" cy="859734"/>
+          </a:xfrm>
+          <a:prstGeom prst="rect">
+            <a:avLst/>
+          </a:prstGeom>
+        </p:spPr>
+        <p:style>
+          <a:lnRef idx="2">
+            <a:schemeClr val="accent2">
+              <a:shade val="50000"/>
+            </a:schemeClr>
+          </a:lnRef>
+          <a:fillRef idx="1">
+            <a:schemeClr val="accent2"/>
+          </a:fillRef>
+          <a:effectRef idx="0">
+            <a:schemeClr val="accent2"/>
+          </a:effectRef>
+          <a:fontRef idx="minor">
+            <a:schemeClr val="lt1"/>
+          </a:fontRef>
+        </p:style>
+        <p:txBody>
+          <a:bodyPr rtlCol="0" anchor="ctr"/>
+          <a:lstStyle/>
+          <a:p>
+            <a:pPr algn="ctr"/>
+            <a:r>
+              <a:rPr lang="en-GB" dirty="0"/>
+              <a:t>Semantic Enablement Layer</a:t>
+            </a:r>
+          </a:p>
+        </p:txBody>
+      </p:sp>
+      <p:sp>
+        <p:nvSpPr>
+          <p:cNvPr id="18" name="TextBox 17"/>
+          <p:cNvSpPr txBox="1"/>
+          <p:nvPr/>
+        </p:nvSpPr>
+        <p:spPr>
+          <a:xfrm>
+            <a:off x="7541703" y="2574043"/>
+            <a:ext cx="2483141" cy="369332"/>
+          </a:xfrm>
+          <a:prstGeom prst="rect">
+            <a:avLst/>
+          </a:prstGeom>
+          <a:noFill/>
+        </p:spPr>
+        <p:txBody>
+          <a:bodyPr wrap="square" rtlCol="0">
+            <a:spAutoFit/>
+          </a:bodyPr>
+          <a:lstStyle/>
+          <a:p>
+            <a:pPr algn="r"/>
+            <a:r>
+              <a:rPr lang="en-GB" dirty="0"/>
+              <a:t>Observation data source</a:t>
+            </a:r>
+          </a:p>
+        </p:txBody>
+      </p:sp>
+      <p:sp>
+        <p:nvSpPr>
+          <p:cNvPr id="19" name="TextBox 18"/>
+          <p:cNvSpPr txBox="1"/>
+          <p:nvPr/>
+        </p:nvSpPr>
+        <p:spPr>
+          <a:xfrm>
+            <a:off x="7825532" y="2215114"/>
+            <a:ext cx="2199312" cy="369332"/>
+          </a:xfrm>
+          <a:prstGeom prst="rect">
+            <a:avLst/>
+          </a:prstGeom>
+          <a:noFill/>
+        </p:spPr>
+        <p:txBody>
+          <a:bodyPr wrap="square" rtlCol="0">
+            <a:spAutoFit/>
+          </a:bodyPr>
+          <a:lstStyle/>
+          <a:p>
+            <a:pPr algn="r"/>
+            <a:r>
+              <a:rPr lang="en-GB" dirty="0"/>
+              <a:t>Metadata catalogue</a:t>
+            </a:r>
+          </a:p>
+        </p:txBody>
+      </p:sp>
+      <p:sp>
+        <p:nvSpPr>
+          <p:cNvPr id="25" name="Rectangle 24"/>
+          <p:cNvSpPr/>
+          <p:nvPr/>
+        </p:nvSpPr>
+        <p:spPr>
+          <a:xfrm>
+            <a:off x="2499919" y="1875707"/>
+            <a:ext cx="830512" cy="402445"/>
+          </a:xfrm>
+          <a:prstGeom prst="rect">
+            <a:avLst/>
+          </a:prstGeom>
+        </p:spPr>
+        <p:style>
+          <a:lnRef idx="2">
+            <a:schemeClr val="accent1">
+              <a:shade val="50000"/>
+            </a:schemeClr>
+          </a:lnRef>
+          <a:fillRef idx="1">
+            <a:schemeClr val="accent1"/>
+          </a:fillRef>
+          <a:effectRef idx="0">
+            <a:schemeClr val="accent1"/>
+          </a:effectRef>
+          <a:fontRef idx="minor">
+            <a:schemeClr val="lt1"/>
+          </a:fontRef>
+        </p:style>
+        <p:txBody>
+          <a:bodyPr rtlCol="0" anchor="ctr"/>
+          <a:lstStyle/>
+          <a:p>
+            <a:pPr algn="ctr"/>
+            <a:r>
+              <a:rPr lang="en-GB" dirty="0"/>
+              <a:t>SIR</a:t>
+            </a:r>
+          </a:p>
+        </p:txBody>
+      </p:sp>
+      <p:sp>
+        <p:nvSpPr>
+          <p:cNvPr id="26" name="Rectangle 25"/>
+          <p:cNvSpPr/>
+          <p:nvPr/>
+        </p:nvSpPr>
+        <p:spPr>
+          <a:xfrm>
+            <a:off x="3422710" y="1875706"/>
+            <a:ext cx="822018" cy="402445"/>
+          </a:xfrm>
+          <a:prstGeom prst="rect">
+            <a:avLst/>
+          </a:prstGeom>
+        </p:spPr>
+        <p:style>
+          <a:lnRef idx="2">
+            <a:schemeClr val="accent1">
+              <a:shade val="50000"/>
+            </a:schemeClr>
+          </a:lnRef>
+          <a:fillRef idx="1">
+            <a:schemeClr val="accent1"/>
+          </a:fillRef>
+          <a:effectRef idx="0">
+            <a:schemeClr val="accent1"/>
+          </a:effectRef>
+          <a:fontRef idx="minor">
+            <a:schemeClr val="lt1"/>
+          </a:fontRef>
+        </p:style>
+        <p:txBody>
+          <a:bodyPr rtlCol="0" anchor="ctr"/>
+          <a:lstStyle/>
+          <a:p>
+            <a:pPr algn="ctr"/>
+            <a:r>
+              <a:rPr lang="en-GB" dirty="0"/>
+              <a:t>SOR</a:t>
+            </a:r>
+          </a:p>
+        </p:txBody>
+      </p:sp>
+      <p:sp>
+        <p:nvSpPr>
+          <p:cNvPr id="28" name="Rectangle 27"/>
+          <p:cNvSpPr/>
+          <p:nvPr/>
+        </p:nvSpPr>
+        <p:spPr>
+          <a:xfrm>
+            <a:off x="5370251" y="1875706"/>
+            <a:ext cx="1736521" cy="402445"/>
+          </a:xfrm>
+          <a:prstGeom prst="rect">
+            <a:avLst/>
+          </a:prstGeom>
+        </p:spPr>
+        <p:style>
+          <a:lnRef idx="2">
+            <a:schemeClr val="accent1">
+              <a:shade val="50000"/>
+            </a:schemeClr>
+          </a:lnRef>
+          <a:fillRef idx="1">
+            <a:schemeClr val="accent1"/>
+          </a:fillRef>
+          <a:effectRef idx="0">
+            <a:schemeClr val="accent1"/>
+          </a:effectRef>
+          <a:fontRef idx="minor">
+            <a:schemeClr val="lt1"/>
+          </a:fontRef>
+        </p:style>
+        <p:txBody>
+          <a:bodyPr rtlCol="0" anchor="ctr"/>
+          <a:lstStyle/>
+          <a:p>
+            <a:pPr algn="ctr"/>
+            <a:r>
+              <a:rPr lang="en-GB" dirty="0"/>
+              <a:t>WPS</a:t>
+            </a:r>
+          </a:p>
+        </p:txBody>
+      </p:sp>
+      <p:sp>
+        <p:nvSpPr>
+          <p:cNvPr id="34" name="Rectangle 33"/>
+          <p:cNvSpPr/>
+          <p:nvPr/>
+        </p:nvSpPr>
+        <p:spPr>
+          <a:xfrm>
+            <a:off x="785004" y="2584446"/>
+            <a:ext cx="9239840" cy="3447831"/>
+          </a:xfrm>
+          <a:prstGeom prst="rect">
+            <a:avLst/>
+          </a:prstGeom>
+          <a:noFill/>
+          <a:ln>
+            <a:solidFill>
+              <a:schemeClr val="tx1"/>
+            </a:solidFill>
+            <a:prstDash val="dash"/>
+          </a:ln>
+        </p:spPr>
+        <p:style>
+          <a:lnRef idx="2">
+            <a:schemeClr val="accent1">
+              <a:shade val="50000"/>
+            </a:schemeClr>
+          </a:lnRef>
+          <a:fillRef idx="1">
+            <a:schemeClr val="accent1"/>
+          </a:fillRef>
+          <a:effectRef idx="0">
+            <a:schemeClr val="accent1"/>
+          </a:effectRef>
+          <a:fontRef idx="minor">
+            <a:schemeClr val="lt1"/>
+          </a:fontRef>
+        </p:style>
+        <p:txBody>
+          <a:bodyPr rtlCol="0" anchor="ctr"/>
+          <a:lstStyle/>
+          <a:p>
+            <a:pPr algn="ctr"/>
+            <a:endParaRPr lang="en-GB"/>
+          </a:p>
+        </p:txBody>
+      </p:sp>
+      <p:sp>
+        <p:nvSpPr>
+          <p:cNvPr id="35" name="Rectangle 34"/>
+          <p:cNvSpPr/>
+          <p:nvPr/>
+        </p:nvSpPr>
+        <p:spPr>
+          <a:xfrm>
+            <a:off x="785004" y="465655"/>
+            <a:ext cx="9239840" cy="2118791"/>
+          </a:xfrm>
+          <a:prstGeom prst="rect">
+            <a:avLst/>
+          </a:prstGeom>
+          <a:noFill/>
+          <a:ln>
+            <a:solidFill>
+              <a:schemeClr val="tx1"/>
+            </a:solidFill>
+            <a:prstDash val="dash"/>
+          </a:ln>
+        </p:spPr>
+        <p:style>
+          <a:lnRef idx="2">
+            <a:schemeClr val="accent1">
+              <a:shade val="50000"/>
+            </a:schemeClr>
+          </a:lnRef>
+          <a:fillRef idx="1">
+            <a:schemeClr val="accent1"/>
+          </a:fillRef>
+          <a:effectRef idx="0">
+            <a:schemeClr val="accent1"/>
+          </a:effectRef>
+          <a:fontRef idx="minor">
+            <a:schemeClr val="lt1"/>
+          </a:fontRef>
+        </p:style>
+        <p:txBody>
+          <a:bodyPr rtlCol="0" anchor="ctr"/>
+          <a:lstStyle/>
+          <a:p>
+            <a:pPr algn="ctr"/>
+            <a:endParaRPr lang="en-GB"/>
+          </a:p>
+        </p:txBody>
+      </p:sp>
+    </p:spTree>
+    <p:extLst>
+      <p:ext uri="{BB962C8B-B14F-4D97-AF65-F5344CB8AC3E}">
+        <p14:creationId xmlns:p14="http://schemas.microsoft.com/office/powerpoint/2010/main" val="950426067"/>
+      </p:ext>
+    </p:extLst>
+  </p:cSld>
+  <p:clrMapOvr>
+    <a:masterClrMapping/>
+  </p:clrMapOvr>
+</p:sld>
+</file>
+
 <file path=ppt/theme/theme1.xml><?xml version="1.0" encoding="utf-8"?>
 <a:theme xmlns:a="http://schemas.openxmlformats.org/drawingml/2006/main" name="Office Theme">
   <a:themeElements>

--- a/Reports/UML/diagram.pptx
+++ b/Reports/UML/diagram.pptx
@@ -261,7 +261,7 @@
           <a:p>
             <a:fld id="{37D254DE-7F3D-4BFF-BC2F-8BA99F5ABEC1}" type="datetimeFigureOut">
               <a:rPr lang="en-GB" smtClean="0"/>
-              <a:t>11/05/2016</a:t>
+              <a:t>12/05/2016</a:t>
             </a:fld>
             <a:endParaRPr lang="en-GB"/>
           </a:p>
@@ -431,7 +431,7 @@
           <a:p>
             <a:fld id="{37D254DE-7F3D-4BFF-BC2F-8BA99F5ABEC1}" type="datetimeFigureOut">
               <a:rPr lang="en-GB" smtClean="0"/>
-              <a:t>11/05/2016</a:t>
+              <a:t>12/05/2016</a:t>
             </a:fld>
             <a:endParaRPr lang="en-GB"/>
           </a:p>
@@ -611,7 +611,7 @@
           <a:p>
             <a:fld id="{37D254DE-7F3D-4BFF-BC2F-8BA99F5ABEC1}" type="datetimeFigureOut">
               <a:rPr lang="en-GB" smtClean="0"/>
-              <a:t>11/05/2016</a:t>
+              <a:t>12/05/2016</a:t>
             </a:fld>
             <a:endParaRPr lang="en-GB"/>
           </a:p>
@@ -781,7 +781,7 @@
           <a:p>
             <a:fld id="{37D254DE-7F3D-4BFF-BC2F-8BA99F5ABEC1}" type="datetimeFigureOut">
               <a:rPr lang="en-GB" smtClean="0"/>
-              <a:t>11/05/2016</a:t>
+              <a:t>12/05/2016</a:t>
             </a:fld>
             <a:endParaRPr lang="en-GB"/>
           </a:p>
@@ -1027,7 +1027,7 @@
           <a:p>
             <a:fld id="{37D254DE-7F3D-4BFF-BC2F-8BA99F5ABEC1}" type="datetimeFigureOut">
               <a:rPr lang="en-GB" smtClean="0"/>
-              <a:t>11/05/2016</a:t>
+              <a:t>12/05/2016</a:t>
             </a:fld>
             <a:endParaRPr lang="en-GB"/>
           </a:p>
@@ -1259,7 +1259,7 @@
           <a:p>
             <a:fld id="{37D254DE-7F3D-4BFF-BC2F-8BA99F5ABEC1}" type="datetimeFigureOut">
               <a:rPr lang="en-GB" smtClean="0"/>
-              <a:t>11/05/2016</a:t>
+              <a:t>12/05/2016</a:t>
             </a:fld>
             <a:endParaRPr lang="en-GB"/>
           </a:p>
@@ -1626,7 +1626,7 @@
           <a:p>
             <a:fld id="{37D254DE-7F3D-4BFF-BC2F-8BA99F5ABEC1}" type="datetimeFigureOut">
               <a:rPr lang="en-GB" smtClean="0"/>
-              <a:t>11/05/2016</a:t>
+              <a:t>12/05/2016</a:t>
             </a:fld>
             <a:endParaRPr lang="en-GB"/>
           </a:p>
@@ -1744,7 +1744,7 @@
           <a:p>
             <a:fld id="{37D254DE-7F3D-4BFF-BC2F-8BA99F5ABEC1}" type="datetimeFigureOut">
               <a:rPr lang="en-GB" smtClean="0"/>
-              <a:t>11/05/2016</a:t>
+              <a:t>12/05/2016</a:t>
             </a:fld>
             <a:endParaRPr lang="en-GB"/>
           </a:p>
@@ -1839,7 +1839,7 @@
           <a:p>
             <a:fld id="{37D254DE-7F3D-4BFF-BC2F-8BA99F5ABEC1}" type="datetimeFigureOut">
               <a:rPr lang="en-GB" smtClean="0"/>
-              <a:t>11/05/2016</a:t>
+              <a:t>12/05/2016</a:t>
             </a:fld>
             <a:endParaRPr lang="en-GB"/>
           </a:p>
@@ -2116,7 +2116,7 @@
           <a:p>
             <a:fld id="{37D254DE-7F3D-4BFF-BC2F-8BA99F5ABEC1}" type="datetimeFigureOut">
               <a:rPr lang="en-GB" smtClean="0"/>
-              <a:t>11/05/2016</a:t>
+              <a:t>12/05/2016</a:t>
             </a:fld>
             <a:endParaRPr lang="en-GB"/>
           </a:p>
@@ -2369,7 +2369,7 @@
           <a:p>
             <a:fld id="{37D254DE-7F3D-4BFF-BC2F-8BA99F5ABEC1}" type="datetimeFigureOut">
               <a:rPr lang="en-GB" smtClean="0"/>
-              <a:t>11/05/2016</a:t>
+              <a:t>12/05/2016</a:t>
             </a:fld>
             <a:endParaRPr lang="en-GB"/>
           </a:p>
@@ -2582,7 +2582,7 @@
           <a:p>
             <a:fld id="{37D254DE-7F3D-4BFF-BC2F-8BA99F5ABEC1}" type="datetimeFigureOut">
               <a:rPr lang="en-GB" smtClean="0"/>
-              <a:t>11/05/2016</a:t>
+              <a:t>12/05/2016</a:t>
             </a:fld>
             <a:endParaRPr lang="en-GB"/>
           </a:p>
@@ -8001,6 +8001,53 @@
       </p:grpSpPr>
       <p:sp>
         <p:nvSpPr>
+          <p:cNvPr id="20" name="Rectangle 19"/>
+          <p:cNvSpPr/>
+          <p:nvPr/>
+        </p:nvSpPr>
+        <p:spPr>
+          <a:xfrm>
+            <a:off x="671119" y="0"/>
+            <a:ext cx="4152551" cy="6744749"/>
+          </a:xfrm>
+          <a:prstGeom prst="rect">
+            <a:avLst/>
+          </a:prstGeom>
+          <a:noFill/>
+          <a:ln>
+            <a:solidFill>
+              <a:schemeClr val="tx1"/>
+            </a:solidFill>
+            <a:prstDash val="dash"/>
+          </a:ln>
+        </p:spPr>
+        <p:style>
+          <a:lnRef idx="2">
+            <a:schemeClr val="accent1">
+              <a:shade val="50000"/>
+            </a:schemeClr>
+          </a:lnRef>
+          <a:fillRef idx="1">
+            <a:schemeClr val="accent1"/>
+          </a:fillRef>
+          <a:effectRef idx="0">
+            <a:schemeClr val="accent1"/>
+          </a:effectRef>
+          <a:fontRef idx="minor">
+            <a:schemeClr val="lt1"/>
+          </a:fontRef>
+        </p:style>
+        <p:txBody>
+          <a:bodyPr rtlCol="0" anchor="ctr"/>
+          <a:lstStyle/>
+          <a:p>
+            <a:pPr algn="ctr"/>
+            <a:endParaRPr lang="en-GB"/>
+          </a:p>
+        </p:txBody>
+      </p:sp>
+      <p:sp>
+        <p:nvSpPr>
           <p:cNvPr id="2" name="Rectangle 1"/>
           <p:cNvSpPr/>
           <p:nvPr/>
@@ -8562,8 +8609,8 @@
         </p:nvSpPr>
         <p:spPr>
           <a:xfrm>
-            <a:off x="785004" y="465655"/>
-            <a:ext cx="9239840" cy="2118791"/>
+            <a:off x="785004" y="117447"/>
+            <a:ext cx="9239840" cy="2467000"/>
           </a:xfrm>
           <a:prstGeom prst="rect">
             <a:avLst/>
@@ -8598,6 +8645,65 @@
           <a:p>
             <a:pPr algn="ctr"/>
             <a:endParaRPr lang="en-GB"/>
+          </a:p>
+        </p:txBody>
+      </p:sp>
+      <p:sp>
+        <p:nvSpPr>
+          <p:cNvPr id="21" name="TextBox 20"/>
+          <p:cNvSpPr txBox="1"/>
+          <p:nvPr/>
+        </p:nvSpPr>
+        <p:spPr>
+          <a:xfrm>
+            <a:off x="2624358" y="192238"/>
+            <a:ext cx="2199312" cy="369332"/>
+          </a:xfrm>
+          <a:prstGeom prst="rect">
+            <a:avLst/>
+          </a:prstGeom>
+          <a:noFill/>
+        </p:spPr>
+        <p:txBody>
+          <a:bodyPr wrap="square" rtlCol="0">
+            <a:spAutoFit/>
+          </a:bodyPr>
+          <a:lstStyle/>
+          <a:p>
+            <a:pPr algn="r"/>
+            <a:r>
+              <a:rPr lang="en-GB" dirty="0"/>
+              <a:t>Geo web</a:t>
+            </a:r>
+          </a:p>
+        </p:txBody>
+      </p:sp>
+      <p:sp>
+        <p:nvSpPr>
+          <p:cNvPr id="22" name="TextBox 21"/>
+          <p:cNvSpPr txBox="1"/>
+          <p:nvPr/>
+        </p:nvSpPr>
+        <p:spPr>
+          <a:xfrm>
+            <a:off x="4808288" y="192238"/>
+            <a:ext cx="2199312" cy="369332"/>
+          </a:xfrm>
+          <a:prstGeom prst="rect">
+            <a:avLst/>
+          </a:prstGeom>
+          <a:noFill/>
+        </p:spPr>
+        <p:txBody>
+          <a:bodyPr wrap="square" rtlCol="0">
+            <a:spAutoFit/>
+          </a:bodyPr>
+          <a:lstStyle/>
+          <a:p>
+            <a:r>
+              <a:rPr lang="en-GB" dirty="0"/>
+              <a:t>Semantic web</a:t>
+            </a:r>
           </a:p>
         </p:txBody>
       </p:sp>

--- a/Reports/UML/diagram.pptx
+++ b/Reports/UML/diagram.pptx
@@ -261,7 +261,7 @@
           <a:p>
             <a:fld id="{37D254DE-7F3D-4BFF-BC2F-8BA99F5ABEC1}" type="datetimeFigureOut">
               <a:rPr lang="en-GB" smtClean="0"/>
-              <a:t>12/05/2016</a:t>
+              <a:t>17/05/2016</a:t>
             </a:fld>
             <a:endParaRPr lang="en-GB"/>
           </a:p>
@@ -431,7 +431,7 @@
           <a:p>
             <a:fld id="{37D254DE-7F3D-4BFF-BC2F-8BA99F5ABEC1}" type="datetimeFigureOut">
               <a:rPr lang="en-GB" smtClean="0"/>
-              <a:t>12/05/2016</a:t>
+              <a:t>17/05/2016</a:t>
             </a:fld>
             <a:endParaRPr lang="en-GB"/>
           </a:p>
@@ -611,7 +611,7 @@
           <a:p>
             <a:fld id="{37D254DE-7F3D-4BFF-BC2F-8BA99F5ABEC1}" type="datetimeFigureOut">
               <a:rPr lang="en-GB" smtClean="0"/>
-              <a:t>12/05/2016</a:t>
+              <a:t>17/05/2016</a:t>
             </a:fld>
             <a:endParaRPr lang="en-GB"/>
           </a:p>
@@ -781,7 +781,7 @@
           <a:p>
             <a:fld id="{37D254DE-7F3D-4BFF-BC2F-8BA99F5ABEC1}" type="datetimeFigureOut">
               <a:rPr lang="en-GB" smtClean="0"/>
-              <a:t>12/05/2016</a:t>
+              <a:t>17/05/2016</a:t>
             </a:fld>
             <a:endParaRPr lang="en-GB"/>
           </a:p>
@@ -1027,7 +1027,7 @@
           <a:p>
             <a:fld id="{37D254DE-7F3D-4BFF-BC2F-8BA99F5ABEC1}" type="datetimeFigureOut">
               <a:rPr lang="en-GB" smtClean="0"/>
-              <a:t>12/05/2016</a:t>
+              <a:t>17/05/2016</a:t>
             </a:fld>
             <a:endParaRPr lang="en-GB"/>
           </a:p>
@@ -1259,7 +1259,7 @@
           <a:p>
             <a:fld id="{37D254DE-7F3D-4BFF-BC2F-8BA99F5ABEC1}" type="datetimeFigureOut">
               <a:rPr lang="en-GB" smtClean="0"/>
-              <a:t>12/05/2016</a:t>
+              <a:t>17/05/2016</a:t>
             </a:fld>
             <a:endParaRPr lang="en-GB"/>
           </a:p>
@@ -1626,7 +1626,7 @@
           <a:p>
             <a:fld id="{37D254DE-7F3D-4BFF-BC2F-8BA99F5ABEC1}" type="datetimeFigureOut">
               <a:rPr lang="en-GB" smtClean="0"/>
-              <a:t>12/05/2016</a:t>
+              <a:t>17/05/2016</a:t>
             </a:fld>
             <a:endParaRPr lang="en-GB"/>
           </a:p>
@@ -1744,7 +1744,7 @@
           <a:p>
             <a:fld id="{37D254DE-7F3D-4BFF-BC2F-8BA99F5ABEC1}" type="datetimeFigureOut">
               <a:rPr lang="en-GB" smtClean="0"/>
-              <a:t>12/05/2016</a:t>
+              <a:t>17/05/2016</a:t>
             </a:fld>
             <a:endParaRPr lang="en-GB"/>
           </a:p>
@@ -1839,7 +1839,7 @@
           <a:p>
             <a:fld id="{37D254DE-7F3D-4BFF-BC2F-8BA99F5ABEC1}" type="datetimeFigureOut">
               <a:rPr lang="en-GB" smtClean="0"/>
-              <a:t>12/05/2016</a:t>
+              <a:t>17/05/2016</a:t>
             </a:fld>
             <a:endParaRPr lang="en-GB"/>
           </a:p>
@@ -2116,7 +2116,7 @@
           <a:p>
             <a:fld id="{37D254DE-7F3D-4BFF-BC2F-8BA99F5ABEC1}" type="datetimeFigureOut">
               <a:rPr lang="en-GB" smtClean="0"/>
-              <a:t>12/05/2016</a:t>
+              <a:t>17/05/2016</a:t>
             </a:fld>
             <a:endParaRPr lang="en-GB"/>
           </a:p>
@@ -2369,7 +2369,7 @@
           <a:p>
             <a:fld id="{37D254DE-7F3D-4BFF-BC2F-8BA99F5ABEC1}" type="datetimeFigureOut">
               <a:rPr lang="en-GB" smtClean="0"/>
-              <a:t>12/05/2016</a:t>
+              <a:t>17/05/2016</a:t>
             </a:fld>
             <a:endParaRPr lang="en-GB"/>
           </a:p>
@@ -2582,7 +2582,7 @@
           <a:p>
             <a:fld id="{37D254DE-7F3D-4BFF-BC2F-8BA99F5ABEC1}" type="datetimeFigureOut">
               <a:rPr lang="en-GB" smtClean="0"/>
-              <a:t>12/05/2016</a:t>
+              <a:t>17/05/2016</a:t>
             </a:fld>
             <a:endParaRPr lang="en-GB"/>
           </a:p>
@@ -3844,10 +3844,9 @@
           <a:p>
             <a:pPr algn="ctr"/>
             <a:r>
-              <a:rPr lang="en-GB" dirty="0" err="1"/>
+              <a:rPr lang="en-GB" dirty="0"/>
               <a:t>DBPedia</a:t>
             </a:r>
-            <a:endParaRPr lang="en-GB" dirty="0"/>
           </a:p>
         </p:txBody>
       </p:sp>

--- a/Reports/UML/diagram.pptx
+++ b/Reports/UML/diagram.pptx
@@ -261,7 +261,7 @@
           <a:p>
             <a:fld id="{37D254DE-7F3D-4BFF-BC2F-8BA99F5ABEC1}" type="datetimeFigureOut">
               <a:rPr lang="en-GB" smtClean="0"/>
-              <a:t>17/05/2016</a:t>
+              <a:t>27/05/2016</a:t>
             </a:fld>
             <a:endParaRPr lang="en-GB"/>
           </a:p>
@@ -431,7 +431,7 @@
           <a:p>
             <a:fld id="{37D254DE-7F3D-4BFF-BC2F-8BA99F5ABEC1}" type="datetimeFigureOut">
               <a:rPr lang="en-GB" smtClean="0"/>
-              <a:t>17/05/2016</a:t>
+              <a:t>27/05/2016</a:t>
             </a:fld>
             <a:endParaRPr lang="en-GB"/>
           </a:p>
@@ -611,7 +611,7 @@
           <a:p>
             <a:fld id="{37D254DE-7F3D-4BFF-BC2F-8BA99F5ABEC1}" type="datetimeFigureOut">
               <a:rPr lang="en-GB" smtClean="0"/>
-              <a:t>17/05/2016</a:t>
+              <a:t>27/05/2016</a:t>
             </a:fld>
             <a:endParaRPr lang="en-GB"/>
           </a:p>
@@ -781,7 +781,7 @@
           <a:p>
             <a:fld id="{37D254DE-7F3D-4BFF-BC2F-8BA99F5ABEC1}" type="datetimeFigureOut">
               <a:rPr lang="en-GB" smtClean="0"/>
-              <a:t>17/05/2016</a:t>
+              <a:t>27/05/2016</a:t>
             </a:fld>
             <a:endParaRPr lang="en-GB"/>
           </a:p>
@@ -1027,7 +1027,7 @@
           <a:p>
             <a:fld id="{37D254DE-7F3D-4BFF-BC2F-8BA99F5ABEC1}" type="datetimeFigureOut">
               <a:rPr lang="en-GB" smtClean="0"/>
-              <a:t>17/05/2016</a:t>
+              <a:t>27/05/2016</a:t>
             </a:fld>
             <a:endParaRPr lang="en-GB"/>
           </a:p>
@@ -1259,7 +1259,7 @@
           <a:p>
             <a:fld id="{37D254DE-7F3D-4BFF-BC2F-8BA99F5ABEC1}" type="datetimeFigureOut">
               <a:rPr lang="en-GB" smtClean="0"/>
-              <a:t>17/05/2016</a:t>
+              <a:t>27/05/2016</a:t>
             </a:fld>
             <a:endParaRPr lang="en-GB"/>
           </a:p>
@@ -1626,7 +1626,7 @@
           <a:p>
             <a:fld id="{37D254DE-7F3D-4BFF-BC2F-8BA99F5ABEC1}" type="datetimeFigureOut">
               <a:rPr lang="en-GB" smtClean="0"/>
-              <a:t>17/05/2016</a:t>
+              <a:t>27/05/2016</a:t>
             </a:fld>
             <a:endParaRPr lang="en-GB"/>
           </a:p>
@@ -1744,7 +1744,7 @@
           <a:p>
             <a:fld id="{37D254DE-7F3D-4BFF-BC2F-8BA99F5ABEC1}" type="datetimeFigureOut">
               <a:rPr lang="en-GB" smtClean="0"/>
-              <a:t>17/05/2016</a:t>
+              <a:t>27/05/2016</a:t>
             </a:fld>
             <a:endParaRPr lang="en-GB"/>
           </a:p>
@@ -1839,7 +1839,7 @@
           <a:p>
             <a:fld id="{37D254DE-7F3D-4BFF-BC2F-8BA99F5ABEC1}" type="datetimeFigureOut">
               <a:rPr lang="en-GB" smtClean="0"/>
-              <a:t>17/05/2016</a:t>
+              <a:t>27/05/2016</a:t>
             </a:fld>
             <a:endParaRPr lang="en-GB"/>
           </a:p>
@@ -2116,7 +2116,7 @@
           <a:p>
             <a:fld id="{37D254DE-7F3D-4BFF-BC2F-8BA99F5ABEC1}" type="datetimeFigureOut">
               <a:rPr lang="en-GB" smtClean="0"/>
-              <a:t>17/05/2016</a:t>
+              <a:t>27/05/2016</a:t>
             </a:fld>
             <a:endParaRPr lang="en-GB"/>
           </a:p>
@@ -2369,7 +2369,7 @@
           <a:p>
             <a:fld id="{37D254DE-7F3D-4BFF-BC2F-8BA99F5ABEC1}" type="datetimeFigureOut">
               <a:rPr lang="en-GB" smtClean="0"/>
-              <a:t>17/05/2016</a:t>
+              <a:t>27/05/2016</a:t>
             </a:fld>
             <a:endParaRPr lang="en-GB"/>
           </a:p>
@@ -2582,7 +2582,7 @@
           <a:p>
             <a:fld id="{37D254DE-7F3D-4BFF-BC2F-8BA99F5ABEC1}" type="datetimeFigureOut">
               <a:rPr lang="en-GB" smtClean="0"/>
-              <a:t>17/05/2016</a:t>
+              <a:t>27/05/2016</a:t>
             </a:fld>
             <a:endParaRPr lang="en-GB"/>
           </a:p>
@@ -8311,12 +8311,8 @@
           <a:p>
             <a:pPr algn="ctr"/>
             <a:r>
-              <a:rPr lang="en-GB" dirty="0" err="1"/>
-              <a:t>Sem</a:t>
-            </a:r>
-            <a:r>
               <a:rPr lang="en-GB" dirty="0"/>
-              <a:t>-SOS</a:t>
+              <a:t>Sem-SOS</a:t>
             </a:r>
           </a:p>
         </p:txBody>

--- a/Reports/UML/diagram.pptx
+++ b/Reports/UML/diagram.pptx
@@ -261,7 +261,7 @@
           <a:p>
             <a:fld id="{37D254DE-7F3D-4BFF-BC2F-8BA99F5ABEC1}" type="datetimeFigureOut">
               <a:rPr lang="en-GB" smtClean="0"/>
-              <a:t>27/05/2016</a:t>
+              <a:t>20/06/2016</a:t>
             </a:fld>
             <a:endParaRPr lang="en-GB"/>
           </a:p>
@@ -431,7 +431,7 @@
           <a:p>
             <a:fld id="{37D254DE-7F3D-4BFF-BC2F-8BA99F5ABEC1}" type="datetimeFigureOut">
               <a:rPr lang="en-GB" smtClean="0"/>
-              <a:t>27/05/2016</a:t>
+              <a:t>20/06/2016</a:t>
             </a:fld>
             <a:endParaRPr lang="en-GB"/>
           </a:p>
@@ -611,7 +611,7 @@
           <a:p>
             <a:fld id="{37D254DE-7F3D-4BFF-BC2F-8BA99F5ABEC1}" type="datetimeFigureOut">
               <a:rPr lang="en-GB" smtClean="0"/>
-              <a:t>27/05/2016</a:t>
+              <a:t>20/06/2016</a:t>
             </a:fld>
             <a:endParaRPr lang="en-GB"/>
           </a:p>
@@ -781,7 +781,7 @@
           <a:p>
             <a:fld id="{37D254DE-7F3D-4BFF-BC2F-8BA99F5ABEC1}" type="datetimeFigureOut">
               <a:rPr lang="en-GB" smtClean="0"/>
-              <a:t>27/05/2016</a:t>
+              <a:t>20/06/2016</a:t>
             </a:fld>
             <a:endParaRPr lang="en-GB"/>
           </a:p>
@@ -1027,7 +1027,7 @@
           <a:p>
             <a:fld id="{37D254DE-7F3D-4BFF-BC2F-8BA99F5ABEC1}" type="datetimeFigureOut">
               <a:rPr lang="en-GB" smtClean="0"/>
-              <a:t>27/05/2016</a:t>
+              <a:t>20/06/2016</a:t>
             </a:fld>
             <a:endParaRPr lang="en-GB"/>
           </a:p>
@@ -1259,7 +1259,7 @@
           <a:p>
             <a:fld id="{37D254DE-7F3D-4BFF-BC2F-8BA99F5ABEC1}" type="datetimeFigureOut">
               <a:rPr lang="en-GB" smtClean="0"/>
-              <a:t>27/05/2016</a:t>
+              <a:t>20/06/2016</a:t>
             </a:fld>
             <a:endParaRPr lang="en-GB"/>
           </a:p>
@@ -1626,7 +1626,7 @@
           <a:p>
             <a:fld id="{37D254DE-7F3D-4BFF-BC2F-8BA99F5ABEC1}" type="datetimeFigureOut">
               <a:rPr lang="en-GB" smtClean="0"/>
-              <a:t>27/05/2016</a:t>
+              <a:t>20/06/2016</a:t>
             </a:fld>
             <a:endParaRPr lang="en-GB"/>
           </a:p>
@@ -1744,7 +1744,7 @@
           <a:p>
             <a:fld id="{37D254DE-7F3D-4BFF-BC2F-8BA99F5ABEC1}" type="datetimeFigureOut">
               <a:rPr lang="en-GB" smtClean="0"/>
-              <a:t>27/05/2016</a:t>
+              <a:t>20/06/2016</a:t>
             </a:fld>
             <a:endParaRPr lang="en-GB"/>
           </a:p>
@@ -1839,7 +1839,7 @@
           <a:p>
             <a:fld id="{37D254DE-7F3D-4BFF-BC2F-8BA99F5ABEC1}" type="datetimeFigureOut">
               <a:rPr lang="en-GB" smtClean="0"/>
-              <a:t>27/05/2016</a:t>
+              <a:t>20/06/2016</a:t>
             </a:fld>
             <a:endParaRPr lang="en-GB"/>
           </a:p>
@@ -2116,7 +2116,7 @@
           <a:p>
             <a:fld id="{37D254DE-7F3D-4BFF-BC2F-8BA99F5ABEC1}" type="datetimeFigureOut">
               <a:rPr lang="en-GB" smtClean="0"/>
-              <a:t>27/05/2016</a:t>
+              <a:t>20/06/2016</a:t>
             </a:fld>
             <a:endParaRPr lang="en-GB"/>
           </a:p>
@@ -2369,7 +2369,7 @@
           <a:p>
             <a:fld id="{37D254DE-7F3D-4BFF-BC2F-8BA99F5ABEC1}" type="datetimeFigureOut">
               <a:rPr lang="en-GB" smtClean="0"/>
-              <a:t>27/05/2016</a:t>
+              <a:t>20/06/2016</a:t>
             </a:fld>
             <a:endParaRPr lang="en-GB"/>
           </a:p>
@@ -2582,7 +2582,7 @@
           <a:p>
             <a:fld id="{37D254DE-7F3D-4BFF-BC2F-8BA99F5ABEC1}" type="datetimeFigureOut">
               <a:rPr lang="en-GB" smtClean="0"/>
-              <a:t>27/05/2016</a:t>
+              <a:t>20/06/2016</a:t>
             </a:fld>
             <a:endParaRPr lang="en-GB"/>
           </a:p>
@@ -7889,13 +7889,13 @@
                         <a:t>, … </a:t>
                       </a:r>
                       <a:r>
-                        <a:rPr lang="en-GB" dirty="0" err="1">
+                        <a:rPr lang="en-GB" dirty="0">
                           <a:latin typeface="+mj-lt"/>
                         </a:rPr>
                         <a:t>X</a:t>
                       </a:r>
                       <a:r>
-                        <a:rPr lang="en-GB" baseline="-25000" dirty="0" err="1">
+                        <a:rPr lang="en-GB" baseline="-25000" dirty="0">
                           <a:latin typeface="+mj-lt"/>
                         </a:rPr>
                         <a:t>n</a:t>
@@ -7904,16 +7904,10 @@
                         <a:rPr lang="en-GB" baseline="0" dirty="0">
                           <a:latin typeface="+mj-lt"/>
                         </a:rPr>
-                        <a:t> </a:t>
+                        <a:t> Y</a:t>
                       </a:r>
                       <a:r>
-                        <a:rPr lang="en-GB" baseline="0" dirty="0" err="1">
-                          <a:latin typeface="+mj-lt"/>
-                        </a:rPr>
-                        <a:t>Y</a:t>
-                      </a:r>
-                      <a:r>
-                        <a:rPr lang="en-GB" baseline="-25000" dirty="0" err="1">
+                        <a:rPr lang="en-GB" baseline="-25000" dirty="0">
                           <a:latin typeface="+mj-lt"/>
                         </a:rPr>
                         <a:t>n</a:t>
